--- a/피피티_마무리.pptx
+++ b/피피티_마무리.pptx
@@ -5,38 +5,37 @@
     <p:sldMasterId id="2147483648" r:id="rId1"/>
   </p:sldMasterIdLst>
   <p:sldIdLst>
-    <p:sldId id="256" r:id="rId2"/>
-    <p:sldId id="257" r:id="rId3"/>
-    <p:sldId id="258" r:id="rId4"/>
-    <p:sldId id="262" r:id="rId5"/>
-    <p:sldId id="260" r:id="rId6"/>
-    <p:sldId id="261" r:id="rId7"/>
-    <p:sldId id="263" r:id="rId8"/>
-    <p:sldId id="264" r:id="rId9"/>
-    <p:sldId id="265" r:id="rId10"/>
-    <p:sldId id="266" r:id="rId11"/>
-    <p:sldId id="267" r:id="rId12"/>
-    <p:sldId id="268" r:id="rId13"/>
-    <p:sldId id="269" r:id="rId14"/>
-    <p:sldId id="271" r:id="rId15"/>
-    <p:sldId id="272" r:id="rId16"/>
-    <p:sldId id="273" r:id="rId17"/>
-    <p:sldId id="274" r:id="rId18"/>
-    <p:sldId id="275" r:id="rId19"/>
-    <p:sldId id="277" r:id="rId20"/>
-    <p:sldId id="276" r:id="rId21"/>
-    <p:sldId id="279" r:id="rId22"/>
-    <p:sldId id="281" r:id="rId23"/>
-    <p:sldId id="282" r:id="rId24"/>
-    <p:sldId id="283" r:id="rId25"/>
-    <p:sldId id="284" r:id="rId26"/>
-    <p:sldId id="285" r:id="rId27"/>
-    <p:sldId id="286" r:id="rId28"/>
-    <p:sldId id="287" r:id="rId29"/>
-    <p:sldId id="288" r:id="rId30"/>
-    <p:sldId id="289" r:id="rId31"/>
-    <p:sldId id="290" r:id="rId32"/>
-    <p:sldId id="291" r:id="rId33"/>
+    <p:sldId id="257" r:id="rId2"/>
+    <p:sldId id="258" r:id="rId3"/>
+    <p:sldId id="262" r:id="rId4"/>
+    <p:sldId id="260" r:id="rId5"/>
+    <p:sldId id="261" r:id="rId6"/>
+    <p:sldId id="263" r:id="rId7"/>
+    <p:sldId id="264" r:id="rId8"/>
+    <p:sldId id="265" r:id="rId9"/>
+    <p:sldId id="266" r:id="rId10"/>
+    <p:sldId id="267" r:id="rId11"/>
+    <p:sldId id="268" r:id="rId12"/>
+    <p:sldId id="269" r:id="rId13"/>
+    <p:sldId id="271" r:id="rId14"/>
+    <p:sldId id="272" r:id="rId15"/>
+    <p:sldId id="273" r:id="rId16"/>
+    <p:sldId id="274" r:id="rId17"/>
+    <p:sldId id="275" r:id="rId18"/>
+    <p:sldId id="277" r:id="rId19"/>
+    <p:sldId id="276" r:id="rId20"/>
+    <p:sldId id="279" r:id="rId21"/>
+    <p:sldId id="281" r:id="rId22"/>
+    <p:sldId id="282" r:id="rId23"/>
+    <p:sldId id="283" r:id="rId24"/>
+    <p:sldId id="284" r:id="rId25"/>
+    <p:sldId id="285" r:id="rId26"/>
+    <p:sldId id="286" r:id="rId27"/>
+    <p:sldId id="287" r:id="rId28"/>
+    <p:sldId id="288" r:id="rId29"/>
+    <p:sldId id="289" r:id="rId30"/>
+    <p:sldId id="290" r:id="rId31"/>
+    <p:sldId id="291" r:id="rId32"/>
   </p:sldIdLst>
   <p:sldSz cx="12192000" cy="6858000"/>
   <p:notesSz cx="6858000" cy="9144000"/>
@@ -3406,11 +3405,15 @@
           <a:p>
             <a:r>
               <a:rPr lang="ko-KR" altLang="en-US" dirty="0"/>
-              <a:t>간략 소개</a:t>
-            </a:r>
-            <a:r>
-              <a:rPr lang="en-US" altLang="ko-KR" dirty="0"/>
-              <a:t>	</a:t>
+              <a:t>지금부터하면 </a:t>
+            </a:r>
+            <a:r>
+              <a:rPr lang="ko-KR" altLang="en-US" dirty="0" err="1"/>
+              <a:t>좋을것</a:t>
+            </a:r>
+            <a:r>
+              <a:rPr lang="en-US" altLang="ko-KR" dirty="0"/>
+              <a:t>.</a:t>
             </a:r>
             <a:endParaRPr lang="en-KR" dirty="0"/>
           </a:p>
@@ -3442,21 +3445,67 @@
           <a:bodyPr/>
           <a:lstStyle/>
           <a:p>
-            <a:r>
-              <a:rPr lang="ko-KR" altLang="en-US" dirty="0" err="1"/>
-              <a:t>샌드박스</a:t>
-            </a:r>
-            <a:r>
-              <a:rPr lang="ko-KR" altLang="en-US" dirty="0"/>
-              <a:t> 네트워크 </a:t>
-            </a:r>
-            <a:r>
-              <a:rPr lang="en-US" altLang="ko-KR" dirty="0"/>
-              <a:t>(2</a:t>
-            </a:r>
-            <a:r>
-              <a:rPr lang="ko-KR" altLang="en-US" dirty="0" err="1"/>
-              <a:t>년차</a:t>
+            <a:endParaRPr lang="en-US" altLang="ko-KR" dirty="0"/>
+          </a:p>
+          <a:p>
+            <a:r>
+              <a:rPr lang="en-US" altLang="ko-KR" dirty="0"/>
+              <a:t>1</a:t>
+            </a:r>
+            <a:r>
+              <a:rPr lang="ko-KR" altLang="en-US" dirty="0"/>
+              <a:t>일</a:t>
+            </a:r>
+            <a:r>
+              <a:rPr lang="en-US" altLang="ko-KR" dirty="0"/>
+              <a:t>1</a:t>
+            </a:r>
+            <a:r>
+              <a:rPr lang="ko-KR" altLang="en-US" dirty="0" err="1"/>
+              <a:t>커밋으로</a:t>
+            </a:r>
+            <a:r>
+              <a:rPr lang="ko-KR" altLang="en-US" dirty="0"/>
+              <a:t> </a:t>
+            </a:r>
+            <a:r>
+              <a:rPr lang="en-US" altLang="ko-KR" dirty="0" err="1"/>
+              <a:t>github</a:t>
+            </a:r>
+            <a:r>
+              <a:rPr lang="ko-KR" altLang="en-US" dirty="0"/>
+              <a:t>에 잔디 </a:t>
+            </a:r>
+            <a:r>
+              <a:rPr lang="ko-KR" altLang="en-US" dirty="0" err="1"/>
+              <a:t>심어보기</a:t>
+            </a:r>
+            <a:endParaRPr lang="ko-KR" altLang="en-US" dirty="0"/>
+          </a:p>
+          <a:p>
+            <a:r>
+              <a:rPr lang="ko-KR" altLang="en-US" dirty="0"/>
+              <a:t>알고리즘 매일</a:t>
+            </a:r>
+            <a:r>
+              <a:rPr lang="en-US" altLang="ko-KR" dirty="0"/>
+              <a:t>(</a:t>
+            </a:r>
+            <a:r>
+              <a:rPr lang="ko-KR" altLang="en-US" dirty="0" err="1"/>
+              <a:t>한문제나</a:t>
+            </a:r>
+            <a:r>
+              <a:rPr lang="ko-KR" altLang="en-US" dirty="0"/>
+              <a:t> </a:t>
+            </a:r>
+            <a:r>
+              <a:rPr lang="ko-KR" altLang="en-US" dirty="0" err="1"/>
+              <a:t>두문제</a:t>
+            </a:r>
+            <a:r>
+              <a:rPr lang="ko-KR" altLang="en-US" dirty="0"/>
+              <a:t> 지속적으로 풀기</a:t>
             </a:r>
             <a:r>
               <a:rPr lang="en-US" altLang="ko-KR" dirty="0"/>
@@ -3465,103 +3514,25 @@
           </a:p>
           <a:p>
             <a:r>
-              <a:rPr lang="ko-KR" altLang="en-US" dirty="0" err="1"/>
-              <a:t>백엔드</a:t>
-            </a:r>
-            <a:r>
-              <a:rPr lang="en-US" altLang="ko-KR" dirty="0"/>
-              <a:t>/</a:t>
-            </a:r>
-            <a:r>
-              <a:rPr lang="ko-KR" altLang="en-US" dirty="0" err="1"/>
-              <a:t>머신러닝</a:t>
-            </a:r>
-            <a:r>
-              <a:rPr lang="ko-KR" altLang="en-US" dirty="0"/>
-              <a:t> 개발자</a:t>
-            </a:r>
-            <a:endParaRPr lang="en-US" altLang="ko-KR" dirty="0"/>
-          </a:p>
-          <a:p>
-            <a:r>
-              <a:rPr lang="ko-KR" altLang="en-US" dirty="0"/>
-              <a:t>한국정보과학회 </a:t>
-            </a:r>
-            <a:r>
-              <a:rPr lang="ko-KR" altLang="en-US" dirty="0" err="1"/>
-              <a:t>논문경진</a:t>
-            </a:r>
-            <a:r>
-              <a:rPr lang="ko-KR" altLang="en-US" dirty="0"/>
-              <a:t> 대회 장려상</a:t>
-            </a:r>
-            <a:r>
-              <a:rPr lang="en-US" altLang="ko-KR" dirty="0"/>
-              <a:t>(</a:t>
-            </a:r>
-            <a:r>
-              <a:rPr lang="ko-KR" altLang="en-US" dirty="0"/>
-              <a:t>비전</a:t>
-            </a:r>
-            <a:r>
-              <a:rPr lang="en-US" altLang="ko-KR" dirty="0"/>
-              <a:t>)</a:t>
-            </a:r>
-          </a:p>
-          <a:p>
-            <a:r>
-              <a:rPr lang="ko-KR" altLang="en-US" dirty="0"/>
-              <a:t>한국스타트업 인공지능 경진대회 종합 </a:t>
-            </a:r>
-            <a:r>
-              <a:rPr lang="en-US" altLang="ko-KR" dirty="0"/>
-              <a:t>2</a:t>
-            </a:r>
-            <a:r>
-              <a:rPr lang="ko-KR" altLang="en-US" dirty="0"/>
-              <a:t>위</a:t>
-            </a:r>
-            <a:r>
-              <a:rPr lang="en-US" altLang="ko-KR" dirty="0"/>
-              <a:t>(</a:t>
-            </a:r>
-            <a:r>
-              <a:rPr lang="ko-KR" altLang="en-US" dirty="0"/>
-              <a:t>비전 </a:t>
-            </a:r>
-            <a:r>
-              <a:rPr lang="en-US" altLang="ko-KR" dirty="0"/>
-              <a:t>1</a:t>
-            </a:r>
-            <a:r>
-              <a:rPr lang="ko-KR" altLang="en-US" dirty="0"/>
-              <a:t>위</a:t>
-            </a:r>
-            <a:r>
-              <a:rPr lang="en-US" altLang="ko-KR" dirty="0"/>
-              <a:t>)</a:t>
-            </a:r>
-            <a:r>
-              <a:rPr lang="ko-KR" altLang="en-US" dirty="0"/>
-              <a:t> 수상</a:t>
-            </a:r>
-            <a:endParaRPr lang="en-US" altLang="ko-KR" dirty="0"/>
-          </a:p>
-          <a:p>
-            <a:r>
-              <a:rPr lang="en-US" altLang="ko-KR" dirty="0"/>
-              <a:t>TOPCIT </a:t>
-            </a:r>
-            <a:r>
-              <a:rPr lang="ko-KR" altLang="en-US" dirty="0"/>
-              <a:t>육군참모총장상</a:t>
-            </a:r>
-            <a:endParaRPr lang="en-US" altLang="ko-KR" dirty="0"/>
-          </a:p>
-          <a:p>
-            <a:endParaRPr lang="en-US" altLang="ko-KR" dirty="0"/>
-          </a:p>
-          <a:p>
+              <a:rPr lang="ko-KR" altLang="en-US" dirty="0"/>
+              <a:t>시작 추천사이트</a:t>
+            </a:r>
+            <a:r>
+              <a:rPr lang="en-US" altLang="ko-KR" dirty="0"/>
+              <a:t>:</a:t>
+            </a:r>
+            <a:r>
+              <a:rPr lang="ko-KR" altLang="en-US" dirty="0"/>
+              <a:t> </a:t>
+            </a:r>
+            <a:r>
+              <a:rPr lang="en-US" altLang="ko-KR" dirty="0" err="1"/>
+              <a:t>solved.ac</a:t>
+            </a:r>
+            <a:r>
+              <a:rPr lang="ko-KR" altLang="en-US" dirty="0"/>
+              <a:t> 의 클래스 문제들</a:t>
+            </a:r>
             <a:endParaRPr lang="en-KR" dirty="0"/>
           </a:p>
         </p:txBody>
@@ -3569,7 +3540,7 @@
     </p:spTree>
     <p:extLst>
       <p:ext uri="{BB962C8B-B14F-4D97-AF65-F5344CB8AC3E}">
-        <p14:creationId xmlns:p14="http://schemas.microsoft.com/office/powerpoint/2010/main" val="3580856010"/>
+        <p14:creationId xmlns:p14="http://schemas.microsoft.com/office/powerpoint/2010/main" val="3772797924"/>
       </p:ext>
     </p:extLst>
   </p:cSld>
@@ -3623,12 +3594,8 @@
           <a:lstStyle/>
           <a:p>
             <a:r>
-              <a:rPr lang="ko-KR" altLang="en-US" dirty="0" err="1"/>
-              <a:t>머신러닝</a:t>
-            </a:r>
-            <a:r>
-              <a:rPr lang="ko-KR" altLang="en-US" dirty="0"/>
-              <a:t> 엔지니어라면</a:t>
+              <a:rPr lang="ko-KR" altLang="en-US" dirty="0"/>
+              <a:t>공통</a:t>
             </a:r>
             <a:endParaRPr lang="en-KR" dirty="0"/>
           </a:p>
@@ -3658,101 +3625,139 @@
         </p:spPr>
         <p:txBody>
           <a:bodyPr>
-            <a:normAutofit/>
+            <a:normAutofit fontScale="92500" lnSpcReduction="10000"/>
           </a:bodyPr>
           <a:lstStyle/>
           <a:p>
             <a:r>
               <a:rPr lang="ko-KR" altLang="en-US" dirty="0"/>
-              <a:t>읽으면서 이해한 논문 부분 </a:t>
-            </a:r>
-            <a:r>
-              <a:rPr lang="ko-KR" altLang="en-US" dirty="0" err="1"/>
-              <a:t>구현해보기</a:t>
+              <a:t>주변사람에게 올바른 방향으로 가고 있는지 피드백 받기</a:t>
+            </a:r>
+          </a:p>
+          <a:p>
+            <a:r>
+              <a:rPr lang="en-US" altLang="ko-KR" dirty="0"/>
+              <a:t>(</a:t>
+            </a:r>
+            <a:r>
+              <a:rPr lang="ko-KR" altLang="en-US" dirty="0" err="1"/>
+              <a:t>노티크</a:t>
+            </a:r>
+            <a:r>
+              <a:rPr lang="en-US" altLang="ko-KR" dirty="0"/>
+              <a:t>, </a:t>
+            </a:r>
+            <a:r>
+              <a:rPr lang="ko-KR" altLang="en-US" dirty="0" err="1"/>
+              <a:t>커피챗</a:t>
+            </a:r>
+            <a:r>
+              <a:rPr lang="en-US" altLang="ko-KR" dirty="0"/>
+              <a:t>, </a:t>
+            </a:r>
+            <a:r>
+              <a:rPr lang="ko-KR" altLang="en-US" dirty="0"/>
+              <a:t>혹은 직접 만나거나 부담스럽다면 </a:t>
+            </a:r>
+            <a:r>
+              <a:rPr lang="ko-KR" altLang="en-US" dirty="0" err="1"/>
+              <a:t>메일로라도</a:t>
+            </a:r>
+            <a:r>
+              <a:rPr lang="ko-KR" altLang="en-US" dirty="0"/>
+              <a:t> 질문</a:t>
+            </a:r>
+            <a:r>
+              <a:rPr lang="en-US" altLang="ko-KR" dirty="0"/>
+              <a:t>)</a:t>
+            </a:r>
+          </a:p>
+          <a:p>
+            <a:r>
+              <a:rPr lang="ko-KR" altLang="en-US" dirty="0"/>
+              <a:t>질문 잘하기</a:t>
             </a:r>
             <a:endParaRPr lang="en-US" altLang="ko-KR" dirty="0"/>
           </a:p>
           <a:p>
             <a:r>
-              <a:rPr lang="ko-KR" altLang="en-US" dirty="0" err="1"/>
-              <a:t>케글</a:t>
-            </a:r>
-            <a:r>
-              <a:rPr lang="ko-KR" altLang="en-US" dirty="0"/>
-              <a:t> </a:t>
-            </a:r>
-            <a:r>
-              <a:rPr lang="ko-KR" altLang="en-US" dirty="0" err="1"/>
-              <a:t>도전해보기</a:t>
+              <a:rPr lang="ko-KR" altLang="en-US" dirty="0"/>
+              <a:t>대용량 트래픽</a:t>
+            </a:r>
+            <a:r>
+              <a:rPr lang="en-US" altLang="ko-KR" dirty="0"/>
+              <a:t>, </a:t>
+            </a:r>
+            <a:r>
+              <a:rPr lang="ko-KR" altLang="en-US" dirty="0"/>
+              <a:t>비즈니스 레벨 문제 가정하고 해결하기</a:t>
+            </a:r>
+          </a:p>
+          <a:p>
+            <a:r>
+              <a:rPr lang="en-US" altLang="ko-KR" dirty="0"/>
+              <a:t>(</a:t>
+            </a:r>
+            <a:r>
+              <a:rPr lang="ko-KR" altLang="en-US" dirty="0" err="1"/>
+              <a:t>백엔드라면</a:t>
+            </a:r>
+            <a:r>
+              <a:rPr lang="ko-KR" altLang="en-US" dirty="0"/>
+              <a:t> 대용량 트래픽</a:t>
+            </a:r>
+            <a:r>
+              <a:rPr lang="en-US" altLang="ko-KR" dirty="0"/>
+              <a:t>, </a:t>
+            </a:r>
+            <a:r>
+              <a:rPr lang="ko-KR" altLang="en-US" dirty="0" err="1"/>
+              <a:t>머신러닝엔지니어라면</a:t>
+            </a:r>
+            <a:r>
+              <a:rPr lang="ko-KR" altLang="en-US" dirty="0"/>
+              <a:t> 논문 구현이나 데이터 파이프라인</a:t>
+            </a:r>
+            <a:r>
+              <a:rPr lang="en-US" altLang="ko-KR" dirty="0"/>
+              <a:t>, </a:t>
+            </a:r>
+            <a:r>
+              <a:rPr lang="ko-KR" altLang="en-US" dirty="0" err="1"/>
+              <a:t>머신러닝으로</a:t>
+            </a:r>
+            <a:r>
+              <a:rPr lang="ko-KR" altLang="en-US" dirty="0"/>
+              <a:t> 현실문제 어떻게 해결할지</a:t>
+            </a:r>
+            <a:r>
+              <a:rPr lang="en-US" altLang="ko-KR" dirty="0"/>
+              <a:t>, </a:t>
+            </a:r>
+            <a:r>
+              <a:rPr lang="ko-KR" altLang="en-US" dirty="0"/>
+              <a:t>어떻게 단점 </a:t>
+            </a:r>
+            <a:r>
+              <a:rPr lang="ko-KR" altLang="en-US" dirty="0" err="1"/>
+              <a:t>극복등</a:t>
+            </a:r>
+            <a:r>
+              <a:rPr lang="ko-KR" altLang="en-US" dirty="0"/>
+              <a:t> 가능할지 고민</a:t>
+            </a:r>
+            <a:r>
+              <a:rPr lang="en-US" altLang="ko-KR" dirty="0"/>
+              <a:t>)</a:t>
             </a:r>
             <a:endParaRPr lang="ko-KR" altLang="en-US" dirty="0"/>
-          </a:p>
-          <a:p>
-            <a:r>
-              <a:rPr lang="en-US" altLang="ko-KR" dirty="0"/>
-              <a:t>(+</a:t>
-            </a:r>
-            <a:r>
-              <a:rPr lang="ko-KR" altLang="en-US" dirty="0"/>
-              <a:t>특정 분야에 대한 기본기</a:t>
-            </a:r>
-            <a:r>
-              <a:rPr lang="en-US" altLang="ko-KR" dirty="0"/>
-              <a:t>, </a:t>
-            </a:r>
-            <a:r>
-              <a:rPr lang="ko-KR" altLang="en-US" dirty="0"/>
-              <a:t>이론 인식</a:t>
-            </a:r>
-            <a:r>
-              <a:rPr lang="en-US" altLang="ko-KR" dirty="0"/>
-              <a:t>, </a:t>
-            </a:r>
-            <a:r>
-              <a:rPr lang="ko-KR" altLang="en-US" dirty="0"/>
-              <a:t>학습</a:t>
-            </a:r>
-            <a:r>
-              <a:rPr lang="en-US" altLang="ko-KR" dirty="0"/>
-              <a:t>)</a:t>
-            </a:r>
-          </a:p>
-          <a:p>
-            <a:r>
-              <a:rPr lang="ko-KR" altLang="en-US" dirty="0"/>
-              <a:t>커뮤니티 참여</a:t>
-            </a:r>
-            <a:r>
-              <a:rPr lang="en-US" altLang="ko-KR" dirty="0"/>
-              <a:t>, (</a:t>
-            </a:r>
-            <a:r>
-              <a:rPr lang="ko-KR" altLang="en-US" dirty="0" err="1"/>
-              <a:t>오픈카톡방</a:t>
-            </a:r>
-            <a:r>
-              <a:rPr lang="en-US" altLang="ko-KR" dirty="0"/>
-              <a:t>, </a:t>
-            </a:r>
-            <a:r>
-              <a:rPr lang="ko-KR" altLang="en-US" dirty="0" err="1"/>
-              <a:t>텐서플로우</a:t>
-            </a:r>
-            <a:r>
-              <a:rPr lang="ko-KR" altLang="en-US" dirty="0"/>
-              <a:t> 코리아 등</a:t>
-            </a:r>
-            <a:r>
-              <a:rPr lang="en-US" altLang="ko-KR" dirty="0"/>
-              <a:t>)</a:t>
-            </a:r>
           </a:p>
         </p:txBody>
       </p:sp>
     </p:spTree>
     <p:extLst>
       <p:ext uri="{BB962C8B-B14F-4D97-AF65-F5344CB8AC3E}">
-        <p14:creationId xmlns:p14="http://schemas.microsoft.com/office/powerpoint/2010/main" val="2824672567"/>
+        <p14:creationId xmlns:p14="http://schemas.microsoft.com/office/powerpoint/2010/main" val="1751766650"/>
       </p:ext>
     </p:extLst>
   </p:cSld>
@@ -3837,139 +3842,90 @@
         </p:spPr>
         <p:txBody>
           <a:bodyPr>
-            <a:normAutofit fontScale="92500" lnSpcReduction="10000"/>
+            <a:normAutofit/>
           </a:bodyPr>
           <a:lstStyle/>
           <a:p>
-            <a:r>
-              <a:rPr lang="ko-KR" altLang="en-US" dirty="0"/>
-              <a:t>주변사람에게 올바른 방향으로 가고 있는지 피드백 받기</a:t>
-            </a:r>
-          </a:p>
-          <a:p>
+            <a:endParaRPr lang="en-US" altLang="ko-KR" dirty="0"/>
+          </a:p>
+          <a:p>
+            <a:r>
+              <a:rPr lang="ko-KR" altLang="en-US" dirty="0"/>
+              <a:t>알고리즘 문제풀기</a:t>
+            </a:r>
             <a:r>
               <a:rPr lang="en-US" altLang="ko-KR" dirty="0"/>
               <a:t>(</a:t>
             </a:r>
             <a:r>
-              <a:rPr lang="ko-KR" altLang="en-US" dirty="0" err="1"/>
-              <a:t>노티크</a:t>
+              <a:rPr lang="ko-KR" altLang="en-US" dirty="0"/>
+              <a:t>시간이 부족하다면 하루 </a:t>
+            </a:r>
+            <a:r>
+              <a:rPr lang="en-US" altLang="ko-KR" dirty="0"/>
+              <a:t>1</a:t>
+            </a:r>
+            <a:r>
+              <a:rPr lang="ko-KR" altLang="en-US" dirty="0"/>
+              <a:t>문제</a:t>
             </a:r>
             <a:r>
               <a:rPr lang="en-US" altLang="ko-KR" dirty="0"/>
               <a:t>, </a:t>
             </a:r>
             <a:r>
-              <a:rPr lang="ko-KR" altLang="en-US" dirty="0" err="1"/>
-              <a:t>커피챗</a:t>
+              <a:rPr lang="ko-KR" altLang="en-US" dirty="0"/>
+              <a:t>더 가능하다면 </a:t>
+            </a:r>
+            <a:r>
+              <a:rPr lang="en-US" altLang="ko-KR" dirty="0"/>
+              <a:t>2</a:t>
+            </a:r>
+            <a:r>
+              <a:rPr lang="ko-KR" altLang="en-US" dirty="0"/>
+              <a:t>문제</a:t>
+            </a:r>
+            <a:r>
+              <a:rPr lang="en-US" altLang="ko-KR" dirty="0"/>
+              <a:t>)</a:t>
+            </a:r>
+          </a:p>
+          <a:p>
+            <a:r>
+              <a:rPr lang="ko-KR" altLang="en-US" dirty="0"/>
+              <a:t>알고리즘 문제 오답노트 만들기</a:t>
+            </a:r>
+            <a:r>
+              <a:rPr lang="en-US" altLang="ko-KR" dirty="0"/>
+              <a:t>(</a:t>
+            </a:r>
+            <a:r>
+              <a:rPr lang="ko-KR" altLang="en-US" dirty="0"/>
+              <a:t>시간이 지난 뒤 풀어보기</a:t>
             </a:r>
             <a:r>
               <a:rPr lang="en-US" altLang="ko-KR" dirty="0"/>
               <a:t>, </a:t>
             </a:r>
             <a:r>
-              <a:rPr lang="ko-KR" altLang="en-US" dirty="0"/>
-              <a:t>혹은 직접 만나거나 부담스럽다면 </a:t>
-            </a:r>
-            <a:r>
-              <a:rPr lang="ko-KR" altLang="en-US" dirty="0" err="1"/>
-              <a:t>메일로라도</a:t>
-            </a:r>
-            <a:r>
-              <a:rPr lang="ko-KR" altLang="en-US" dirty="0"/>
-              <a:t> 질문</a:t>
+              <a:rPr lang="ko-KR" altLang="en-US" dirty="0" err="1"/>
+              <a:t>같은데서</a:t>
+            </a:r>
+            <a:r>
+              <a:rPr lang="ko-KR" altLang="en-US" dirty="0"/>
+              <a:t> 막힐 가능성 높음</a:t>
             </a:r>
             <a:r>
               <a:rPr lang="en-US" altLang="ko-KR" dirty="0"/>
               <a:t>)</a:t>
             </a:r>
-          </a:p>
-          <a:p>
-            <a:r>
-              <a:rPr lang="ko-KR" altLang="en-US" dirty="0"/>
-              <a:t>질문 잘하기</a:t>
-            </a:r>
-            <a:endParaRPr lang="en-US" altLang="ko-KR" dirty="0"/>
-          </a:p>
-          <a:p>
-            <a:r>
-              <a:rPr lang="ko-KR" altLang="en-US" dirty="0"/>
-              <a:t>대용량 트래픽</a:t>
-            </a:r>
-            <a:r>
-              <a:rPr lang="en-US" altLang="ko-KR" dirty="0"/>
-              <a:t>, </a:t>
-            </a:r>
-            <a:r>
-              <a:rPr lang="ko-KR" altLang="en-US" dirty="0"/>
-              <a:t>비즈니스 레벨 문제 가정하고 해결하기</a:t>
-            </a:r>
-          </a:p>
-          <a:p>
-            <a:r>
-              <a:rPr lang="en-US" altLang="ko-KR" dirty="0"/>
-              <a:t>(</a:t>
-            </a:r>
-            <a:r>
-              <a:rPr lang="ko-KR" altLang="en-US" dirty="0" err="1"/>
-              <a:t>백엔드라면</a:t>
-            </a:r>
-            <a:r>
-              <a:rPr lang="ko-KR" altLang="en-US" dirty="0"/>
-              <a:t> 대용량 트래픽</a:t>
-            </a:r>
-            <a:r>
-              <a:rPr lang="en-US" altLang="ko-KR" dirty="0"/>
-              <a:t>, </a:t>
-            </a:r>
-            <a:r>
-              <a:rPr lang="ko-KR" altLang="en-US" dirty="0" err="1"/>
-              <a:t>머신러닝엔지니어라면</a:t>
-            </a:r>
-            <a:r>
-              <a:rPr lang="ko-KR" altLang="en-US" dirty="0"/>
-              <a:t> 논문 구현이나 데이터 파이프라인</a:t>
-            </a:r>
-            <a:r>
-              <a:rPr lang="en-US" altLang="ko-KR" dirty="0"/>
-              <a:t>, </a:t>
-            </a:r>
-            <a:r>
-              <a:rPr lang="ko-KR" altLang="en-US" dirty="0" err="1"/>
-              <a:t>머신러닝으로</a:t>
-            </a:r>
-            <a:r>
-              <a:rPr lang="ko-KR" altLang="en-US" dirty="0"/>
-              <a:t> 현실문제 어떻게 해결할지</a:t>
-            </a:r>
-            <a:r>
-              <a:rPr lang="en-US" altLang="ko-KR" dirty="0"/>
-              <a:t>, </a:t>
-            </a:r>
-            <a:r>
-              <a:rPr lang="ko-KR" altLang="en-US" dirty="0"/>
-              <a:t>어떻게 단점 </a:t>
-            </a:r>
-            <a:r>
-              <a:rPr lang="ko-KR" altLang="en-US" dirty="0" err="1"/>
-              <a:t>극복등</a:t>
-            </a:r>
-            <a:r>
-              <a:rPr lang="ko-KR" altLang="en-US" dirty="0"/>
-              <a:t> 가능할지 고민</a:t>
-            </a:r>
-            <a:r>
-              <a:rPr lang="en-US" altLang="ko-KR" dirty="0"/>
-              <a:t>)</a:t>
-            </a:r>
-            <a:endParaRPr lang="ko-KR" altLang="en-US" dirty="0"/>
           </a:p>
         </p:txBody>
       </p:sp>
     </p:spTree>
     <p:extLst>
       <p:ext uri="{BB962C8B-B14F-4D97-AF65-F5344CB8AC3E}">
-        <p14:creationId xmlns:p14="http://schemas.microsoft.com/office/powerpoint/2010/main" val="1751766650"/>
+        <p14:creationId xmlns:p14="http://schemas.microsoft.com/office/powerpoint/2010/main" val="329848790"/>
       </p:ext>
     </p:extLst>
   </p:cSld>
@@ -4024,7 +3980,7 @@
           <a:p>
             <a:r>
               <a:rPr lang="ko-KR" altLang="en-US" dirty="0"/>
-              <a:t>공통</a:t>
+              <a:t>강의 추천</a:t>
             </a:r>
             <a:endParaRPr lang="en-KR" dirty="0"/>
           </a:p>
@@ -4058,12 +4014,74 @@
           </a:bodyPr>
           <a:lstStyle/>
           <a:p>
-            <a:endParaRPr lang="en-US" altLang="ko-KR" dirty="0"/>
-          </a:p>
-          <a:p>
-            <a:r>
-              <a:rPr lang="ko-KR" altLang="en-US" dirty="0"/>
-              <a:t>알고리즘 문제풀기</a:t>
+            <a:r>
+              <a:rPr lang="ko-KR" altLang="en-US" dirty="0" err="1"/>
+              <a:t>백엔드</a:t>
+            </a:r>
+            <a:r>
+              <a:rPr lang="en-US" altLang="ko-KR" dirty="0"/>
+              <a:t>:</a:t>
+            </a:r>
+          </a:p>
+          <a:p>
+            <a:r>
+              <a:rPr lang="ko-KR" altLang="en-US" dirty="0" err="1"/>
+              <a:t>인프런</a:t>
+            </a:r>
+            <a:r>
+              <a:rPr lang="ko-KR" altLang="en-US" dirty="0"/>
+              <a:t> 스프링 김영한 </a:t>
+            </a:r>
+            <a:r>
+              <a:rPr lang="ko-KR" altLang="en-US" dirty="0" err="1"/>
+              <a:t>야생형</a:t>
+            </a:r>
+            <a:r>
+              <a:rPr lang="ko-KR" altLang="en-US" dirty="0"/>
+              <a:t> </a:t>
+            </a:r>
+            <a:r>
+              <a:rPr lang="ko-KR" altLang="en-US" dirty="0" err="1"/>
+              <a:t>로드맵</a:t>
+            </a:r>
+            <a:r>
+              <a:rPr lang="ko-KR" altLang="en-US" dirty="0"/>
+              <a:t> </a:t>
+            </a:r>
+            <a:r>
+              <a:rPr lang="ko-KR" altLang="en-US" dirty="0" err="1"/>
+              <a:t>따라가보기</a:t>
+            </a:r>
+            <a:endParaRPr lang="ko-KR" altLang="en-US" dirty="0"/>
+          </a:p>
+          <a:p>
+            <a:r>
+              <a:rPr lang="en-US" altLang="ko-KR" dirty="0"/>
+              <a:t>+</a:t>
+            </a:r>
+            <a:r>
+              <a:rPr lang="ko-KR" altLang="en-US" dirty="0"/>
+              <a:t> 깃과 기타 데이터베이스</a:t>
+            </a:r>
+            <a:r>
+              <a:rPr lang="en-US" altLang="ko-KR" dirty="0"/>
+              <a:t>,</a:t>
+            </a:r>
+            <a:r>
+              <a:rPr lang="ko-KR" altLang="en-US" dirty="0"/>
+              <a:t> </a:t>
+            </a:r>
+            <a:r>
+              <a:rPr lang="en-US" altLang="ko-KR" dirty="0" err="1"/>
+              <a:t>os</a:t>
+            </a:r>
+            <a:r>
+              <a:rPr lang="en-US" altLang="ko-KR" dirty="0"/>
+              <a:t>, </a:t>
+            </a:r>
+            <a:r>
+              <a:rPr lang="ko-KR" altLang="en-US" dirty="0"/>
+              <a:t>네트워크 익히기 </a:t>
             </a:r>
             <a:r>
               <a:rPr lang="en-US" altLang="ko-KR" dirty="0"/>
@@ -4071,73 +4089,11 @@
             </a:r>
             <a:r>
               <a:rPr lang="ko-KR" altLang="en-US" dirty="0"/>
-              <a:t>시간이 부족하다면 하루 </a:t>
-            </a:r>
-            <a:r>
-              <a:rPr lang="en-US" altLang="ko-KR" dirty="0"/>
-              <a:t>1</a:t>
-            </a:r>
-            <a:r>
-              <a:rPr lang="ko-KR" altLang="en-US" dirty="0"/>
-              <a:t>문제</a:t>
-            </a:r>
-            <a:r>
-              <a:rPr lang="en-US" altLang="ko-KR" dirty="0"/>
-              <a:t>, </a:t>
-            </a:r>
-            <a:r>
-              <a:rPr lang="ko-KR" altLang="en-US" dirty="0"/>
-              <a:t>더 가능하다면 </a:t>
-            </a:r>
-            <a:r>
-              <a:rPr lang="en-US" altLang="ko-KR" dirty="0"/>
-              <a:t>2</a:t>
-            </a:r>
-            <a:r>
-              <a:rPr lang="ko-KR" altLang="en-US" dirty="0"/>
-              <a:t>문제</a:t>
-            </a:r>
-            <a:r>
-              <a:rPr lang="en-US" altLang="ko-KR" dirty="0"/>
-              <a:t>)</a:t>
-            </a:r>
-          </a:p>
-          <a:p>
-            <a:r>
-              <a:rPr lang="ko-KR" altLang="en-US" dirty="0"/>
-              <a:t>알고리즘 문제 오답노트 만들기</a:t>
-            </a:r>
-            <a:r>
-              <a:rPr lang="en-US" altLang="ko-KR" dirty="0"/>
-              <a:t>(</a:t>
-            </a:r>
-            <a:r>
-              <a:rPr lang="ko-KR" altLang="en-US" dirty="0"/>
-              <a:t>시간이 </a:t>
-            </a:r>
-            <a:r>
-              <a:rPr lang="ko-KR" altLang="en-US" dirty="0" err="1"/>
-              <a:t>지난뒤</a:t>
-            </a:r>
-            <a:r>
-              <a:rPr lang="ko-KR" altLang="en-US" dirty="0"/>
-              <a:t> 풀어보기</a:t>
-            </a:r>
-            <a:r>
-              <a:rPr lang="en-US" altLang="ko-KR" dirty="0"/>
-              <a:t>, </a:t>
-            </a:r>
-            <a:r>
-              <a:rPr lang="ko-KR" altLang="en-US" dirty="0" err="1"/>
-              <a:t>같은데서</a:t>
-            </a:r>
-            <a:r>
-              <a:rPr lang="ko-KR" altLang="en-US" dirty="0"/>
-              <a:t> 막힐 가능성 높음</a:t>
-            </a:r>
-            <a:r>
-              <a:rPr lang="en-US" altLang="ko-KR" dirty="0"/>
-              <a:t>)</a:t>
+              <a:t>기본 내용은 강의보다는 책이 좋은 것 같습니다</a:t>
+            </a:r>
+            <a:r>
+              <a:rPr lang="en-US" altLang="ko-KR" dirty="0"/>
+              <a:t>.)</a:t>
             </a:r>
           </a:p>
         </p:txBody>
@@ -4145,7 +4101,7 @@
     </p:spTree>
     <p:extLst>
       <p:ext uri="{BB962C8B-B14F-4D97-AF65-F5344CB8AC3E}">
-        <p14:creationId xmlns:p14="http://schemas.microsoft.com/office/powerpoint/2010/main" val="329848790"/>
+        <p14:creationId xmlns:p14="http://schemas.microsoft.com/office/powerpoint/2010/main" val="1790903081"/>
       </p:ext>
     </p:extLst>
   </p:cSld>
@@ -4236,7 +4192,7 @@
           <a:p>
             <a:r>
               <a:rPr lang="ko-KR" altLang="en-US" dirty="0" err="1"/>
-              <a:t>백엔드</a:t>
+              <a:t>머신러닝</a:t>
             </a:r>
             <a:r>
               <a:rPr lang="en-US" altLang="ko-KR" dirty="0"/>
@@ -4250,42 +4206,40 @@
             </a:r>
             <a:r>
               <a:rPr lang="ko-KR" altLang="en-US" dirty="0"/>
-              <a:t> 스프링 김영한 </a:t>
-            </a:r>
-            <a:r>
-              <a:rPr lang="ko-KR" altLang="en-US" dirty="0" err="1"/>
-              <a:t>야생형</a:t>
-            </a:r>
-            <a:r>
-              <a:rPr lang="ko-KR" altLang="en-US" dirty="0"/>
               <a:t> </a:t>
             </a:r>
             <a:r>
               <a:rPr lang="ko-KR" altLang="en-US" dirty="0" err="1"/>
-              <a:t>로드맵</a:t>
-            </a:r>
-            <a:r>
-              <a:rPr lang="ko-KR" altLang="en-US" dirty="0"/>
-              <a:t> 따라가기</a:t>
-            </a:r>
-          </a:p>
-          <a:p>
-            <a:r>
-              <a:rPr lang="en-US" altLang="ko-KR" dirty="0"/>
-              <a:t>+</a:t>
-            </a:r>
-            <a:r>
-              <a:rPr lang="ko-KR" altLang="en-US" dirty="0"/>
-              <a:t> 깃</a:t>
-            </a:r>
-            <a:r>
-              <a:rPr lang="en-US" altLang="ko-KR" dirty="0"/>
-              <a:t>,</a:t>
-            </a:r>
-            <a:r>
-              <a:rPr lang="ko-KR" altLang="en-US" dirty="0"/>
-              <a:t> 기타 기본기 책 익히기</a:t>
-            </a:r>
+              <a:t>권철민님</a:t>
+            </a:r>
+            <a:r>
+              <a:rPr lang="ko-KR" altLang="en-US" dirty="0"/>
+              <a:t> </a:t>
+            </a:r>
+            <a:r>
+              <a:rPr lang="ko-KR" altLang="en-US" dirty="0" err="1"/>
+              <a:t>케글</a:t>
+            </a:r>
+            <a:r>
+              <a:rPr lang="ko-KR" altLang="en-US" dirty="0"/>
+              <a:t> 실전 박치기 강의를 추천합니다</a:t>
+            </a:r>
+            <a:r>
+              <a:rPr lang="en-US" altLang="ko-KR" dirty="0"/>
+              <a:t>.</a:t>
+            </a:r>
+            <a:endParaRPr lang="ko-KR" altLang="en-US" dirty="0"/>
+          </a:p>
+          <a:p>
+            <a:r>
+              <a:rPr lang="en-US" altLang="ko-KR" dirty="0">
+                <a:hlinkClick r:id="rId2"/>
+              </a:rPr>
+              <a:t>https://www.inflearn.com/course/%EC%BA%90%EA%B8%80-%EB%A8%B8%EC%8B%A0%EB%9F%AC%EB%8B%9D-%EC%8B%A4%EC%A0%84</a:t>
+            </a:r>
+            <a:endParaRPr lang="en-US" altLang="ko-KR" dirty="0"/>
+          </a:p>
+          <a:p>
             <a:endParaRPr lang="en-US" altLang="ko-KR" dirty="0"/>
           </a:p>
         </p:txBody>
@@ -4293,7 +4247,7 @@
     </p:spTree>
     <p:extLst>
       <p:ext uri="{BB962C8B-B14F-4D97-AF65-F5344CB8AC3E}">
-        <p14:creationId xmlns:p14="http://schemas.microsoft.com/office/powerpoint/2010/main" val="1790903081"/>
+        <p14:creationId xmlns:p14="http://schemas.microsoft.com/office/powerpoint/2010/main" val="2397667774"/>
       </p:ext>
     </p:extLst>
   </p:cSld>
@@ -4348,7 +4302,7 @@
           <a:p>
             <a:r>
               <a:rPr lang="ko-KR" altLang="en-US" dirty="0"/>
-              <a:t>강의 추천</a:t>
+              <a:t>공통</a:t>
             </a:r>
             <a:endParaRPr lang="en-KR" dirty="0"/>
           </a:p>
@@ -4382,59 +4336,44 @@
           </a:bodyPr>
           <a:lstStyle/>
           <a:p>
-            <a:r>
-              <a:rPr lang="ko-KR" altLang="en-US" dirty="0" err="1"/>
-              <a:t>머신러닝</a:t>
-            </a:r>
-            <a:r>
-              <a:rPr lang="en-US" altLang="ko-KR" dirty="0"/>
-              <a:t>:</a:t>
-            </a:r>
-          </a:p>
-          <a:p>
-            <a:r>
-              <a:rPr lang="ko-KR" altLang="en-US" dirty="0" err="1"/>
-              <a:t>인프런</a:t>
-            </a:r>
-            <a:r>
-              <a:rPr lang="ko-KR" altLang="en-US" dirty="0"/>
-              <a:t> </a:t>
-            </a:r>
-            <a:r>
-              <a:rPr lang="ko-KR" altLang="en-US" dirty="0" err="1"/>
-              <a:t>권철민님</a:t>
-            </a:r>
-            <a:r>
-              <a:rPr lang="ko-KR" altLang="en-US" dirty="0"/>
-              <a:t> </a:t>
-            </a:r>
-            <a:r>
-              <a:rPr lang="ko-KR" altLang="en-US" dirty="0" err="1"/>
-              <a:t>케글</a:t>
-            </a:r>
-            <a:r>
-              <a:rPr lang="ko-KR" altLang="en-US" dirty="0"/>
-              <a:t> 실전 박치기 강의</a:t>
-            </a:r>
-          </a:p>
-          <a:p>
-            <a:r>
-              <a:rPr lang="en-US" altLang="ko-KR" dirty="0">
-                <a:hlinkClick r:id="rId2"/>
-              </a:rPr>
-              <a:t>https://www.inflearn.com/course/%EC%BA%90%EA%B8%80-%EB%A8%B8%EC%8B%A0%EB%9F%AC%EB%8B%9D-%EC%8B%A4%EC%A0%84</a:t>
-            </a:r>
             <a:endParaRPr lang="en-US" altLang="ko-KR" dirty="0"/>
           </a:p>
           <a:p>
+            <a:r>
+              <a:rPr lang="ko-KR" altLang="en-US" dirty="0" err="1"/>
+              <a:t>에자일</a:t>
+            </a:r>
+            <a:r>
+              <a:rPr lang="en-US" altLang="ko-KR" dirty="0"/>
+              <a:t>,</a:t>
+            </a:r>
+            <a:r>
+              <a:rPr lang="ko-KR" altLang="en-US" dirty="0"/>
+              <a:t> 성장에 대한 잘못된 인식들을 기록해놓은 </a:t>
+            </a:r>
             <a:endParaRPr lang="en-US" altLang="ko-KR" dirty="0"/>
+          </a:p>
+          <a:p>
+            <a:r>
+              <a:rPr lang="ko-KR" altLang="en-US" dirty="0" err="1"/>
+              <a:t>함께자라기라는</a:t>
+            </a:r>
+            <a:r>
+              <a:rPr lang="ko-KR" altLang="en-US" dirty="0"/>
+              <a:t> 책을 추천합니다</a:t>
+            </a:r>
+            <a:r>
+              <a:rPr lang="en-US" altLang="ko-KR" dirty="0"/>
+              <a:t>.</a:t>
+            </a:r>
+            <a:endParaRPr lang="ko-KR" altLang="en-US" dirty="0"/>
           </a:p>
         </p:txBody>
       </p:sp>
     </p:spTree>
     <p:extLst>
       <p:ext uri="{BB962C8B-B14F-4D97-AF65-F5344CB8AC3E}">
-        <p14:creationId xmlns:p14="http://schemas.microsoft.com/office/powerpoint/2010/main" val="2397667774"/>
+        <p14:creationId xmlns:p14="http://schemas.microsoft.com/office/powerpoint/2010/main" val="2757378267"/>
       </p:ext>
     </p:extLst>
   </p:cSld>
@@ -4488,8 +4427,8 @@
           <a:lstStyle/>
           <a:p>
             <a:r>
-              <a:rPr lang="ko-KR" altLang="en-US" dirty="0"/>
-              <a:t>공통</a:t>
+              <a:rPr lang="ko-KR" altLang="en-US" dirty="0" err="1"/>
+              <a:t>백엔드</a:t>
             </a:r>
             <a:endParaRPr lang="en-KR" dirty="0"/>
           </a:p>
@@ -4523,12 +4462,47 @@
           </a:bodyPr>
           <a:lstStyle/>
           <a:p>
+            <a:r>
+              <a:rPr lang="ko-KR" altLang="en-US" dirty="0" err="1"/>
+              <a:t>클린코드</a:t>
+            </a:r>
+            <a:endParaRPr lang="ko-KR" altLang="en-US" dirty="0"/>
+          </a:p>
+          <a:p>
+            <a:r>
+              <a:rPr lang="ko-KR" altLang="en-US" dirty="0"/>
+              <a:t>테스트주도개발</a:t>
+            </a:r>
+          </a:p>
+          <a:p>
+            <a:r>
+              <a:rPr lang="en-US" altLang="ko-KR" dirty="0" err="1"/>
+              <a:t>RealMysql</a:t>
+            </a:r>
             <a:endParaRPr lang="en-US" altLang="ko-KR" dirty="0"/>
           </a:p>
           <a:p>
             <a:r>
-              <a:rPr lang="ko-KR" altLang="en-US" dirty="0" err="1"/>
-              <a:t>함께자라기</a:t>
+              <a:rPr lang="ko-KR" altLang="en-US" dirty="0"/>
+              <a:t>헤드퍼스트 </a:t>
+            </a:r>
+            <a:r>
+              <a:rPr lang="ko-KR" altLang="en-US" dirty="0" err="1"/>
+              <a:t>디자인패턴</a:t>
+            </a:r>
+            <a:br>
+              <a:rPr lang="en-US" altLang="ko-KR" dirty="0"/>
+            </a:br>
+            <a:r>
+              <a:rPr lang="ko-KR" altLang="en-US" dirty="0"/>
+              <a:t>가상 면접 사례로 배우는 대규모 시스템 설계 기초 </a:t>
+            </a:r>
+            <a:endParaRPr lang="en-US" altLang="ko-KR" dirty="0"/>
+          </a:p>
+          <a:p>
+            <a:r>
+              <a:rPr lang="ko-KR" altLang="en-US" dirty="0" err="1"/>
+              <a:t>리팩터링</a:t>
             </a:r>
             <a:endParaRPr lang="ko-KR" altLang="en-US" dirty="0"/>
           </a:p>
@@ -4537,7 +4511,7 @@
     </p:spTree>
     <p:extLst>
       <p:ext uri="{BB962C8B-B14F-4D97-AF65-F5344CB8AC3E}">
-        <p14:creationId xmlns:p14="http://schemas.microsoft.com/office/powerpoint/2010/main" val="2757378267"/>
+        <p14:creationId xmlns:p14="http://schemas.microsoft.com/office/powerpoint/2010/main" val="1006546061"/>
       </p:ext>
     </p:extLst>
   </p:cSld>
@@ -4594,6 +4568,10 @@
               <a:rPr lang="ko-KR" altLang="en-US" dirty="0" err="1"/>
               <a:t>백엔드</a:t>
             </a:r>
+            <a:r>
+              <a:rPr lang="en-US" altLang="ko-KR" dirty="0"/>
+              <a:t>(java)</a:t>
+            </a:r>
             <a:endParaRPr lang="en-KR" dirty="0"/>
           </a:p>
         </p:txBody>
@@ -4622,51 +4600,72 @@
         </p:spPr>
         <p:txBody>
           <a:bodyPr>
-            <a:normAutofit/>
+            <a:normAutofit lnSpcReduction="10000"/>
           </a:bodyPr>
           <a:lstStyle/>
           <a:p>
-            <a:r>
-              <a:rPr lang="ko-KR" altLang="en-US" dirty="0" err="1"/>
-              <a:t>클린코드</a:t>
-            </a:r>
-            <a:endParaRPr lang="ko-KR" altLang="en-US" dirty="0"/>
-          </a:p>
-          <a:p>
-            <a:r>
-              <a:rPr lang="ko-KR" altLang="en-US" dirty="0"/>
-              <a:t>테스트주도개발</a:t>
-            </a:r>
-          </a:p>
-          <a:p>
+            <a:endParaRPr lang="en-US" altLang="ko-KR" dirty="0"/>
+          </a:p>
+          <a:p>
+            <a:r>
+              <a:rPr lang="ko-KR" altLang="en-US" dirty="0"/>
+              <a:t>자바웹프로그래밍 </a:t>
+            </a:r>
+            <a:r>
+              <a:rPr lang="en-US" altLang="ko-KR" dirty="0"/>
+              <a:t>next step</a:t>
+            </a:r>
+          </a:p>
+          <a:p>
+            <a:r>
+              <a:rPr lang="ko-KR" altLang="en-US" dirty="0" err="1"/>
+              <a:t>이펙티브</a:t>
+            </a:r>
+            <a:r>
+              <a:rPr lang="ko-KR" altLang="en-US" dirty="0"/>
+              <a:t> 자바</a:t>
+            </a:r>
+          </a:p>
+          <a:p>
+            <a:r>
+              <a:rPr lang="ko-KR" altLang="en-US" dirty="0" err="1"/>
+              <a:t>토비의</a:t>
+            </a:r>
+            <a:r>
+              <a:rPr lang="ko-KR" altLang="en-US" dirty="0"/>
+              <a:t> 스프링</a:t>
+            </a:r>
+          </a:p>
+          <a:p>
+            <a:r>
+              <a:rPr lang="en-US" altLang="ko-KR" dirty="0"/>
+              <a:t>JPA </a:t>
+            </a:r>
+            <a:r>
+              <a:rPr lang="ko-KR" altLang="en-US" dirty="0"/>
+              <a:t>김영한</a:t>
+            </a:r>
+            <a:r>
+              <a:rPr lang="en-US" altLang="ko-KR" dirty="0"/>
+              <a:t>, (</a:t>
+            </a:r>
+            <a:r>
+              <a:rPr lang="ko-KR" altLang="en-US" dirty="0"/>
+              <a:t>데이터베이스 </a:t>
+            </a:r>
             <a:r>
               <a:rPr lang="en-US" altLang="ko-KR" dirty="0" err="1"/>
-              <a:t>RealMysql</a:t>
-            </a:r>
-            <a:endParaRPr lang="en-US" altLang="ko-KR" dirty="0"/>
-          </a:p>
-          <a:p>
-            <a:r>
-              <a:rPr lang="ko-KR" altLang="en-US" dirty="0"/>
-              <a:t>헤드퍼스트 </a:t>
-            </a:r>
-            <a:r>
-              <a:rPr lang="ko-KR" altLang="en-US" dirty="0" err="1"/>
-              <a:t>디자인패턴</a:t>
-            </a:r>
-            <a:br>
-              <a:rPr lang="en-US" altLang="ko-KR" dirty="0"/>
-            </a:br>
-            <a:r>
-              <a:rPr lang="ko-KR" altLang="en-US" dirty="0"/>
-              <a:t>가상 면접 사례로 배우는 대규모 시스템 설계 기초 </a:t>
-            </a:r>
-            <a:endParaRPr lang="en-US" altLang="ko-KR" dirty="0"/>
-          </a:p>
-          <a:p>
-            <a:r>
-              <a:rPr lang="ko-KR" altLang="en-US" dirty="0" err="1"/>
-              <a:t>리팩터링</a:t>
+              <a:t>orm</a:t>
+            </a:r>
+            <a:r>
+              <a:rPr lang="en-US" altLang="ko-KR" dirty="0"/>
+              <a:t>)</a:t>
+            </a:r>
+          </a:p>
+          <a:p>
+            <a:r>
+              <a:rPr lang="en-US" altLang="ko-KR" dirty="0"/>
+              <a:t>	</a:t>
             </a:r>
             <a:endParaRPr lang="ko-KR" altLang="en-US" dirty="0"/>
           </a:p>
@@ -4675,7 +4674,7 @@
     </p:spTree>
     <p:extLst>
       <p:ext uri="{BB962C8B-B14F-4D97-AF65-F5344CB8AC3E}">
-        <p14:creationId xmlns:p14="http://schemas.microsoft.com/office/powerpoint/2010/main" val="1006546061"/>
+        <p14:creationId xmlns:p14="http://schemas.microsoft.com/office/powerpoint/2010/main" val="2498807623"/>
       </p:ext>
     </p:extLst>
   </p:cSld>
@@ -4734,7 +4733,7 @@
             </a:r>
             <a:r>
               <a:rPr lang="en-US" altLang="ko-KR" dirty="0"/>
-              <a:t>(java)</a:t>
+              <a:t>(python)</a:t>
             </a:r>
             <a:endParaRPr lang="en-KR" dirty="0"/>
           </a:p>
@@ -4764,7 +4763,7 @@
         </p:spPr>
         <p:txBody>
           <a:bodyPr>
-            <a:normAutofit lnSpcReduction="10000"/>
+            <a:normAutofit/>
           </a:bodyPr>
           <a:lstStyle/>
           <a:p>
@@ -4772,54 +4771,59 @@
           </a:p>
           <a:p>
             <a:r>
-              <a:rPr lang="ko-KR" altLang="en-US" dirty="0"/>
-              <a:t>자바웹프로그래밍 </a:t>
-            </a:r>
-            <a:r>
-              <a:rPr lang="en-US" altLang="ko-KR" dirty="0"/>
-              <a:t>next step</a:t>
-            </a:r>
-          </a:p>
-          <a:p>
-            <a:r>
               <a:rPr lang="ko-KR" altLang="en-US" dirty="0" err="1"/>
               <a:t>이펙티브</a:t>
             </a:r>
             <a:r>
               <a:rPr lang="ko-KR" altLang="en-US" dirty="0"/>
-              <a:t> 자바</a:t>
-            </a:r>
-          </a:p>
-          <a:p>
-            <a:r>
-              <a:rPr lang="ko-KR" altLang="en-US" dirty="0" err="1"/>
-              <a:t>토비의</a:t>
-            </a:r>
-            <a:r>
-              <a:rPr lang="ko-KR" altLang="en-US" dirty="0"/>
-              <a:t> 스프링</a:t>
-            </a:r>
-          </a:p>
-          <a:p>
-            <a:r>
-              <a:rPr lang="en-US" altLang="ko-KR" dirty="0"/>
-              <a:t>JPA </a:t>
-            </a:r>
-            <a:r>
-              <a:rPr lang="ko-KR" altLang="en-US" dirty="0"/>
-              <a:t>김영한</a:t>
-            </a:r>
-            <a:r>
-              <a:rPr lang="en-US" altLang="ko-KR" dirty="0"/>
-              <a:t>, (</a:t>
-            </a:r>
-            <a:r>
-              <a:rPr lang="ko-KR" altLang="en-US" dirty="0"/>
-              <a:t>데이터베이스 </a:t>
-            </a:r>
-            <a:r>
-              <a:rPr lang="en-US" altLang="ko-KR" dirty="0" err="1"/>
-              <a:t>orm</a:t>
+              <a:t> </a:t>
+            </a:r>
+            <a:r>
+              <a:rPr lang="ko-KR" altLang="en-US" dirty="0" err="1"/>
+              <a:t>파이썬</a:t>
+            </a:r>
+            <a:endParaRPr lang="ko-KR" altLang="en-US" dirty="0"/>
+          </a:p>
+          <a:p>
+            <a:r>
+              <a:rPr lang="ko-KR" altLang="en-US" dirty="0"/>
+              <a:t>	</a:t>
+            </a:r>
+            <a:r>
+              <a:rPr lang="ko-KR" altLang="en-US" dirty="0" err="1"/>
+              <a:t>파이썬으로</a:t>
+            </a:r>
+            <a:r>
+              <a:rPr lang="ko-KR" altLang="en-US" dirty="0"/>
+              <a:t> 살펴보는 아키텍처 패턴 </a:t>
+            </a:r>
+            <a:r>
+              <a:rPr lang="en-US" altLang="ko-KR" dirty="0"/>
+              <a:t>(</a:t>
+            </a:r>
+            <a:r>
+              <a:rPr lang="ko-KR" altLang="en-US" dirty="0"/>
+              <a:t>해리 </a:t>
+            </a:r>
+            <a:r>
+              <a:rPr lang="ko-KR" altLang="en-US" dirty="0" err="1"/>
+              <a:t>퍼시벌</a:t>
+            </a:r>
+            <a:r>
+              <a:rPr lang="en-US" altLang="ko-KR" dirty="0"/>
+              <a:t>, </a:t>
+            </a:r>
+            <a:r>
+              <a:rPr lang="ko-KR" altLang="en-US" dirty="0"/>
+              <a:t>밥 </a:t>
+            </a:r>
+            <a:r>
+              <a:rPr lang="ko-KR" altLang="en-US" dirty="0" err="1"/>
+              <a:t>그레고리</a:t>
+            </a:r>
+            <a:r>
+              <a:rPr lang="ko-KR" altLang="en-US" dirty="0"/>
+              <a:t> 저</a:t>
             </a:r>
             <a:r>
               <a:rPr lang="en-US" altLang="ko-KR" dirty="0"/>
@@ -4828,8 +4832,12 @@
           </a:p>
           <a:p>
             <a:r>
-              <a:rPr lang="en-US" altLang="ko-KR" dirty="0"/>
-              <a:t>	</a:t>
+              <a:rPr lang="ko-KR" altLang="en-US" dirty="0"/>
+              <a:t>디자인 패턴 인 </a:t>
+            </a:r>
+            <a:r>
+              <a:rPr lang="ko-KR" altLang="en-US" dirty="0" err="1"/>
+              <a:t>파이썬</a:t>
             </a:r>
             <a:endParaRPr lang="ko-KR" altLang="en-US" dirty="0"/>
           </a:p>
@@ -4838,7 +4846,7 @@
     </p:spTree>
     <p:extLst>
       <p:ext uri="{BB962C8B-B14F-4D97-AF65-F5344CB8AC3E}">
-        <p14:creationId xmlns:p14="http://schemas.microsoft.com/office/powerpoint/2010/main" val="2498807623"/>
+        <p14:creationId xmlns:p14="http://schemas.microsoft.com/office/powerpoint/2010/main" val="2478817412"/>
       </p:ext>
     </p:extLst>
   </p:cSld>
@@ -4892,12 +4900,12 @@
           <a:lstStyle/>
           <a:p>
             <a:r>
-              <a:rPr lang="ko-KR" altLang="en-US" dirty="0" err="1"/>
-              <a:t>백엔드</a:t>
-            </a:r>
-            <a:r>
-              <a:rPr lang="en-US" altLang="ko-KR" dirty="0"/>
-              <a:t>(python)</a:t>
+              <a:rPr lang="ko-KR" altLang="en-US" dirty="0"/>
+              <a:t>추가 책 탐색</a:t>
+            </a:r>
+            <a:r>
+              <a:rPr lang="en-US" altLang="ko-KR" dirty="0"/>
+              <a:t>..</a:t>
             </a:r>
             <a:endParaRPr lang="en-KR" dirty="0"/>
           </a:p>
@@ -4936,72 +4944,42 @@
           <a:p>
             <a:r>
               <a:rPr lang="ko-KR" altLang="en-US" dirty="0" err="1"/>
-              <a:t>이펙티브</a:t>
-            </a:r>
-            <a:r>
-              <a:rPr lang="ko-KR" altLang="en-US" dirty="0"/>
-              <a:t> </a:t>
-            </a:r>
-            <a:r>
-              <a:rPr lang="ko-KR" altLang="en-US" dirty="0" err="1"/>
-              <a:t>파이썬</a:t>
-            </a:r>
-            <a:endParaRPr lang="ko-KR" altLang="en-US" dirty="0"/>
-          </a:p>
-          <a:p>
-            <a:r>
-              <a:rPr lang="ko-KR" altLang="en-US" dirty="0"/>
-              <a:t>	</a:t>
-            </a:r>
-            <a:r>
-              <a:rPr lang="ko-KR" altLang="en-US" dirty="0" err="1"/>
-              <a:t>파이썬으로</a:t>
-            </a:r>
-            <a:r>
-              <a:rPr lang="ko-KR" altLang="en-US" dirty="0"/>
-              <a:t> 살펴보는 아키텍처 패턴 </a:t>
-            </a:r>
-            <a:r>
-              <a:rPr lang="en-US" altLang="ko-KR" dirty="0"/>
-              <a:t>(</a:t>
-            </a:r>
-            <a:r>
-              <a:rPr lang="ko-KR" altLang="en-US" dirty="0"/>
-              <a:t>해리 </a:t>
-            </a:r>
-            <a:r>
-              <a:rPr lang="ko-KR" altLang="en-US" dirty="0" err="1"/>
-              <a:t>퍼시벌</a:t>
-            </a:r>
-            <a:r>
-              <a:rPr lang="en-US" altLang="ko-KR" dirty="0"/>
-              <a:t>, </a:t>
-            </a:r>
-            <a:r>
-              <a:rPr lang="ko-KR" altLang="en-US" dirty="0"/>
-              <a:t>밥 </a:t>
-            </a:r>
-            <a:r>
-              <a:rPr lang="ko-KR" altLang="en-US" dirty="0" err="1"/>
-              <a:t>그레고리</a:t>
-            </a:r>
-            <a:r>
-              <a:rPr lang="ko-KR" altLang="en-US" dirty="0"/>
-              <a:t> 저</a:t>
-            </a:r>
-            <a:r>
-              <a:rPr lang="en-US" altLang="ko-KR" dirty="0"/>
-              <a:t>)</a:t>
-            </a:r>
-          </a:p>
-          <a:p>
-            <a:r>
-              <a:rPr lang="ko-KR" altLang="en-US" dirty="0"/>
-              <a:t>디자인 패턴 인 </a:t>
-            </a:r>
-            <a:r>
-              <a:rPr lang="ko-KR" altLang="en-US" dirty="0" err="1"/>
-              <a:t>파이썬</a:t>
+              <a:t>인프콘</a:t>
+            </a:r>
+            <a:r>
+              <a:rPr lang="ko-KR" altLang="en-US" dirty="0"/>
+              <a:t> 발표자들 추천 책 예시 리스트</a:t>
+            </a:r>
+            <a:endParaRPr lang="en-US" altLang="ko-KR" dirty="0"/>
+          </a:p>
+          <a:p>
+            <a:r>
+              <a:rPr lang="en-US" altLang="ko-KR" dirty="0"/>
+              <a:t>http://</a:t>
+            </a:r>
+            <a:r>
+              <a:rPr lang="en-US" altLang="ko-KR" dirty="0" err="1"/>
+              <a:t>www.kyobobook.co.kr</a:t>
+            </a:r>
+            <a:r>
+              <a:rPr lang="en-US" altLang="ko-KR" dirty="0"/>
+              <a:t>/</a:t>
+            </a:r>
+            <a:r>
+              <a:rPr lang="en-US" altLang="ko-KR" dirty="0" err="1"/>
+              <a:t>eventRenewal</a:t>
+            </a:r>
+            <a:r>
+              <a:rPr lang="en-US" altLang="ko-KR" dirty="0"/>
+              <a:t>/</a:t>
+            </a:r>
+            <a:r>
+              <a:rPr lang="en-US" altLang="ko-KR" dirty="0" err="1"/>
+              <a:t>eventViewByPid.laf?eventPid</a:t>
+            </a:r>
+            <a:r>
+              <a:rPr lang="en-US" altLang="ko-KR" dirty="0"/>
+              <a:t>=90470&amp;orderClick=JGN</a:t>
             </a:r>
             <a:endParaRPr lang="ko-KR" altLang="en-US" dirty="0"/>
           </a:p>
@@ -5010,7 +4988,7 @@
     </p:spTree>
     <p:extLst>
       <p:ext uri="{BB962C8B-B14F-4D97-AF65-F5344CB8AC3E}">
-        <p14:creationId xmlns:p14="http://schemas.microsoft.com/office/powerpoint/2010/main" val="2478817412"/>
+        <p14:creationId xmlns:p14="http://schemas.microsoft.com/office/powerpoint/2010/main" val="3782587936"/>
       </p:ext>
     </p:extLst>
   </p:cSld>
@@ -5064,8 +5042,8 @@
           <a:lstStyle/>
           <a:p>
             <a:r>
-              <a:rPr lang="ko-KR" altLang="en-US" dirty="0"/>
-              <a:t>추가 책 예시</a:t>
+              <a:rPr lang="ko-KR" altLang="en-US" dirty="0" err="1"/>
+              <a:t>인프콘</a:t>
             </a:r>
             <a:endParaRPr lang="en-KR" dirty="0"/>
           </a:p>
@@ -5103,43 +5081,41 @@
           </a:p>
           <a:p>
             <a:r>
-              <a:rPr lang="ko-KR" altLang="en-US" dirty="0" err="1"/>
-              <a:t>인프콘</a:t>
-            </a:r>
-            <a:r>
-              <a:rPr lang="ko-KR" altLang="en-US" dirty="0"/>
-              <a:t> 발표 추천 책</a:t>
+              <a:rPr lang="ko-KR" altLang="en-US" dirty="0"/>
+              <a:t>금요일 발표이후</a:t>
             </a:r>
             <a:endParaRPr lang="en-US" altLang="ko-KR" dirty="0"/>
           </a:p>
           <a:p>
             <a:r>
-              <a:rPr lang="en-US" altLang="ko-KR" dirty="0"/>
-              <a:t>http://</a:t>
+              <a:rPr lang="ko-KR" altLang="en-US" dirty="0"/>
+              <a:t>온라인 세션 </a:t>
+            </a:r>
+            <a:r>
+              <a:rPr lang="ko-KR" altLang="en-US" dirty="0" err="1"/>
+              <a:t>업로드되면</a:t>
+            </a:r>
+            <a:r>
+              <a:rPr lang="ko-KR" altLang="en-US" dirty="0"/>
+              <a:t> 들어보는 것을 추천합니다</a:t>
+            </a:r>
+            <a:r>
+              <a:rPr lang="en-US" altLang="ko-KR" dirty="0"/>
+              <a:t>.</a:t>
+            </a:r>
+          </a:p>
+          <a:p>
+            <a:r>
+              <a:rPr lang="en-US" altLang="ko-KR" dirty="0"/>
+              <a:t>https://</a:t>
             </a:r>
             <a:r>
               <a:rPr lang="en-US" altLang="ko-KR" dirty="0" err="1"/>
-              <a:t>www.kyobobook.co.kr</a:t>
+              <a:t>infcon.day</a:t>
             </a:r>
             <a:r>
               <a:rPr lang="en-US" altLang="ko-KR" dirty="0"/>
               <a:t>/</a:t>
-            </a:r>
-            <a:r>
-              <a:rPr lang="en-US" altLang="ko-KR" dirty="0" err="1"/>
-              <a:t>eventRenewal</a:t>
-            </a:r>
-            <a:r>
-              <a:rPr lang="en-US" altLang="ko-KR" dirty="0"/>
-              <a:t>/</a:t>
-            </a:r>
-            <a:r>
-              <a:rPr lang="en-US" altLang="ko-KR" dirty="0" err="1"/>
-              <a:t>eventViewByPid.laf?eventPid</a:t>
-            </a:r>
-            <a:r>
-              <a:rPr lang="en-US" altLang="ko-KR" dirty="0"/>
-              <a:t>=90470&amp;orderClick=JGN</a:t>
             </a:r>
             <a:endParaRPr lang="ko-KR" altLang="en-US" dirty="0"/>
           </a:p>
@@ -5148,7 +5124,7 @@
     </p:spTree>
     <p:extLst>
       <p:ext uri="{BB962C8B-B14F-4D97-AF65-F5344CB8AC3E}">
-        <p14:creationId xmlns:p14="http://schemas.microsoft.com/office/powerpoint/2010/main" val="3782587936"/>
+        <p14:creationId xmlns:p14="http://schemas.microsoft.com/office/powerpoint/2010/main" val="2505427941"/>
       </p:ext>
     </p:extLst>
   </p:cSld>
@@ -5203,15 +5179,7 @@
           <a:p>
             <a:r>
               <a:rPr lang="ko-KR" altLang="en-US" dirty="0"/>
-              <a:t>지금부터하면 </a:t>
-            </a:r>
-            <a:r>
-              <a:rPr lang="ko-KR" altLang="en-US" dirty="0" err="1"/>
-              <a:t>좋을것</a:t>
-            </a:r>
-            <a:r>
-              <a:rPr lang="en-US" altLang="ko-KR" dirty="0"/>
-              <a:t>.</a:t>
+              <a:t>알고리즘</a:t>
             </a:r>
             <a:endParaRPr lang="en-KR" dirty="0"/>
           </a:p>
@@ -5240,84 +5208,119 @@
           </a:xfrm>
         </p:spPr>
         <p:txBody>
-          <a:bodyPr/>
+          <a:bodyPr>
+            <a:normAutofit fontScale="85000" lnSpcReduction="20000"/>
+          </a:bodyPr>
           <a:lstStyle/>
           <a:p>
             <a:endParaRPr lang="en-US" altLang="ko-KR" dirty="0"/>
           </a:p>
           <a:p>
             <a:r>
+              <a:rPr lang="ko-KR" altLang="en-US" dirty="0"/>
+              <a:t>전공 </a:t>
+            </a:r>
+            <a:r>
+              <a:rPr lang="en-US" altLang="ko-KR" dirty="0"/>
+              <a:t>x , </a:t>
+            </a:r>
+            <a:r>
+              <a:rPr lang="ko-KR" altLang="en-US" dirty="0"/>
+              <a:t>언어에 대해 </a:t>
+            </a:r>
+            <a:r>
+              <a:rPr lang="ko-KR" altLang="en-US" dirty="0" err="1"/>
+              <a:t>잘모르겠다면</a:t>
+            </a:r>
+            <a:r>
+              <a:rPr lang="ko-KR" altLang="en-US" dirty="0"/>
+              <a:t> 백준 클래스 문제 </a:t>
+            </a:r>
+            <a:r>
               <a:rPr lang="en-US" altLang="ko-KR" dirty="0"/>
               <a:t>1</a:t>
             </a:r>
             <a:r>
-              <a:rPr lang="ko-KR" altLang="en-US" dirty="0"/>
-              <a:t>일</a:t>
-            </a:r>
-            <a:r>
-              <a:rPr lang="en-US" altLang="ko-KR" dirty="0"/>
-              <a:t>1</a:t>
-            </a:r>
-            <a:r>
-              <a:rPr lang="ko-KR" altLang="en-US" dirty="0" err="1"/>
-              <a:t>커밋</a:t>
-            </a:r>
-            <a:r>
-              <a:rPr lang="ko-KR" altLang="en-US" dirty="0"/>
-              <a:t> </a:t>
-            </a:r>
-            <a:r>
-              <a:rPr lang="en-US" altLang="ko-KR" dirty="0" err="1"/>
-              <a:t>github</a:t>
-            </a:r>
-            <a:r>
-              <a:rPr lang="ko-KR" altLang="en-US" dirty="0"/>
-              <a:t>사용</a:t>
-            </a:r>
-          </a:p>
-          <a:p>
-            <a:r>
-              <a:rPr lang="ko-KR" altLang="en-US" dirty="0"/>
-              <a:t>알고리즘 매일</a:t>
-            </a:r>
-            <a:r>
-              <a:rPr lang="en-US" altLang="ko-KR" dirty="0"/>
-              <a:t>(</a:t>
-            </a:r>
-            <a:r>
-              <a:rPr lang="ko-KR" altLang="en-US" dirty="0" err="1"/>
-              <a:t>한문제</a:t>
-            </a:r>
-            <a:r>
-              <a:rPr lang="ko-KR" altLang="en-US" dirty="0"/>
-              <a:t> 혹은 </a:t>
-            </a:r>
-            <a:r>
-              <a:rPr lang="ko-KR" altLang="en-US" dirty="0" err="1"/>
-              <a:t>두문제</a:t>
-            </a:r>
-            <a:r>
-              <a:rPr lang="ko-KR" altLang="en-US" dirty="0"/>
-              <a:t> 반드시 풀기</a:t>
-            </a:r>
-            <a:r>
-              <a:rPr lang="en-US" altLang="ko-KR" dirty="0"/>
-              <a:t>)</a:t>
-            </a:r>
-          </a:p>
-          <a:p>
-            <a:r>
-              <a:rPr lang="en-US" altLang="ko-KR" dirty="0" err="1"/>
-              <a:t>solved.ac</a:t>
-            </a:r>
-            <a:endParaRPr lang="en-KR" dirty="0"/>
+              <a:rPr lang="ko-KR" altLang="en-US" dirty="0" err="1"/>
+              <a:t>부터</a:t>
+            </a:r>
+            <a:r>
+              <a:rPr lang="ko-KR" altLang="en-US" dirty="0"/>
+              <a:t> 시작해보는 것도 좋습니다</a:t>
+            </a:r>
+            <a:r>
+              <a:rPr lang="en-US" altLang="ko-KR" dirty="0"/>
+              <a:t>.</a:t>
+            </a:r>
+            <a:endParaRPr lang="ko-KR" altLang="en-US" dirty="0"/>
+          </a:p>
+          <a:p>
+            <a:r>
+              <a:rPr lang="ko-KR" altLang="en-US" dirty="0" err="1"/>
+              <a:t>컴공</a:t>
+            </a:r>
+            <a:r>
+              <a:rPr lang="ko-KR" altLang="en-US" dirty="0"/>
+              <a:t> 관련 졸업이라면 </a:t>
+            </a:r>
+            <a:r>
+              <a:rPr lang="en-US" altLang="ko-KR" dirty="0"/>
+              <a:t>3</a:t>
+            </a:r>
+            <a:r>
+              <a:rPr lang="ko-KR" altLang="en-US" dirty="0"/>
+              <a:t>정도부터 추천합니다</a:t>
+            </a:r>
+            <a:r>
+              <a:rPr lang="en-US" altLang="ko-KR" dirty="0"/>
+              <a:t>.</a:t>
+            </a:r>
+          </a:p>
+          <a:p>
+            <a:r>
+              <a:rPr lang="en-US" altLang="ko-KR" dirty="0"/>
+              <a:t>5</a:t>
+            </a:r>
+            <a:r>
+              <a:rPr lang="ko-KR" altLang="en-US" dirty="0"/>
+              <a:t>단계정도까지는 풀어보는 것을 추천하고</a:t>
+            </a:r>
+          </a:p>
+          <a:p>
+            <a:r>
+              <a:rPr lang="ko-KR" altLang="en-US" dirty="0"/>
+              <a:t>자기에게 살짝 어렵거나 풀만한 레벨부터 시작해도 좋습니다</a:t>
+            </a:r>
+            <a:r>
+              <a:rPr lang="en-US" altLang="ko-KR" dirty="0"/>
+              <a:t>.</a:t>
+            </a:r>
+          </a:p>
+          <a:p>
+            <a:r>
+              <a:rPr lang="ko-KR" altLang="en-US" dirty="0"/>
+              <a:t>해당 내용을 진행하면 </a:t>
+            </a:r>
+            <a:r>
+              <a:rPr lang="ko-KR" altLang="en-US" dirty="0" err="1"/>
+              <a:t>프로그래머스</a:t>
+            </a:r>
+            <a:r>
+              <a:rPr lang="ko-KR" altLang="en-US" dirty="0"/>
+              <a:t> 기출이나 유형별 풀어보기 등도 진행하면 좋습니다</a:t>
+            </a:r>
+            <a:r>
+              <a:rPr lang="en-US" altLang="ko-KR" dirty="0"/>
+              <a:t>.</a:t>
+            </a:r>
+            <a:endParaRPr lang="ko-KR" altLang="en-US" dirty="0"/>
           </a:p>
         </p:txBody>
       </p:sp>
     </p:spTree>
     <p:extLst>
       <p:ext uri="{BB962C8B-B14F-4D97-AF65-F5344CB8AC3E}">
-        <p14:creationId xmlns:p14="http://schemas.microsoft.com/office/powerpoint/2010/main" val="3772797924"/>
+        <p14:creationId xmlns:p14="http://schemas.microsoft.com/office/powerpoint/2010/main" val="1039334933"/>
       </p:ext>
     </p:extLst>
   </p:cSld>
@@ -5371,8 +5374,12 @@
           <a:lstStyle/>
           <a:p>
             <a:r>
-              <a:rPr lang="ko-KR" altLang="en-US" dirty="0" err="1"/>
-              <a:t>인프콘</a:t>
+              <a:rPr lang="en-US" altLang="ko-KR" dirty="0"/>
+              <a:t>MIP </a:t>
+            </a:r>
+            <a:r>
+              <a:rPr lang="ko-KR" altLang="en-US" dirty="0"/>
+              <a:t>서비스 예시</a:t>
             </a:r>
             <a:endParaRPr lang="en-KR" dirty="0"/>
           </a:p>
@@ -5406,35 +5413,61 @@
           </a:bodyPr>
           <a:lstStyle/>
           <a:p>
+            <a:r>
+              <a:rPr lang="en-US" altLang="ko-KR" dirty="0"/>
+              <a:t>MIP </a:t>
+            </a:r>
+            <a:r>
+              <a:rPr lang="ko-KR" altLang="en-US" dirty="0"/>
+              <a:t>서비스 예시</a:t>
+            </a:r>
+          </a:p>
+          <a:p>
+            <a:r>
+              <a:rPr lang="ko-KR" altLang="en-US" dirty="0"/>
+              <a:t>데이터사이언스</a:t>
+            </a:r>
+            <a:r>
+              <a:rPr lang="en-US" altLang="ko-KR" dirty="0"/>
+              <a:t>/ </a:t>
+            </a:r>
+            <a:r>
+              <a:rPr lang="ko-KR" altLang="en-US" dirty="0"/>
+              <a:t>데이터엔지니어링</a:t>
+            </a:r>
+            <a:r>
+              <a:rPr lang="en-US" altLang="ko-KR" dirty="0"/>
+              <a:t>/</a:t>
+            </a:r>
+            <a:r>
+              <a:rPr lang="ko-KR" altLang="en-US" dirty="0" err="1"/>
+              <a:t>백엔드</a:t>
+            </a:r>
+            <a:r>
+              <a:rPr lang="en-US" altLang="ko-KR" dirty="0"/>
+              <a:t>/</a:t>
+            </a:r>
+            <a:endParaRPr lang="ko-KR" altLang="en-US" dirty="0"/>
+          </a:p>
+          <a:p>
+            <a:r>
+              <a:rPr lang="en-US" altLang="ko-KR" dirty="0">
+                <a:hlinkClick r:id="rId2"/>
+              </a:rPr>
+              <a:t>https://www.notion.so/sandboxinc/Content-Tech-Internal-bbabd7a9a4b44a3aa78262f465acef6b</a:t>
+            </a:r>
             <a:endParaRPr lang="en-US" altLang="ko-KR" dirty="0"/>
           </a:p>
           <a:p>
             <a:r>
-              <a:rPr lang="ko-KR" altLang="en-US" dirty="0"/>
-              <a:t>금요일 발표</a:t>
+              <a:rPr lang="en-US" altLang="ko-KR" dirty="0">
+                <a:hlinkClick r:id="rId3"/>
+              </a:rPr>
+              <a:t>https://mip.sandworks.co.kr/</a:t>
             </a:r>
             <a:endParaRPr lang="en-US" altLang="ko-KR" dirty="0"/>
           </a:p>
           <a:p>
-            <a:r>
-              <a:rPr lang="ko-KR" altLang="en-US" dirty="0"/>
-              <a:t>온라인 세션 들어보기</a:t>
-            </a:r>
-            <a:endParaRPr lang="en-US" altLang="ko-KR" dirty="0"/>
-          </a:p>
-          <a:p>
-            <a:r>
-              <a:rPr lang="en-US" altLang="ko-KR" dirty="0"/>
-              <a:t>https://</a:t>
-            </a:r>
-            <a:r>
-              <a:rPr lang="en-US" altLang="ko-KR" dirty="0" err="1"/>
-              <a:t>infcon.day</a:t>
-            </a:r>
-            <a:r>
-              <a:rPr lang="en-US" altLang="ko-KR" dirty="0"/>
-              <a:t>/</a:t>
-            </a:r>
             <a:endParaRPr lang="ko-KR" altLang="en-US" dirty="0"/>
           </a:p>
         </p:txBody>
@@ -5442,7 +5475,7 @@
     </p:spTree>
     <p:extLst>
       <p:ext uri="{BB962C8B-B14F-4D97-AF65-F5344CB8AC3E}">
-        <p14:creationId xmlns:p14="http://schemas.microsoft.com/office/powerpoint/2010/main" val="2505427941"/>
+        <p14:creationId xmlns:p14="http://schemas.microsoft.com/office/powerpoint/2010/main" val="514276170"/>
       </p:ext>
     </p:extLst>
   </p:cSld>
@@ -5496,12 +5529,12 @@
           <a:lstStyle/>
           <a:p>
             <a:r>
-              <a:rPr lang="en-US" altLang="ko-KR" dirty="0"/>
-              <a:t>MIP </a:t>
-            </a:r>
-            <a:r>
-              <a:rPr lang="ko-KR" altLang="en-US" dirty="0"/>
-              <a:t>서비스 예시</a:t>
+              <a:rPr lang="en-US" dirty="0"/>
+              <a:t>Git </a:t>
+            </a:r>
+            <a:r>
+              <a:rPr lang="ko-KR" altLang="en-US" dirty="0"/>
+              <a:t>을 모른다면</a:t>
             </a:r>
             <a:endParaRPr lang="en-KR" dirty="0"/>
           </a:p>
@@ -5531,65 +5564,123 @@
         </p:spPr>
         <p:txBody>
           <a:bodyPr>
-            <a:normAutofit/>
+            <a:normAutofit fontScale="92500" lnSpcReduction="10000"/>
           </a:bodyPr>
           <a:lstStyle/>
           <a:p>
-            <a:r>
-              <a:rPr lang="en-US" altLang="ko-KR" dirty="0"/>
-              <a:t>MIP </a:t>
-            </a:r>
-            <a:r>
-              <a:rPr lang="ko-KR" altLang="en-US" dirty="0"/>
-              <a:t>서비스 예시</a:t>
-            </a:r>
-          </a:p>
-          <a:p>
-            <a:r>
-              <a:rPr lang="ko-KR" altLang="en-US" dirty="0"/>
-              <a:t>데이터사이언스</a:t>
-            </a:r>
-            <a:r>
-              <a:rPr lang="en-US" altLang="ko-KR" dirty="0"/>
-              <a:t>/ </a:t>
-            </a:r>
-            <a:r>
-              <a:rPr lang="ko-KR" altLang="en-US" dirty="0"/>
-              <a:t>데이터엔지니어링</a:t>
-            </a:r>
-            <a:r>
-              <a:rPr lang="en-US" altLang="ko-KR" dirty="0"/>
-              <a:t>/</a:t>
-            </a:r>
-            <a:r>
-              <a:rPr lang="ko-KR" altLang="en-US" dirty="0" err="1"/>
-              <a:t>백엔드</a:t>
-            </a:r>
-            <a:r>
-              <a:rPr lang="en-US" altLang="ko-KR" dirty="0"/>
-              <a:t>/</a:t>
-            </a:r>
-            <a:endParaRPr lang="ko-KR" altLang="en-US" dirty="0"/>
-          </a:p>
-          <a:p>
-            <a:r>
-              <a:rPr lang="en-US" altLang="ko-KR" dirty="0">
-                <a:hlinkClick r:id="rId2"/>
-              </a:rPr>
-              <a:t>https://www.notion.so/sandboxinc/Content-Tech-Internal-bbabd7a9a4b44a3aa78262f465acef6b</a:t>
-            </a:r>
             <a:endParaRPr lang="en-US" altLang="ko-KR" dirty="0"/>
           </a:p>
           <a:p>
             <a:r>
-              <a:rPr lang="en-US" altLang="ko-KR" dirty="0">
-                <a:hlinkClick r:id="rId3"/>
-              </a:rPr>
-              <a:t>https://mip.sandworks.co.kr/</a:t>
-            </a:r>
-            <a:endParaRPr lang="en-US" altLang="ko-KR" dirty="0"/>
-          </a:p>
-          <a:p>
+              <a:rPr lang="en-US" altLang="ko-KR" dirty="0"/>
+              <a:t>https://</a:t>
+            </a:r>
+            <a:r>
+              <a:rPr lang="en-US" altLang="ko-KR" dirty="0" err="1"/>
+              <a:t>backlog.com</a:t>
+            </a:r>
+            <a:r>
+              <a:rPr lang="en-US" altLang="ko-KR" dirty="0"/>
+              <a:t>/git-tutorial/</a:t>
+            </a:r>
+            <a:r>
+              <a:rPr lang="en-US" altLang="ko-KR" dirty="0" err="1"/>
+              <a:t>kr</a:t>
+            </a:r>
+            <a:r>
+              <a:rPr lang="en-US" altLang="ko-KR" dirty="0"/>
+              <a:t>/intro/intro1_1.html</a:t>
+            </a:r>
+          </a:p>
+          <a:p>
+            <a:r>
+              <a:rPr lang="ko-KR" altLang="en-US" dirty="0"/>
+              <a:t>입문편 </a:t>
+            </a:r>
+            <a:r>
+              <a:rPr lang="ko-KR" altLang="en-US" dirty="0" err="1"/>
+              <a:t>발전편이</a:t>
+            </a:r>
+            <a:r>
+              <a:rPr lang="ko-KR" altLang="en-US" dirty="0"/>
+              <a:t> 있고 깃을 </a:t>
+            </a:r>
+            <a:r>
+              <a:rPr lang="ko-KR" altLang="en-US" dirty="0" err="1"/>
+              <a:t>잘모르신다면</a:t>
+            </a:r>
+            <a:r>
+              <a:rPr lang="ko-KR" altLang="en-US" dirty="0"/>
+              <a:t> 한번 쯤 짚고 </a:t>
+            </a:r>
+            <a:r>
+              <a:rPr lang="ko-KR" altLang="en-US" dirty="0" err="1"/>
+              <a:t>넘어갈만</a:t>
+            </a:r>
+            <a:r>
+              <a:rPr lang="ko-KR" altLang="en-US" dirty="0"/>
+              <a:t> 합니다</a:t>
+            </a:r>
+            <a:r>
+              <a:rPr lang="en-US" altLang="ko-KR" dirty="0"/>
+              <a:t>. </a:t>
+            </a:r>
+          </a:p>
+          <a:p>
+            <a:r>
+              <a:rPr lang="ko-KR" altLang="en-US" dirty="0"/>
+              <a:t>이를 활용해서 </a:t>
+            </a:r>
+            <a:r>
+              <a:rPr lang="ko-KR" altLang="en-US" dirty="0" err="1"/>
+              <a:t>깃헙</a:t>
+            </a:r>
+            <a:r>
+              <a:rPr lang="ko-KR" altLang="en-US" dirty="0"/>
+              <a:t> 개인 </a:t>
+            </a:r>
+            <a:r>
+              <a:rPr lang="ko-KR" altLang="en-US" dirty="0" err="1"/>
+              <a:t>레포에</a:t>
+            </a:r>
+            <a:r>
+              <a:rPr lang="ko-KR" altLang="en-US" dirty="0"/>
+              <a:t> </a:t>
+            </a:r>
+            <a:r>
+              <a:rPr lang="ko-KR" altLang="en-US" dirty="0" err="1"/>
+              <a:t>잔디심기</a:t>
+            </a:r>
+            <a:r>
+              <a:rPr lang="en-US" altLang="ko-KR" dirty="0"/>
+              <a:t>, </a:t>
+            </a:r>
+            <a:r>
+              <a:rPr lang="ko-KR" altLang="en-US" dirty="0"/>
+              <a:t>포트폴리오 만들어보기를 추천합니다</a:t>
+            </a:r>
+            <a:r>
+              <a:rPr lang="en-US" altLang="ko-KR" dirty="0"/>
+              <a:t>.</a:t>
+            </a:r>
+          </a:p>
+          <a:p>
+            <a:r>
+              <a:rPr lang="ko-KR" altLang="en-US" dirty="0"/>
+              <a:t>또한 고정하고 싶은 프로젝트를 자신의 </a:t>
+            </a:r>
+            <a:r>
+              <a:rPr lang="ko-KR" altLang="en-US" dirty="0" err="1"/>
+              <a:t>깃헙</a:t>
+            </a:r>
+            <a:r>
+              <a:rPr lang="ko-KR" altLang="en-US" dirty="0"/>
+              <a:t> 상위에 핀으로 고정시킬 수 있습니다</a:t>
+            </a:r>
+            <a:r>
+              <a:rPr lang="en-US" altLang="ko-KR" dirty="0"/>
+              <a:t>.</a:t>
+            </a:r>
             <a:endParaRPr lang="ko-KR" altLang="en-US" dirty="0"/>
           </a:p>
         </p:txBody>
@@ -5597,7 +5688,7 @@
     </p:spTree>
     <p:extLst>
       <p:ext uri="{BB962C8B-B14F-4D97-AF65-F5344CB8AC3E}">
-        <p14:creationId xmlns:p14="http://schemas.microsoft.com/office/powerpoint/2010/main" val="514276170"/>
+        <p14:creationId xmlns:p14="http://schemas.microsoft.com/office/powerpoint/2010/main" val="3984228565"/>
       </p:ext>
     </p:extLst>
   </p:cSld>
@@ -5651,12 +5742,24 @@
           <a:lstStyle/>
           <a:p>
             <a:r>
-              <a:rPr lang="en-US" dirty="0"/>
-              <a:t>Git </a:t>
-            </a:r>
-            <a:r>
-              <a:rPr lang="ko-KR" altLang="en-US" dirty="0"/>
-              <a:t>을 모른다면</a:t>
+              <a:rPr lang="ko-KR" altLang="en-US" dirty="0"/>
+              <a:t>질문</a:t>
+            </a:r>
+            <a:r>
+              <a:rPr lang="en-US" altLang="ko-KR" dirty="0"/>
+              <a:t>(</a:t>
+            </a:r>
+            <a:r>
+              <a:rPr lang="ko-KR" altLang="en-US" dirty="0" err="1"/>
+              <a:t>백엔드</a:t>
+            </a:r>
+            <a:r>
+              <a:rPr lang="ko-KR" altLang="en-US" dirty="0"/>
+              <a:t> </a:t>
+            </a:r>
+            <a:r>
+              <a:rPr lang="en-US" altLang="ko-KR" dirty="0"/>
+              <a:t>skip?)</a:t>
             </a:r>
             <a:endParaRPr lang="en-KR" dirty="0"/>
           </a:p>
@@ -5690,100 +5793,42 @@
           </a:bodyPr>
           <a:lstStyle/>
           <a:p>
-            <a:endParaRPr lang="en-US" altLang="ko-KR" dirty="0"/>
-          </a:p>
-          <a:p>
-            <a:r>
-              <a:rPr lang="en-US" altLang="ko-KR" dirty="0"/>
-              <a:t>https://</a:t>
-            </a:r>
-            <a:r>
-              <a:rPr lang="en-US" altLang="ko-KR" dirty="0" err="1"/>
-              <a:t>backlog.com</a:t>
-            </a:r>
-            <a:r>
-              <a:rPr lang="en-US" altLang="ko-KR" dirty="0"/>
-              <a:t>/git-tutorial/</a:t>
-            </a:r>
-            <a:r>
-              <a:rPr lang="en-US" altLang="ko-KR" dirty="0" err="1"/>
-              <a:t>kr</a:t>
-            </a:r>
-            <a:r>
-              <a:rPr lang="en-US" altLang="ko-KR" dirty="0"/>
-              <a:t>/intro/intro1_1.html</a:t>
-            </a:r>
-          </a:p>
-          <a:p>
-            <a:r>
-              <a:rPr lang="ko-KR" altLang="en-US" dirty="0"/>
-              <a:t>입문편 </a:t>
-            </a:r>
-            <a:r>
-              <a:rPr lang="ko-KR" altLang="en-US" dirty="0" err="1"/>
-              <a:t>발전편</a:t>
-            </a:r>
-            <a:r>
-              <a:rPr lang="ko-KR" altLang="en-US" dirty="0"/>
-              <a:t> 해보기</a:t>
-            </a:r>
-            <a:r>
-              <a:rPr lang="en-US" altLang="ko-KR" dirty="0"/>
-              <a:t>, </a:t>
-            </a:r>
-            <a:r>
-              <a:rPr lang="ko-KR" altLang="en-US" dirty="0" err="1"/>
-              <a:t>깃헙</a:t>
-            </a:r>
-            <a:r>
-              <a:rPr lang="ko-KR" altLang="en-US" dirty="0"/>
-              <a:t> 개인 </a:t>
-            </a:r>
-            <a:r>
-              <a:rPr lang="ko-KR" altLang="en-US" dirty="0" err="1"/>
-              <a:t>레포에</a:t>
-            </a:r>
-            <a:r>
-              <a:rPr lang="ko-KR" altLang="en-US" dirty="0"/>
-              <a:t> </a:t>
-            </a:r>
-            <a:r>
-              <a:rPr lang="ko-KR" altLang="en-US" dirty="0" err="1"/>
-              <a:t>잔디심기</a:t>
-            </a:r>
-            <a:r>
-              <a:rPr lang="en-US" altLang="ko-KR" dirty="0"/>
-              <a:t>, </a:t>
-            </a:r>
-            <a:r>
-              <a:rPr lang="ko-KR" altLang="en-US" dirty="0"/>
-              <a:t>포트폴리오 만들기 </a:t>
-            </a:r>
-            <a:r>
-              <a:rPr lang="en-US" altLang="ko-KR" dirty="0"/>
-              <a:t>(</a:t>
-            </a:r>
-            <a:r>
-              <a:rPr lang="ko-KR" altLang="en-US" dirty="0"/>
-              <a:t>하나 프로젝트 깊게</a:t>
-            </a:r>
-            <a:r>
-              <a:rPr lang="en-US" altLang="ko-KR" dirty="0"/>
-              <a:t>)</a:t>
-            </a:r>
-          </a:p>
-          <a:p>
-            <a:r>
-              <a:rPr lang="ko-KR" altLang="en-US" dirty="0"/>
-              <a:t>고정하고 싶은 프로젝트 상위에 핀으로 고정시키기</a:t>
-            </a:r>
+            <a:r>
+              <a:rPr lang="en-US" altLang="ko-KR" dirty="0"/>
+              <a:t>1.</a:t>
+            </a:r>
+          </a:p>
+          <a:p>
+            <a:r>
+              <a:rPr lang="en-US" altLang="ko-KR" dirty="0"/>
+              <a:t>2.</a:t>
+            </a:r>
+          </a:p>
+          <a:p>
+            <a:r>
+              <a:rPr lang="en-US" altLang="ko-KR" dirty="0"/>
+              <a:t>3.</a:t>
+            </a:r>
+          </a:p>
+          <a:p>
+            <a:r>
+              <a:rPr lang="en-US" altLang="ko-KR" dirty="0"/>
+              <a:t>4.</a:t>
+            </a:r>
+          </a:p>
+          <a:p>
+            <a:r>
+              <a:rPr lang="en-US" altLang="ko-KR" dirty="0"/>
+              <a:t>5.</a:t>
+            </a:r>
+            <a:endParaRPr lang="ko-KR" altLang="en-US" dirty="0"/>
           </a:p>
         </p:txBody>
       </p:sp>
     </p:spTree>
     <p:extLst>
       <p:ext uri="{BB962C8B-B14F-4D97-AF65-F5344CB8AC3E}">
-        <p14:creationId xmlns:p14="http://schemas.microsoft.com/office/powerpoint/2010/main" val="3984228565"/>
+        <p14:creationId xmlns:p14="http://schemas.microsoft.com/office/powerpoint/2010/main" val="3801277152"/>
       </p:ext>
     </p:extLst>
   </p:cSld>
@@ -5846,11 +5891,11 @@
             </a:r>
             <a:r>
               <a:rPr lang="ko-KR" altLang="en-US" dirty="0" err="1"/>
-              <a:t>백엔드</a:t>
-            </a:r>
-            <a:r>
-              <a:rPr lang="en-US" altLang="ko-KR" dirty="0"/>
-              <a:t>)</a:t>
+              <a:t>머신러닝</a:t>
+            </a:r>
+            <a:r>
+              <a:rPr lang="en-US" altLang="ko-KR" dirty="0"/>
+              <a:t> skip?))</a:t>
             </a:r>
             <a:endParaRPr lang="en-KR" dirty="0"/>
           </a:p>
@@ -5880,7 +5925,7 @@
         </p:spPr>
         <p:txBody>
           <a:bodyPr>
-            <a:normAutofit/>
+            <a:normAutofit lnSpcReduction="10000"/>
           </a:bodyPr>
           <a:lstStyle/>
           <a:p>
@@ -5911,6 +5956,12 @@
             <a:r>
               <a:rPr lang="en-US" altLang="ko-KR" dirty="0"/>
               <a:t>5.</a:t>
+            </a:r>
+          </a:p>
+          <a:p>
+            <a:r>
+              <a:rPr lang="en-US" altLang="ko-KR" dirty="0"/>
+              <a:t>6….</a:t>
             </a:r>
             <a:endParaRPr lang="ko-KR" altLang="en-US" dirty="0"/>
           </a:p>
@@ -5919,7 +5970,7 @@
     </p:spTree>
     <p:extLst>
       <p:ext uri="{BB962C8B-B14F-4D97-AF65-F5344CB8AC3E}">
-        <p14:creationId xmlns:p14="http://schemas.microsoft.com/office/powerpoint/2010/main" val="3801277152"/>
+        <p14:creationId xmlns:p14="http://schemas.microsoft.com/office/powerpoint/2010/main" val="2719514691"/>
       </p:ext>
     </p:extLst>
   </p:cSld>
@@ -5974,19 +6025,7 @@
           <a:p>
             <a:r>
               <a:rPr lang="ko-KR" altLang="en-US" dirty="0"/>
-              <a:t>질문</a:t>
-            </a:r>
-            <a:r>
-              <a:rPr lang="en-US" altLang="ko-KR" dirty="0"/>
-              <a:t>(</a:t>
-            </a:r>
-            <a:r>
-              <a:rPr lang="ko-KR" altLang="en-US" dirty="0" err="1"/>
-              <a:t>머신러닝</a:t>
-            </a:r>
-            <a:r>
-              <a:rPr lang="en-US" altLang="ko-KR" dirty="0"/>
-              <a:t>)</a:t>
+              <a:t>실력은 한번에 늘지 않음</a:t>
             </a:r>
             <a:endParaRPr lang="en-KR" dirty="0"/>
           </a:p>
@@ -6016,44 +6055,113 @@
         </p:spPr>
         <p:txBody>
           <a:bodyPr>
-            <a:normAutofit lnSpcReduction="10000"/>
+            <a:normAutofit fontScale="77500" lnSpcReduction="20000"/>
           </a:bodyPr>
           <a:lstStyle/>
           <a:p>
             <a:r>
-              <a:rPr lang="en-US" altLang="ko-KR" dirty="0"/>
-              <a:t>1.</a:t>
-            </a:r>
-          </a:p>
-          <a:p>
-            <a:r>
-              <a:rPr lang="en-US" altLang="ko-KR" dirty="0"/>
-              <a:t>2.</a:t>
-            </a:r>
-          </a:p>
-          <a:p>
-            <a:r>
-              <a:rPr lang="en-US" altLang="ko-KR" dirty="0"/>
-              <a:t>3.</a:t>
-            </a:r>
-          </a:p>
-          <a:p>
-            <a:r>
-              <a:rPr lang="en-US" altLang="ko-KR" dirty="0"/>
-              <a:t>4.</a:t>
-            </a:r>
-          </a:p>
-          <a:p>
-            <a:r>
-              <a:rPr lang="en-US" altLang="ko-KR" dirty="0"/>
-              <a:t>5.</a:t>
-            </a:r>
-          </a:p>
-          <a:p>
-            <a:r>
-              <a:rPr lang="en-US" altLang="ko-KR" dirty="0"/>
-              <a:t>6….</a:t>
-            </a:r>
+              <a:rPr lang="ko-KR" altLang="en-US" dirty="0"/>
+              <a:t>실력은 점진적으로 늘지 않고</a:t>
+            </a:r>
+            <a:r>
+              <a:rPr lang="en-US" altLang="ko-KR" dirty="0"/>
+              <a:t>, </a:t>
+            </a:r>
+            <a:r>
+              <a:rPr lang="ko-KR" altLang="en-US" dirty="0"/>
+              <a:t>한동안 </a:t>
+            </a:r>
+            <a:r>
+              <a:rPr lang="ko-KR" altLang="en-US" dirty="0" err="1"/>
+              <a:t>안늘다가</a:t>
+            </a:r>
+            <a:r>
+              <a:rPr lang="en-US" altLang="ko-KR" dirty="0"/>
+              <a:t>, </a:t>
+            </a:r>
+            <a:r>
+              <a:rPr lang="ko-KR" altLang="en-US" dirty="0"/>
+              <a:t>갑자기 늘어납니다</a:t>
+            </a:r>
+            <a:r>
+              <a:rPr lang="en-US" altLang="ko-KR" dirty="0"/>
+              <a:t>. </a:t>
+            </a:r>
+            <a:r>
+              <a:rPr lang="ko-KR" altLang="en-US" dirty="0" err="1"/>
+              <a:t>꾸준히가</a:t>
+            </a:r>
+            <a:r>
+              <a:rPr lang="ko-KR" altLang="en-US" dirty="0"/>
+              <a:t> 제일 중요한 요소입니다</a:t>
+            </a:r>
+            <a:r>
+              <a:rPr lang="en-US" altLang="ko-KR" dirty="0"/>
+              <a:t>.</a:t>
+            </a:r>
+          </a:p>
+          <a:p>
+            <a:endParaRPr lang="en-US" altLang="ko-KR" dirty="0"/>
+          </a:p>
+          <a:p>
+            <a:r>
+              <a:rPr lang="ko-KR" altLang="en-US" dirty="0"/>
+              <a:t>여기에 대해 제가 생각하는 이유는 다음과 같습니다</a:t>
+            </a:r>
+            <a:r>
+              <a:rPr lang="en-US" altLang="ko-KR" dirty="0"/>
+              <a:t>.</a:t>
+            </a:r>
+          </a:p>
+          <a:p>
+            <a:r>
+              <a:rPr lang="ko-KR" altLang="en-US" dirty="0"/>
+              <a:t>사람은 한번에 배운 것을 완전히 학습하지 못하기 때문인데요</a:t>
+            </a:r>
+            <a:r>
+              <a:rPr lang="en-US" altLang="ko-KR" dirty="0"/>
+              <a:t>,</a:t>
+            </a:r>
+          </a:p>
+          <a:p>
+            <a:r>
+              <a:rPr lang="ko-KR" altLang="en-US" dirty="0"/>
+              <a:t>때문에 학습에서 가장 중요한 것은 시간이 </a:t>
+            </a:r>
+            <a:r>
+              <a:rPr lang="ko-KR" altLang="en-US" dirty="0" err="1"/>
+              <a:t>지난후</a:t>
+            </a:r>
+            <a:r>
+              <a:rPr lang="ko-KR" altLang="en-US" dirty="0"/>
+              <a:t> 학습한 것을 되돌아 보는 것</a:t>
+            </a:r>
+            <a:r>
+              <a:rPr lang="en-US" altLang="ko-KR" dirty="0"/>
+              <a:t>,</a:t>
+            </a:r>
+          </a:p>
+          <a:p>
+            <a:r>
+              <a:rPr lang="ko-KR" altLang="en-US" dirty="0"/>
+              <a:t>오답노트를 만들고 이를 복습해보는 것이라고 생각합니다</a:t>
+            </a:r>
+            <a:r>
+              <a:rPr lang="en-US" altLang="ko-KR" dirty="0"/>
+              <a:t>.</a:t>
+            </a:r>
+          </a:p>
+          <a:p>
+            <a:r>
+              <a:rPr lang="ko-KR" altLang="en-US" dirty="0"/>
+              <a:t>아마 이러한 부분에 집중하시면 남들보다 빠르게 학습하실 수 있을 거라 생각합니다</a:t>
+            </a:r>
+            <a:r>
+              <a:rPr lang="en-US" altLang="ko-KR" dirty="0"/>
+              <a:t>.</a:t>
+            </a:r>
+          </a:p>
+          <a:p>
             <a:endParaRPr lang="ko-KR" altLang="en-US" dirty="0"/>
           </a:p>
         </p:txBody>
@@ -6061,7 +6169,7 @@
     </p:spTree>
     <p:extLst>
       <p:ext uri="{BB962C8B-B14F-4D97-AF65-F5344CB8AC3E}">
-        <p14:creationId xmlns:p14="http://schemas.microsoft.com/office/powerpoint/2010/main" val="2719514691"/>
+        <p14:creationId xmlns:p14="http://schemas.microsoft.com/office/powerpoint/2010/main" val="3720441326"/>
       </p:ext>
     </p:extLst>
   </p:cSld>
@@ -6116,7 +6224,7 @@
           <a:p>
             <a:r>
               <a:rPr lang="ko-KR" altLang="en-US" dirty="0"/>
-              <a:t>실력은 한번에 늘지 않음</a:t>
+              <a:t>학습 방법</a:t>
             </a:r>
             <a:endParaRPr lang="en-KR" dirty="0"/>
           </a:p>
@@ -6146,13 +6254,30 @@
         </p:spPr>
         <p:txBody>
           <a:bodyPr>
-            <a:normAutofit fontScale="77500" lnSpcReduction="20000"/>
+            <a:normAutofit/>
           </a:bodyPr>
           <a:lstStyle/>
           <a:p>
-            <a:r>
-              <a:rPr lang="ko-KR" altLang="en-US" dirty="0"/>
-              <a:t>실력은 점진적으로 늘지 않고</a:t>
+            <a:endParaRPr lang="en-US" altLang="ko-KR" dirty="0"/>
+          </a:p>
+          <a:p>
+            <a:r>
+              <a:rPr lang="ko-KR" altLang="en-US" dirty="0"/>
+              <a:t>인터넷을 통한 학습은 </a:t>
+            </a:r>
+            <a:r>
+              <a:rPr lang="ko-KR" altLang="en-US" dirty="0" err="1"/>
+              <a:t>왠만하면</a:t>
+            </a:r>
+            <a:r>
+              <a:rPr lang="ko-KR" altLang="en-US" dirty="0"/>
+              <a:t> 블로그보다는</a:t>
+            </a:r>
+          </a:p>
+          <a:p>
+            <a:r>
+              <a:rPr lang="ko-KR" altLang="en-US" dirty="0" err="1"/>
+              <a:t>공식문서</a:t>
             </a:r>
             <a:r>
               <a:rPr lang="en-US" altLang="ko-KR" dirty="0"/>
@@ -6160,107 +6285,41 @@
             </a:r>
             <a:r>
               <a:rPr lang="ko-KR" altLang="en-US" dirty="0"/>
-              <a:t>한동안 </a:t>
-            </a:r>
-            <a:r>
-              <a:rPr lang="ko-KR" altLang="en-US" dirty="0" err="1"/>
-              <a:t>안늘다가</a:t>
-            </a:r>
-            <a:r>
-              <a:rPr lang="en-US" altLang="ko-KR" dirty="0"/>
-              <a:t>, </a:t>
-            </a:r>
-            <a:r>
-              <a:rPr lang="ko-KR" altLang="en-US" dirty="0"/>
-              <a:t>갑자기 늘어납니다</a:t>
+              <a:t>혹은 책을 </a:t>
+            </a:r>
+            <a:r>
+              <a:rPr lang="ko-KR" altLang="en-US" dirty="0" err="1"/>
+              <a:t>참조하시는게</a:t>
+            </a:r>
+            <a:r>
+              <a:rPr lang="ko-KR" altLang="en-US" dirty="0"/>
+              <a:t> 좋습니다</a:t>
             </a:r>
             <a:r>
               <a:rPr lang="en-US" altLang="ko-KR" dirty="0"/>
               <a:t>. </a:t>
             </a:r>
-            <a:r>
-              <a:rPr lang="ko-KR" altLang="en-US" dirty="0" err="1"/>
-              <a:t>꾸준히가</a:t>
-            </a:r>
-            <a:r>
-              <a:rPr lang="ko-KR" altLang="en-US" dirty="0"/>
-              <a:t> 제일 중요한 요소입니다</a:t>
-            </a:r>
-            <a:r>
-              <a:rPr lang="en-US" altLang="ko-KR" dirty="0"/>
-              <a:t>.</a:t>
-            </a:r>
-          </a:p>
-          <a:p>
-            <a:endParaRPr lang="en-US" altLang="ko-KR" dirty="0"/>
-          </a:p>
-          <a:p>
-            <a:r>
-              <a:rPr lang="ko-KR" altLang="en-US" dirty="0"/>
-              <a:t>여기에 대해 제가 생각하는 이유는 다음과 같습니다</a:t>
-            </a:r>
-            <a:r>
-              <a:rPr lang="en-US" altLang="ko-KR" dirty="0"/>
-              <a:t>.</a:t>
-            </a:r>
-          </a:p>
-          <a:p>
-            <a:r>
-              <a:rPr lang="ko-KR" altLang="en-US" dirty="0"/>
-              <a:t>사람은 한번에 배운 것을 완전히 학습하지 못하기 때문인데요</a:t>
-            </a:r>
-            <a:r>
-              <a:rPr lang="en-US" altLang="ko-KR" dirty="0"/>
-              <a:t>,</a:t>
-            </a:r>
-          </a:p>
-          <a:p>
-            <a:r>
-              <a:rPr lang="ko-KR" altLang="en-US" dirty="0"/>
-              <a:t>때문에 학습에서 가장 중요한 것은 시간이 </a:t>
-            </a:r>
-            <a:r>
-              <a:rPr lang="ko-KR" altLang="en-US" dirty="0" err="1"/>
-              <a:t>지난후</a:t>
-            </a:r>
-            <a:r>
-              <a:rPr lang="ko-KR" altLang="en-US" dirty="0"/>
-              <a:t> 학습한 것을 되돌아 보는 것</a:t>
-            </a:r>
-            <a:r>
-              <a:rPr lang="en-US" altLang="ko-KR" dirty="0"/>
-              <a:t>,</a:t>
-            </a:r>
-          </a:p>
-          <a:p>
-            <a:r>
-              <a:rPr lang="ko-KR" altLang="en-US" dirty="0"/>
-              <a:t>오답노트를 만들고 이를 복습해보는 것이라고 생각합니다</a:t>
-            </a:r>
-            <a:r>
-              <a:rPr lang="en-US" altLang="ko-KR" dirty="0"/>
-              <a:t>.</a:t>
-            </a:r>
-          </a:p>
-          <a:p>
-            <a:r>
-              <a:rPr lang="ko-KR" altLang="en-US" dirty="0"/>
-              <a:t>아마 이러한 부분에 집중하시면 남들보다 빠르게 학습하실 수 있을 거라 생각합니다</a:t>
-            </a:r>
-            <a:r>
-              <a:rPr lang="en-US" altLang="ko-KR" dirty="0"/>
-              <a:t>.</a:t>
-            </a:r>
-          </a:p>
-          <a:p>
-            <a:endParaRPr lang="ko-KR" altLang="en-US" dirty="0"/>
+          </a:p>
+          <a:p>
+            <a:r>
+              <a:rPr lang="en-US" altLang="ko-KR" dirty="0"/>
+              <a:t>(+</a:t>
+            </a:r>
+            <a:r>
+              <a:rPr lang="ko-KR" altLang="en-US" dirty="0"/>
+              <a:t>빠른 학습을 위해 특정 강의들을 활용해도 좋습니다</a:t>
+            </a:r>
+            <a:r>
+              <a:rPr lang="en-US" altLang="ko-KR" dirty="0"/>
+              <a:t>)</a:t>
+            </a:r>
           </a:p>
         </p:txBody>
       </p:sp>
     </p:spTree>
     <p:extLst>
       <p:ext uri="{BB962C8B-B14F-4D97-AF65-F5344CB8AC3E}">
-        <p14:creationId xmlns:p14="http://schemas.microsoft.com/office/powerpoint/2010/main" val="3720441326"/>
+        <p14:creationId xmlns:p14="http://schemas.microsoft.com/office/powerpoint/2010/main" val="1635905493"/>
       </p:ext>
     </p:extLst>
   </p:cSld>
@@ -6315,7 +6374,7 @@
           <a:p>
             <a:r>
               <a:rPr lang="ko-KR" altLang="en-US" dirty="0"/>
-              <a:t>학습 방법</a:t>
+              <a:t>실력이 늘지 않는 예시</a:t>
             </a:r>
             <a:endParaRPr lang="en-KR" dirty="0"/>
           </a:p>
@@ -6345,30 +6404,76 @@
         </p:spPr>
         <p:txBody>
           <a:bodyPr>
-            <a:normAutofit/>
+            <a:normAutofit fontScale="92500" lnSpcReduction="20000"/>
           </a:bodyPr>
           <a:lstStyle/>
           <a:p>
+            <a:r>
+              <a:rPr lang="en-US" altLang="ko-KR" dirty="0"/>
+              <a:t>A : </a:t>
+            </a:r>
+            <a:r>
+              <a:rPr lang="ko-KR" altLang="en-US" dirty="0"/>
+              <a:t>책도 많이 읽고 </a:t>
+            </a:r>
+            <a:r>
+              <a:rPr lang="en-US" altLang="ko-KR" dirty="0"/>
+              <a:t>SNS </a:t>
+            </a:r>
+            <a:r>
+              <a:rPr lang="ko-KR" altLang="en-US" dirty="0"/>
+              <a:t>좋은 글도 스크랩해서 열심히 보고</a:t>
+            </a:r>
+            <a:r>
+              <a:rPr lang="en-US" altLang="ko-KR" dirty="0"/>
+              <a:t>, </a:t>
+            </a:r>
+            <a:r>
+              <a:rPr lang="ko-KR" altLang="en-US" dirty="0"/>
+              <a:t>유튜브에 </a:t>
+            </a:r>
+            <a:r>
+              <a:rPr lang="ko-KR" altLang="en-US" dirty="0" err="1"/>
+              <a:t>테크</a:t>
+            </a:r>
+            <a:r>
+              <a:rPr lang="ko-KR" altLang="en-US" dirty="0"/>
+              <a:t> 관련 영상 자료도 계속 보고 듣는데 실력이 잘 안 느는 것 같다</a:t>
+            </a:r>
+            <a:r>
+              <a:rPr lang="en-US" altLang="ko-KR" dirty="0"/>
+              <a:t>. </a:t>
+            </a:r>
+          </a:p>
+          <a:p>
+            <a:r>
+              <a:rPr lang="en-US" altLang="ko-KR" dirty="0"/>
+              <a:t>: </a:t>
+            </a:r>
+            <a:r>
+              <a:rPr lang="ko-KR" altLang="en-US" dirty="0"/>
+              <a:t>뇌도 기관이라 입력만 해서는 발달에 한계가 있다</a:t>
+            </a:r>
+            <a:r>
+              <a:rPr lang="en-US" altLang="ko-KR" dirty="0"/>
+              <a:t>. </a:t>
+            </a:r>
+            <a:r>
+              <a:rPr lang="ko-KR" altLang="en-US" dirty="0"/>
+              <a:t>입력한 만큼 출력도 해야 실력이 는다</a:t>
+            </a:r>
+            <a:r>
+              <a:rPr lang="en-US" altLang="ko-KR" dirty="0"/>
+              <a:t>.</a:t>
+            </a:r>
+          </a:p>
+          <a:p>
             <a:endParaRPr lang="en-US" altLang="ko-KR" dirty="0"/>
           </a:p>
           <a:p>
             <a:r>
               <a:rPr lang="ko-KR" altLang="en-US" dirty="0"/>
-              <a:t>인터넷을 통한 학습은 </a:t>
-            </a:r>
-            <a:r>
-              <a:rPr lang="ko-KR" altLang="en-US" dirty="0" err="1"/>
-              <a:t>왠만하면</a:t>
-            </a:r>
-            <a:r>
-              <a:rPr lang="ko-KR" altLang="en-US" dirty="0"/>
-              <a:t> 블로그보다는</a:t>
-            </a:r>
-          </a:p>
-          <a:p>
-            <a:r>
-              <a:rPr lang="ko-KR" altLang="en-US" dirty="0" err="1"/>
-              <a:t>공식문서</a:t>
+              <a:t>읽고</a:t>
             </a:r>
             <a:r>
               <a:rPr lang="en-US" altLang="ko-KR" dirty="0"/>
@@ -6376,33 +6481,59 @@
             </a:r>
             <a:r>
               <a:rPr lang="ko-KR" altLang="en-US" dirty="0"/>
-              <a:t>혹은 책을 </a:t>
-            </a:r>
-            <a:r>
-              <a:rPr lang="ko-KR" altLang="en-US" dirty="0" err="1"/>
-              <a:t>참조하시는게</a:t>
-            </a:r>
-            <a:r>
-              <a:rPr lang="ko-KR" altLang="en-US" dirty="0"/>
-              <a:t> 좋습니다</a:t>
-            </a:r>
-            <a:r>
-              <a:rPr lang="en-US" altLang="ko-KR" dirty="0"/>
-              <a:t>. </a:t>
-            </a:r>
-          </a:p>
-          <a:p>
-            <a:r>
-              <a:rPr lang="en-US" altLang="ko-KR" dirty="0"/>
-              <a:t>(+</a:t>
-            </a:r>
-            <a:r>
-              <a:rPr lang="ko-KR" altLang="en-US" dirty="0"/>
-              <a:t>빠른 학습을 위해 양질의 강의도 활용하면 좋음</a:t>
-            </a:r>
-            <a:r>
-              <a:rPr lang="en-US" altLang="ko-KR" dirty="0"/>
-              <a:t>)</a:t>
+              <a:t>보고</a:t>
+            </a:r>
+            <a:r>
+              <a:rPr lang="en-US" altLang="ko-KR" dirty="0"/>
+              <a:t>, </a:t>
+            </a:r>
+            <a:r>
+              <a:rPr lang="ko-KR" altLang="en-US" dirty="0"/>
+              <a:t>듣기만 하면서</a:t>
+            </a:r>
+            <a:r>
+              <a:rPr lang="en-US" altLang="ko-KR" dirty="0"/>
+              <a:t>, </a:t>
+            </a:r>
+            <a:r>
+              <a:rPr lang="ko-KR" altLang="en-US" dirty="0"/>
+              <a:t>직접 쓰고</a:t>
+            </a:r>
+            <a:r>
+              <a:rPr lang="en-US" altLang="ko-KR" dirty="0"/>
+              <a:t>, </a:t>
+            </a:r>
+            <a:r>
+              <a:rPr lang="ko-KR" altLang="en-US" dirty="0"/>
+              <a:t>말하고</a:t>
+            </a:r>
+            <a:r>
+              <a:rPr lang="en-US" altLang="ko-KR" dirty="0"/>
+              <a:t>, </a:t>
+            </a:r>
+            <a:r>
+              <a:rPr lang="ko-KR" altLang="en-US" dirty="0"/>
+              <a:t>따라해보지 않는다면</a:t>
+            </a:r>
+            <a:r>
+              <a:rPr lang="en-US" altLang="ko-KR" dirty="0"/>
+              <a:t>, </a:t>
+            </a:r>
+            <a:r>
+              <a:rPr lang="ko-KR" altLang="en-US" dirty="0"/>
+              <a:t>헬스 운동 기구 사용법만 공부하고 직접 써보지 않으면서</a:t>
+            </a:r>
+            <a:r>
+              <a:rPr lang="en-US" altLang="ko-KR" dirty="0"/>
+              <a:t>, </a:t>
+            </a:r>
+            <a:r>
+              <a:rPr lang="ko-KR" altLang="en-US" dirty="0"/>
+              <a:t>근육이 저절로 발달하길 기대하는 것과 비슷하다</a:t>
+            </a:r>
+            <a:r>
+              <a:rPr lang="en-US" altLang="ko-KR" dirty="0"/>
+              <a:t>.</a:t>
             </a:r>
           </a:p>
         </p:txBody>
@@ -6410,7 +6541,7 @@
     </p:spTree>
     <p:extLst>
       <p:ext uri="{BB962C8B-B14F-4D97-AF65-F5344CB8AC3E}">
-        <p14:creationId xmlns:p14="http://schemas.microsoft.com/office/powerpoint/2010/main" val="1635905493"/>
+        <p14:creationId xmlns:p14="http://schemas.microsoft.com/office/powerpoint/2010/main" val="2600723521"/>
       </p:ext>
     </p:extLst>
   </p:cSld>
@@ -6465,7 +6596,7 @@
           <a:p>
             <a:r>
               <a:rPr lang="ko-KR" altLang="en-US" dirty="0"/>
-              <a:t>실력이 늘지 않는 예시</a:t>
+              <a:t>기타 추가 자료 첨부</a:t>
             </a:r>
             <a:endParaRPr lang="en-KR" dirty="0"/>
           </a:p>
@@ -6499,132 +6630,68 @@
           </a:bodyPr>
           <a:lstStyle/>
           <a:p>
-            <a:r>
-              <a:rPr lang="en-US" altLang="ko-KR" dirty="0"/>
-              <a:t>A : </a:t>
-            </a:r>
-            <a:r>
-              <a:rPr lang="ko-KR" altLang="en-US" dirty="0"/>
-              <a:t>책도 많이 읽고 </a:t>
-            </a:r>
-            <a:r>
-              <a:rPr lang="en-US" altLang="ko-KR" dirty="0"/>
-              <a:t>SNS </a:t>
-            </a:r>
-            <a:r>
-              <a:rPr lang="ko-KR" altLang="en-US" dirty="0"/>
-              <a:t>좋은 글도 스크랩해서 열심히 보고</a:t>
-            </a:r>
-            <a:r>
-              <a:rPr lang="en-US" altLang="ko-KR" dirty="0"/>
-              <a:t>, </a:t>
-            </a:r>
-            <a:r>
-              <a:rPr lang="ko-KR" altLang="en-US" dirty="0"/>
-              <a:t>유튜브에 </a:t>
-            </a:r>
-            <a:r>
-              <a:rPr lang="ko-KR" altLang="en-US" dirty="0" err="1"/>
-              <a:t>테크</a:t>
-            </a:r>
-            <a:r>
-              <a:rPr lang="ko-KR" altLang="en-US" dirty="0"/>
-              <a:t> 관련 영상 자료도 계속 보고 듣는데 실력이 잘 안 느는 것 같다</a:t>
-            </a:r>
-            <a:r>
-              <a:rPr lang="en-US" altLang="ko-KR" dirty="0"/>
-              <a:t>. </a:t>
-            </a:r>
-          </a:p>
-          <a:p>
-            <a:r>
-              <a:rPr lang="en-US" altLang="ko-KR" dirty="0"/>
-              <a:t>: </a:t>
-            </a:r>
-            <a:r>
-              <a:rPr lang="ko-KR" altLang="en-US" dirty="0"/>
-              <a:t>뇌도 기관이라 입력만 해서는 발달에 한계가 있다</a:t>
-            </a:r>
-            <a:r>
-              <a:rPr lang="en-US" altLang="ko-KR" dirty="0"/>
-              <a:t>. </a:t>
-            </a:r>
-            <a:r>
-              <a:rPr lang="ko-KR" altLang="en-US" dirty="0"/>
-              <a:t>입력한 만큼 출력도 해야 실력이 는다</a:t>
-            </a:r>
-            <a:r>
-              <a:rPr lang="en-US" altLang="ko-KR" dirty="0"/>
-              <a:t>.</a:t>
-            </a:r>
-          </a:p>
-          <a:p>
             <a:endParaRPr lang="en-US" altLang="ko-KR" dirty="0"/>
           </a:p>
           <a:p>
             <a:r>
               <a:rPr lang="ko-KR" altLang="en-US" dirty="0"/>
-              <a:t>읽고</a:t>
-            </a:r>
-            <a:r>
-              <a:rPr lang="en-US" altLang="ko-KR" dirty="0"/>
-              <a:t>, </a:t>
-            </a:r>
-            <a:r>
-              <a:rPr lang="ko-KR" altLang="en-US" dirty="0"/>
-              <a:t>보고</a:t>
-            </a:r>
-            <a:r>
-              <a:rPr lang="en-US" altLang="ko-KR" dirty="0"/>
-              <a:t>, </a:t>
-            </a:r>
-            <a:r>
-              <a:rPr lang="ko-KR" altLang="en-US" dirty="0"/>
-              <a:t>듣기만 하면서</a:t>
-            </a:r>
-            <a:r>
-              <a:rPr lang="en-US" altLang="ko-KR" dirty="0"/>
-              <a:t>, </a:t>
-            </a:r>
-            <a:r>
-              <a:rPr lang="ko-KR" altLang="en-US" dirty="0"/>
-              <a:t>직접 쓰고</a:t>
-            </a:r>
-            <a:r>
-              <a:rPr lang="en-US" altLang="ko-KR" dirty="0"/>
-              <a:t>, </a:t>
-            </a:r>
-            <a:r>
-              <a:rPr lang="ko-KR" altLang="en-US" dirty="0"/>
-              <a:t>말하고</a:t>
-            </a:r>
-            <a:r>
-              <a:rPr lang="en-US" altLang="ko-KR" dirty="0"/>
-              <a:t>, </a:t>
-            </a:r>
-            <a:r>
-              <a:rPr lang="ko-KR" altLang="en-US" dirty="0"/>
-              <a:t>따라해보지 않는다면</a:t>
-            </a:r>
-            <a:r>
-              <a:rPr lang="en-US" altLang="ko-KR" dirty="0"/>
-              <a:t>, </a:t>
-            </a:r>
-            <a:r>
-              <a:rPr lang="ko-KR" altLang="en-US" dirty="0"/>
-              <a:t>헬스 운동 기구 사용법만 공부하고 직접 써보지 않으면서</a:t>
-            </a:r>
-            <a:r>
-              <a:rPr lang="en-US" altLang="ko-KR" dirty="0"/>
-              <a:t>, </a:t>
-            </a:r>
-            <a:r>
-              <a:rPr lang="ko-KR" altLang="en-US" dirty="0"/>
-              <a:t>근육이 저절로 발달하길 기대하는 것과 비슷하다</a:t>
-            </a:r>
-            <a:r>
-              <a:rPr lang="en-US" altLang="ko-KR" dirty="0"/>
-              <a:t>.</a:t>
+              <a:t>경력자의 이력서 </a:t>
+            </a:r>
+            <a:r>
+              <a:rPr lang="ko-KR" altLang="en-US" dirty="0" err="1"/>
+              <a:t>쓰는법</a:t>
+            </a:r>
+            <a:r>
+              <a:rPr lang="en-US" altLang="ko-KR" dirty="0"/>
+              <a:t>:</a:t>
+            </a:r>
+          </a:p>
+          <a:p>
+            <a:r>
+              <a:rPr lang="en-US" altLang="ko-KR" dirty="0"/>
+              <a:t>https://</a:t>
+            </a:r>
+            <a:r>
+              <a:rPr lang="en-US" altLang="ko-KR" dirty="0" err="1"/>
+              <a:t>brunch.co.kr</a:t>
+            </a:r>
+            <a:r>
+              <a:rPr lang="en-US" altLang="ko-KR" dirty="0"/>
+              <a:t>/@vigorous21/793</a:t>
+            </a:r>
+          </a:p>
+          <a:p>
+            <a:endParaRPr lang="en-US" altLang="ko-KR" dirty="0"/>
+          </a:p>
+          <a:p>
+            <a:endParaRPr lang="en-US" altLang="ko-KR" dirty="0"/>
+          </a:p>
+          <a:p>
+            <a:r>
+              <a:rPr lang="ko-KR" altLang="en-US" dirty="0"/>
+              <a:t>데이터 관련 직무 면접 대비 개념 </a:t>
+            </a:r>
+            <a:r>
+              <a:rPr lang="ko-KR" altLang="en-US" dirty="0" err="1"/>
+              <a:t>한줄</a:t>
+            </a:r>
+            <a:r>
+              <a:rPr lang="ko-KR" altLang="en-US" dirty="0"/>
+              <a:t> 정리</a:t>
+            </a:r>
+          </a:p>
+          <a:p>
+            <a:r>
+              <a:rPr lang="en-US" altLang="ko-KR" dirty="0"/>
+              <a:t>https://</a:t>
+            </a:r>
+            <a:r>
+              <a:rPr lang="en-US" altLang="ko-KR" dirty="0" err="1"/>
+              <a:t>stellarway.tistory.com</a:t>
+            </a:r>
+            <a:r>
+              <a:rPr lang="en-US" altLang="ko-KR" dirty="0"/>
+              <a:t>/8</a:t>
             </a:r>
           </a:p>
         </p:txBody>
@@ -6632,7 +6699,7 @@
     </p:spTree>
     <p:extLst>
       <p:ext uri="{BB962C8B-B14F-4D97-AF65-F5344CB8AC3E}">
-        <p14:creationId xmlns:p14="http://schemas.microsoft.com/office/powerpoint/2010/main" val="2600723521"/>
+        <p14:creationId xmlns:p14="http://schemas.microsoft.com/office/powerpoint/2010/main" val="2613790945"/>
       </p:ext>
     </p:extLst>
   </p:cSld>
@@ -6687,7 +6754,11 @@
           <a:p>
             <a:r>
               <a:rPr lang="ko-KR" altLang="en-US" dirty="0"/>
-              <a:t>기타 추가 자료</a:t>
+              <a:t>금요일 </a:t>
+            </a:r>
+            <a:r>
+              <a:rPr lang="ko-KR" altLang="en-US" dirty="0" err="1"/>
+              <a:t>인프콘</a:t>
             </a:r>
             <a:endParaRPr lang="en-KR" dirty="0"/>
           </a:p>
@@ -6717,80 +6788,120 @@
         </p:spPr>
         <p:txBody>
           <a:bodyPr>
-            <a:normAutofit fontScale="92500" lnSpcReduction="20000"/>
+            <a:normAutofit lnSpcReduction="10000"/>
           </a:bodyPr>
           <a:lstStyle/>
           <a:p>
+            <a:r>
+              <a:rPr lang="ko-KR" altLang="en-US" dirty="0"/>
+              <a:t>금요일에 하는 </a:t>
+            </a:r>
+            <a:r>
+              <a:rPr lang="ko-KR" altLang="en-US" dirty="0" err="1"/>
+              <a:t>인프콘에서</a:t>
+            </a:r>
+            <a:r>
+              <a:rPr lang="ko-KR" altLang="en-US" dirty="0"/>
+              <a:t> </a:t>
+            </a:r>
             <a:endParaRPr lang="en-US" altLang="ko-KR" dirty="0"/>
           </a:p>
           <a:p>
             <a:r>
               <a:rPr lang="ko-KR" altLang="en-US" dirty="0"/>
-              <a:t>경력자의 이력서 </a:t>
-            </a:r>
-            <a:r>
-              <a:rPr lang="ko-KR" altLang="en-US" dirty="0" err="1"/>
-              <a:t>쓰는법</a:t>
-            </a:r>
-            <a:r>
-              <a:rPr lang="en-US" altLang="ko-KR" dirty="0"/>
-              <a:t>:</a:t>
-            </a:r>
-          </a:p>
-          <a:p>
-            <a:r>
-              <a:rPr lang="en-US" altLang="ko-KR" dirty="0"/>
-              <a:t>https://</a:t>
-            </a:r>
-            <a:r>
-              <a:rPr lang="en-US" altLang="ko-KR" dirty="0" err="1"/>
-              <a:t>brunch.co.kr</a:t>
-            </a:r>
-            <a:r>
-              <a:rPr lang="en-US" altLang="ko-KR" dirty="0"/>
-              <a:t>/@vigorous21/793</a:t>
-            </a:r>
-          </a:p>
-          <a:p>
+              <a:t>온라인 세션올라오면 들어보기</a:t>
+            </a:r>
             <a:endParaRPr lang="en-US" altLang="ko-KR" dirty="0"/>
           </a:p>
           <a:p>
+            <a:r>
+              <a:rPr lang="en-US" altLang="ko-KR" dirty="0"/>
+              <a:t>(</a:t>
+            </a:r>
+            <a:r>
+              <a:rPr lang="ko-KR" altLang="en-US" dirty="0"/>
+              <a:t>데이터</a:t>
+            </a:r>
+            <a:r>
+              <a:rPr lang="en-US" altLang="ko-KR" dirty="0"/>
+              <a:t>,</a:t>
+            </a:r>
+            <a:r>
+              <a:rPr lang="ko-KR" altLang="en-US" dirty="0"/>
+              <a:t> </a:t>
+            </a:r>
+            <a:r>
+              <a:rPr lang="ko-KR" altLang="en-US" dirty="0" err="1"/>
+              <a:t>백엔드</a:t>
+            </a:r>
+            <a:r>
+              <a:rPr lang="en-US" altLang="ko-KR" dirty="0"/>
+              <a:t>,</a:t>
+            </a:r>
+            <a:r>
+              <a:rPr lang="ko-KR" altLang="en-US" dirty="0"/>
+              <a:t> </a:t>
+            </a:r>
+            <a:r>
+              <a:rPr lang="ko-KR" altLang="en-US" dirty="0" err="1"/>
+              <a:t>프론트엔드가</a:t>
+            </a:r>
+            <a:r>
+              <a:rPr lang="ko-KR" altLang="en-US" dirty="0"/>
+              <a:t> 있습니다</a:t>
+            </a:r>
+            <a:r>
+              <a:rPr lang="en-US" altLang="ko-KR" dirty="0"/>
+              <a:t>)</a:t>
+            </a:r>
+          </a:p>
+          <a:p>
+            <a:r>
+              <a:rPr lang="ko-KR" altLang="en-US" dirty="0"/>
+              <a:t>다른 개발자 분들이 어떤 것을 고민하고 해결했는지 들어보기</a:t>
+            </a:r>
             <a:endParaRPr lang="en-US" altLang="ko-KR" dirty="0"/>
           </a:p>
           <a:p>
-            <a:r>
-              <a:rPr lang="ko-KR" altLang="en-US" dirty="0"/>
-              <a:t>데이터 관련 직무 면접 대비 개념 </a:t>
-            </a:r>
-            <a:r>
-              <a:rPr lang="ko-KR" altLang="en-US" dirty="0" err="1"/>
-              <a:t>한줄</a:t>
-            </a:r>
-            <a:r>
-              <a:rPr lang="ko-KR" altLang="en-US" dirty="0"/>
-              <a:t> 정리</a:t>
-            </a:r>
-          </a:p>
-          <a:p>
-            <a:r>
-              <a:rPr lang="en-US" altLang="ko-KR" dirty="0"/>
-              <a:t>https://</a:t>
-            </a:r>
-            <a:r>
-              <a:rPr lang="en-US" altLang="ko-KR" dirty="0" err="1"/>
-              <a:t>stellarway.tistory.com</a:t>
-            </a:r>
-            <a:r>
-              <a:rPr lang="en-US" altLang="ko-KR" dirty="0"/>
-              <a:t>/8</a:t>
-            </a:r>
+            <a:endParaRPr lang="en-US" altLang="ko-KR" dirty="0"/>
+          </a:p>
+          <a:p>
+            <a:r>
+              <a:rPr lang="ko-KR" altLang="en-US" dirty="0"/>
+              <a:t>세계최초 </a:t>
+            </a:r>
+            <a:r>
+              <a:rPr lang="ko-KR" altLang="en-US" dirty="0" err="1"/>
+              <a:t>개발예능</a:t>
+            </a:r>
+            <a:r>
+              <a:rPr lang="ko-KR" altLang="en-US" dirty="0"/>
+              <a:t> 엔터테인먼트 </a:t>
+            </a:r>
+            <a:r>
+              <a:rPr lang="en-US" altLang="ko-KR" dirty="0"/>
+              <a:t>(</a:t>
+            </a:r>
+            <a:r>
+              <a:rPr lang="ko-KR" altLang="en-US" dirty="0" err="1"/>
+              <a:t>개발바닥</a:t>
+            </a:r>
+            <a:r>
+              <a:rPr lang="en-US" altLang="ko-KR" dirty="0"/>
+              <a:t>)</a:t>
+            </a:r>
+            <a:r>
+              <a:rPr lang="ko-KR" altLang="en-US" dirty="0"/>
+              <a:t> 유튜브 추천합니다</a:t>
+            </a:r>
+            <a:endParaRPr lang="en-US" altLang="ko-KR" dirty="0"/>
           </a:p>
         </p:txBody>
       </p:sp>
     </p:spTree>
     <p:extLst>
       <p:ext uri="{BB962C8B-B14F-4D97-AF65-F5344CB8AC3E}">
-        <p14:creationId xmlns:p14="http://schemas.microsoft.com/office/powerpoint/2010/main" val="2613790945"/>
+        <p14:creationId xmlns:p14="http://schemas.microsoft.com/office/powerpoint/2010/main" val="3117818199"/>
       </p:ext>
     </p:extLst>
   </p:cSld>
@@ -6844,12 +6955,12 @@
           <a:lstStyle/>
           <a:p>
             <a:r>
-              <a:rPr lang="ko-KR" altLang="en-US" dirty="0"/>
-              <a:t>금요일 </a:t>
-            </a:r>
-            <a:r>
-              <a:rPr lang="ko-KR" altLang="en-US" dirty="0" err="1"/>
-              <a:t>인프콘</a:t>
+              <a:rPr lang="en-US" altLang="ko-KR" dirty="0"/>
+              <a:t>SQL </a:t>
+            </a:r>
+            <a:r>
+              <a:rPr lang="ko-KR" altLang="en-US" dirty="0"/>
+              <a:t>학습 테스트</a:t>
             </a:r>
             <a:endParaRPr lang="en-KR" dirty="0"/>
           </a:p>
@@ -6884,83 +6995,30 @@
           <a:lstStyle/>
           <a:p>
             <a:r>
-              <a:rPr lang="ko-KR" altLang="en-US" dirty="0"/>
-              <a:t>금요일에 하는 </a:t>
-            </a:r>
-            <a:r>
-              <a:rPr lang="ko-KR" altLang="en-US" dirty="0" err="1"/>
-              <a:t>인프콘</a:t>
-            </a:r>
-            <a:r>
-              <a:rPr lang="ko-KR" altLang="en-US" dirty="0"/>
-              <a:t> </a:t>
-            </a:r>
-            <a:r>
-              <a:rPr lang="en-US" altLang="ko-KR" dirty="0"/>
-              <a:t>,</a:t>
-            </a:r>
-            <a:r>
-              <a:rPr lang="ko-KR" altLang="en-US" dirty="0"/>
-              <a:t> 온라인 세션</a:t>
-            </a:r>
-            <a:endParaRPr lang="en-US" altLang="ko-KR" dirty="0"/>
-          </a:p>
-          <a:p>
-            <a:r>
-              <a:rPr lang="en-US" altLang="ko-KR" dirty="0"/>
-              <a:t>(</a:t>
-            </a:r>
-            <a:r>
-              <a:rPr lang="ko-KR" altLang="en-US" dirty="0"/>
-              <a:t>데이터</a:t>
-            </a:r>
-            <a:r>
-              <a:rPr lang="en-US" altLang="ko-KR" dirty="0"/>
-              <a:t>,</a:t>
-            </a:r>
-            <a:r>
-              <a:rPr lang="ko-KR" altLang="en-US" dirty="0"/>
-              <a:t> </a:t>
-            </a:r>
-            <a:r>
-              <a:rPr lang="ko-KR" altLang="en-US" dirty="0" err="1"/>
-              <a:t>백엔드</a:t>
-            </a:r>
-            <a:r>
-              <a:rPr lang="en-US" altLang="ko-KR" dirty="0"/>
-              <a:t>,</a:t>
-            </a:r>
-            <a:r>
-              <a:rPr lang="ko-KR" altLang="en-US" dirty="0"/>
-              <a:t> </a:t>
-            </a:r>
-            <a:r>
-              <a:rPr lang="ko-KR" altLang="en-US" dirty="0" err="1"/>
-              <a:t>프론트엔드</a:t>
-            </a:r>
-            <a:r>
-              <a:rPr lang="en-US" altLang="ko-KR" dirty="0"/>
-              <a:t>)</a:t>
-            </a:r>
-          </a:p>
-          <a:p>
-            <a:r>
-              <a:rPr lang="ko-KR" altLang="en-US" dirty="0"/>
-              <a:t>어떤 것에 고민하고 해결했는지 배우기</a:t>
-            </a:r>
-            <a:endParaRPr lang="en-US" altLang="ko-KR" dirty="0"/>
-          </a:p>
-          <a:p>
-            <a:endParaRPr lang="en-US" altLang="ko-KR" dirty="0"/>
-          </a:p>
-          <a:p>
-            <a:r>
-              <a:rPr lang="ko-KR" altLang="en-US" dirty="0" err="1"/>
-              <a:t>개발바닥</a:t>
-            </a:r>
-            <a:r>
-              <a:rPr lang="ko-KR" altLang="en-US" dirty="0"/>
-              <a:t> 유튜브 추천</a:t>
+              <a:rPr lang="en-US" altLang="ko-KR" dirty="0"/>
+              <a:t>SQL </a:t>
+            </a:r>
+            <a:r>
+              <a:rPr lang="ko-KR" altLang="en-US" dirty="0"/>
+              <a:t>구축 힘들다면 연습할 수 있는 곳</a:t>
+            </a:r>
+          </a:p>
+          <a:p>
+            <a:r>
+              <a:rPr lang="en-US" altLang="ko-KR" dirty="0"/>
+              <a:t>https://</a:t>
+            </a:r>
+            <a:r>
+              <a:rPr lang="en-US" altLang="ko-KR" dirty="0" err="1"/>
+              <a:t>sqlbolt.com</a:t>
+            </a:r>
+            <a:r>
+              <a:rPr lang="en-US" altLang="ko-KR" dirty="0"/>
+              <a:t>/lesson/</a:t>
+            </a:r>
+            <a:r>
+              <a:rPr lang="en-US" altLang="ko-KR" dirty="0" err="1"/>
+              <a:t>select_queries_introduction</a:t>
             </a:r>
             <a:endParaRPr lang="en-US" altLang="ko-KR" dirty="0"/>
           </a:p>
@@ -6969,7 +7027,7 @@
     </p:spTree>
     <p:extLst>
       <p:ext uri="{BB962C8B-B14F-4D97-AF65-F5344CB8AC3E}">
-        <p14:creationId xmlns:p14="http://schemas.microsoft.com/office/powerpoint/2010/main" val="3117818199"/>
+        <p14:creationId xmlns:p14="http://schemas.microsoft.com/office/powerpoint/2010/main" val="659028568"/>
       </p:ext>
     </p:extLst>
   </p:cSld>
@@ -7024,7 +7082,7 @@
           <a:p>
             <a:r>
               <a:rPr lang="ko-KR" altLang="en-US" dirty="0"/>
-              <a:t>알고리즘</a:t>
+              <a:t>진행 예시</a:t>
             </a:r>
             <a:endParaRPr lang="en-KR" dirty="0"/>
           </a:p>
@@ -7053,106 +7111,143 @@
           </a:xfrm>
         </p:spPr>
         <p:txBody>
-          <a:bodyPr/>
-          <a:lstStyle/>
-          <a:p>
-            <a:endParaRPr lang="en-US" altLang="ko-KR" dirty="0"/>
-          </a:p>
-          <a:p>
-            <a:r>
-              <a:rPr lang="ko-KR" altLang="en-US" dirty="0"/>
-              <a:t>전공 </a:t>
-            </a:r>
-            <a:r>
-              <a:rPr lang="en-US" altLang="ko-KR" dirty="0"/>
-              <a:t>x , </a:t>
-            </a:r>
-            <a:r>
-              <a:rPr lang="ko-KR" altLang="en-US" dirty="0"/>
-              <a:t>기본기 없고 </a:t>
-            </a:r>
-            <a:r>
-              <a:rPr lang="ko-KR" altLang="en-US" dirty="0" err="1"/>
-              <a:t>잘모르겠다면</a:t>
-            </a:r>
-            <a:r>
-              <a:rPr lang="ko-KR" altLang="en-US" dirty="0"/>
-              <a:t> 백준 클래스 문제 </a:t>
-            </a:r>
-            <a:r>
-              <a:rPr lang="en-US" altLang="ko-KR" dirty="0"/>
-              <a:t>1</a:t>
-            </a:r>
-            <a:r>
-              <a:rPr lang="ko-KR" altLang="en-US" dirty="0" err="1"/>
-              <a:t>부터</a:t>
-            </a:r>
-            <a:r>
-              <a:rPr lang="en-US" altLang="ko-KR" dirty="0"/>
-              <a:t>~ 5</a:t>
-            </a:r>
-            <a:r>
-              <a:rPr lang="ko-KR" altLang="en-US" dirty="0"/>
-              <a:t>까지</a:t>
-            </a:r>
-          </a:p>
-          <a:p>
-            <a:r>
-              <a:rPr lang="ko-KR" altLang="en-US" dirty="0" err="1"/>
-              <a:t>컴공</a:t>
-            </a:r>
-            <a:r>
-              <a:rPr lang="ko-KR" altLang="en-US" dirty="0"/>
-              <a:t> 관련 졸업이라면 </a:t>
-            </a:r>
-            <a:r>
-              <a:rPr lang="en-US" altLang="ko-KR" dirty="0"/>
-              <a:t>3</a:t>
-            </a:r>
-            <a:r>
-              <a:rPr lang="ko-KR" altLang="en-US" dirty="0"/>
-              <a:t>정도부터 추천</a:t>
-            </a:r>
-          </a:p>
-          <a:p>
-            <a:r>
-              <a:rPr lang="ko-KR" altLang="en-US" dirty="0"/>
-              <a:t>자기에게 살짝 어렵거나 풀만한 레벨부터</a:t>
-            </a:r>
-            <a:endParaRPr lang="en-US" altLang="ko-KR" dirty="0"/>
-          </a:p>
-          <a:p>
-            <a:r>
-              <a:rPr lang="ko-KR" altLang="en-US" dirty="0" err="1"/>
-              <a:t>다풀면</a:t>
-            </a:r>
-            <a:r>
-              <a:rPr lang="ko-KR" altLang="en-US" dirty="0"/>
-              <a:t> </a:t>
-            </a:r>
-            <a:r>
-              <a:rPr lang="ko-KR" altLang="en-US" dirty="0" err="1"/>
-              <a:t>프로그래머스</a:t>
-            </a:r>
-            <a:r>
-              <a:rPr lang="ko-KR" altLang="en-US" dirty="0"/>
-              <a:t> 기출</a:t>
-            </a:r>
-            <a:r>
-              <a:rPr lang="en-US" altLang="ko-KR" dirty="0"/>
-              <a:t>,</a:t>
-            </a:r>
-            <a:r>
-              <a:rPr lang="ko-KR" altLang="en-US" dirty="0"/>
-              <a:t> 유형별 풀어보기</a:t>
-            </a:r>
+          <a:bodyPr>
+            <a:normAutofit/>
+          </a:bodyPr>
+          <a:lstStyle/>
+          <a:p>
+            <a:r>
+              <a:rPr lang="en-US" altLang="ko-KR" dirty="0"/>
+              <a:t>1. </a:t>
+            </a:r>
+            <a:r>
+              <a:rPr lang="ko-KR" altLang="en-US" dirty="0"/>
+              <a:t>아침에 일어나서</a:t>
+            </a:r>
+            <a:r>
+              <a:rPr lang="en-US" altLang="ko-KR" dirty="0"/>
+              <a:t>, </a:t>
+            </a:r>
+            <a:r>
+              <a:rPr lang="ko-KR" altLang="en-US" dirty="0"/>
+              <a:t>문제를 보고 이해하고</a:t>
+            </a:r>
+            <a:r>
+              <a:rPr lang="en-US" altLang="ko-KR" dirty="0"/>
+              <a:t>, </a:t>
+            </a:r>
+            <a:r>
+              <a:rPr lang="ko-KR" altLang="en-US" dirty="0" err="1"/>
+              <a:t>카톡으로</a:t>
+            </a:r>
+            <a:r>
+              <a:rPr lang="ko-KR" altLang="en-US" dirty="0"/>
+              <a:t> 본인에게 문제 </a:t>
+            </a:r>
+            <a:r>
+              <a:rPr lang="en-US" altLang="ko-KR" dirty="0" err="1"/>
+              <a:t>url</a:t>
+            </a:r>
+            <a:r>
+              <a:rPr lang="ko-KR" altLang="en-US" dirty="0"/>
+              <a:t>을 전송합니다</a:t>
+            </a:r>
+            <a:r>
+              <a:rPr lang="en-US" altLang="ko-KR" dirty="0"/>
+              <a:t>. (5-20</a:t>
+            </a:r>
+            <a:r>
+              <a:rPr lang="ko-KR" altLang="en-US" dirty="0"/>
+              <a:t>분 정도</a:t>
+            </a:r>
+            <a:r>
+              <a:rPr lang="en-US" altLang="ko-KR" dirty="0"/>
+              <a:t>) </a:t>
+            </a:r>
+          </a:p>
+          <a:p>
+            <a:r>
+              <a:rPr lang="en-US" altLang="ko-KR" dirty="0"/>
+              <a:t>2. </a:t>
+            </a:r>
+            <a:r>
+              <a:rPr lang="ko-KR" altLang="en-US" dirty="0" err="1"/>
+              <a:t>씻을때</a:t>
+            </a:r>
+            <a:r>
+              <a:rPr lang="ko-KR" altLang="en-US" dirty="0"/>
+              <a:t> 문제에 대한 </a:t>
+            </a:r>
+            <a:r>
+              <a:rPr lang="ko-KR" altLang="en-US" dirty="0" err="1"/>
+              <a:t>로직을</a:t>
+            </a:r>
+            <a:r>
+              <a:rPr lang="ko-KR" altLang="en-US" dirty="0"/>
+              <a:t> 한번 생각해봅니다</a:t>
+            </a:r>
+            <a:r>
+              <a:rPr lang="en-US" altLang="ko-KR" dirty="0"/>
+              <a:t>. </a:t>
+            </a:r>
+          </a:p>
+          <a:p>
+            <a:r>
+              <a:rPr lang="en-US" altLang="ko-KR" dirty="0"/>
+              <a:t>3. </a:t>
+            </a:r>
+            <a:r>
+              <a:rPr lang="ko-KR" altLang="en-US" dirty="0"/>
+              <a:t>회사나 학교</a:t>
+            </a:r>
+            <a:r>
+              <a:rPr lang="en-US" altLang="ko-KR" dirty="0"/>
+              <a:t>, </a:t>
+            </a:r>
+            <a:r>
+              <a:rPr lang="ko-KR" altLang="en-US" dirty="0"/>
+              <a:t>약속장소를 가면서 </a:t>
+            </a:r>
+            <a:r>
+              <a:rPr lang="ko-KR" altLang="en-US" dirty="0" err="1"/>
+              <a:t>문제로직을</a:t>
+            </a:r>
+            <a:r>
+              <a:rPr lang="ko-KR" altLang="en-US" dirty="0"/>
+              <a:t> 생각해보고</a:t>
+            </a:r>
+            <a:r>
+              <a:rPr lang="en-US" altLang="ko-KR" dirty="0"/>
+              <a:t>, </a:t>
+            </a:r>
+            <a:r>
+              <a:rPr lang="ko-KR" altLang="en-US" dirty="0"/>
+              <a:t>생각나거나 </a:t>
+            </a:r>
+            <a:r>
+              <a:rPr lang="ko-KR" altLang="en-US" dirty="0" err="1"/>
+              <a:t>수도코드</a:t>
+            </a:r>
+            <a:r>
+              <a:rPr lang="en-US" altLang="ko-KR" dirty="0"/>
+              <a:t>, </a:t>
+            </a:r>
+            <a:r>
+              <a:rPr lang="ko-KR" altLang="en-US" dirty="0"/>
+              <a:t>뭔가 도움이 될만한 것들을 메모합니다</a:t>
+            </a:r>
+            <a:r>
+              <a:rPr lang="en-US" altLang="ko-KR" dirty="0"/>
+              <a:t>. </a:t>
+            </a:r>
+            <a:endParaRPr lang="ko-KR" altLang="en-US" dirty="0"/>
           </a:p>
         </p:txBody>
       </p:sp>
     </p:spTree>
     <p:extLst>
       <p:ext uri="{BB962C8B-B14F-4D97-AF65-F5344CB8AC3E}">
-        <p14:creationId xmlns:p14="http://schemas.microsoft.com/office/powerpoint/2010/main" val="1039334933"/>
+        <p14:creationId xmlns:p14="http://schemas.microsoft.com/office/powerpoint/2010/main" val="2034954605"/>
       </p:ext>
     </p:extLst>
   </p:cSld>
@@ -7206,12 +7301,12 @@
           <a:lstStyle/>
           <a:p>
             <a:r>
-              <a:rPr lang="en-US" altLang="ko-KR" dirty="0"/>
-              <a:t>SQL </a:t>
-            </a:r>
-            <a:r>
-              <a:rPr lang="ko-KR" altLang="en-US" dirty="0"/>
-              <a:t>학습 테스트</a:t>
+              <a:rPr lang="ko-KR" altLang="en-US" dirty="0" err="1"/>
+              <a:t>프로그래머스</a:t>
+            </a:r>
+            <a:r>
+              <a:rPr lang="ko-KR" altLang="en-US" dirty="0"/>
+              <a:t> 과제란</a:t>
             </a:r>
             <a:endParaRPr lang="en-KR" dirty="0"/>
           </a:p>
@@ -7246,12 +7341,19 @@
           <a:lstStyle/>
           <a:p>
             <a:r>
-              <a:rPr lang="en-US" altLang="ko-KR" dirty="0"/>
-              <a:t>SQL </a:t>
-            </a:r>
-            <a:r>
-              <a:rPr lang="ko-KR" altLang="en-US" dirty="0"/>
-              <a:t>부족하다면 여기서도 테스트해보기</a:t>
+              <a:rPr lang="ko-KR" altLang="en-US" dirty="0" err="1"/>
+              <a:t>프로그래머스</a:t>
+            </a:r>
+            <a:endParaRPr lang="ko-KR" altLang="en-US" dirty="0"/>
+          </a:p>
+          <a:p>
+            <a:r>
+              <a:rPr lang="ko-KR" altLang="en-US" dirty="0"/>
+              <a:t>미술작품 분류하기</a:t>
+            </a:r>
+            <a:r>
+              <a:rPr lang="en-US" altLang="ko-KR" dirty="0"/>
+              <a:t>:</a:t>
             </a:r>
           </a:p>
           <a:p>
@@ -7261,15 +7363,37 @@
             </a:r>
             <a:r>
               <a:rPr lang="en-US" altLang="ko-KR" dirty="0" err="1"/>
-              <a:t>sqlbolt.com</a:t>
-            </a:r>
-            <a:r>
-              <a:rPr lang="en-US" altLang="ko-KR" dirty="0"/>
-              <a:t>/lesson/</a:t>
+              <a:t>programmers.co.kr</a:t>
+            </a:r>
+            <a:r>
+              <a:rPr lang="en-US" altLang="ko-KR" dirty="0"/>
+              <a:t>/</a:t>
             </a:r>
             <a:r>
               <a:rPr lang="en-US" altLang="ko-KR" dirty="0" err="1"/>
-              <a:t>select_queries_introduction</a:t>
+              <a:t>skill_check_assignments</a:t>
+            </a:r>
+            <a:r>
+              <a:rPr lang="en-US" altLang="ko-KR" dirty="0"/>
+              <a:t>/133</a:t>
+            </a:r>
+          </a:p>
+          <a:p>
+            <a:r>
+              <a:rPr lang="ko-KR" altLang="en-US" dirty="0" err="1"/>
+              <a:t>우수코드</a:t>
+            </a:r>
+            <a:r>
+              <a:rPr lang="en-US" altLang="ko-KR" dirty="0"/>
+              <a:t>:</a:t>
+            </a:r>
+          </a:p>
+          <a:p>
+            <a:r>
+              <a:rPr lang="en-US" altLang="ko-KR" dirty="0">
+                <a:hlinkClick r:id="rId2"/>
+              </a:rPr>
+              <a:t>https://prgms.tistory.com/68</a:t>
             </a:r>
             <a:endParaRPr lang="en-US" altLang="ko-KR" dirty="0"/>
           </a:p>
@@ -7278,7 +7402,7 @@
     </p:spTree>
     <p:extLst>
       <p:ext uri="{BB962C8B-B14F-4D97-AF65-F5344CB8AC3E}">
-        <p14:creationId xmlns:p14="http://schemas.microsoft.com/office/powerpoint/2010/main" val="659028568"/>
+        <p14:creationId xmlns:p14="http://schemas.microsoft.com/office/powerpoint/2010/main" val="1943906319"/>
       </p:ext>
     </p:extLst>
   </p:cSld>
@@ -7332,12 +7456,8 @@
           <a:lstStyle/>
           <a:p>
             <a:r>
-              <a:rPr lang="ko-KR" altLang="en-US" dirty="0" err="1"/>
-              <a:t>프로그래머스</a:t>
-            </a:r>
-            <a:r>
-              <a:rPr lang="ko-KR" altLang="en-US" dirty="0"/>
-              <a:t> 과제란</a:t>
+              <a:rPr lang="ko-KR" altLang="en-US" dirty="0"/>
+              <a:t>마무리</a:t>
             </a:r>
             <a:endParaRPr lang="en-KR" dirty="0"/>
           </a:p>
@@ -7367,308 +7487,173 @@
         </p:spPr>
         <p:txBody>
           <a:bodyPr>
-            <a:normAutofit/>
+            <a:normAutofit fontScale="47500" lnSpcReduction="20000"/>
           </a:bodyPr>
           <a:lstStyle/>
           <a:p>
             <a:r>
-              <a:rPr lang="ko-KR" altLang="en-US" dirty="0" err="1"/>
-              <a:t>프로그래머스</a:t>
-            </a:r>
-            <a:endParaRPr lang="ko-KR" altLang="en-US" dirty="0"/>
-          </a:p>
-          <a:p>
-            <a:r>
-              <a:rPr lang="ko-KR" altLang="en-US" dirty="0"/>
-              <a:t>미술작품 분류하기</a:t>
-            </a:r>
-            <a:r>
-              <a:rPr lang="en-US" altLang="ko-KR" dirty="0"/>
-              <a:t>:</a:t>
-            </a:r>
-          </a:p>
-          <a:p>
-            <a:r>
-              <a:rPr lang="en-US" altLang="ko-KR" dirty="0"/>
-              <a:t>https://</a:t>
-            </a:r>
-            <a:r>
-              <a:rPr lang="en-US" altLang="ko-KR" dirty="0" err="1"/>
-              <a:t>programmers.co.kr</a:t>
-            </a:r>
-            <a:r>
-              <a:rPr lang="en-US" altLang="ko-KR" dirty="0"/>
-              <a:t>/</a:t>
-            </a:r>
-            <a:r>
-              <a:rPr lang="en-US" altLang="ko-KR" dirty="0" err="1"/>
-              <a:t>skill_check_assignments</a:t>
-            </a:r>
-            <a:r>
-              <a:rPr lang="en-US" altLang="ko-KR" dirty="0"/>
-              <a:t>/133</a:t>
-            </a:r>
-          </a:p>
-          <a:p>
-            <a:r>
-              <a:rPr lang="ko-KR" altLang="en-US" dirty="0" err="1"/>
-              <a:t>우수코드</a:t>
-            </a:r>
-            <a:r>
-              <a:rPr lang="en-US" altLang="ko-KR" dirty="0"/>
-              <a:t>:</a:t>
-            </a:r>
-          </a:p>
-          <a:p>
-            <a:r>
-              <a:rPr lang="en-US" altLang="ko-KR" dirty="0">
-                <a:hlinkClick r:id="rId2"/>
-              </a:rPr>
-              <a:t>https://prgms.tistory.com/68</a:t>
+              <a:rPr lang="ko-KR" altLang="en-US" dirty="0"/>
+              <a:t>서울 취업</a:t>
+            </a:r>
+            <a:r>
+              <a:rPr lang="en-US" altLang="ko-KR" dirty="0"/>
+              <a:t>,</a:t>
+            </a:r>
+            <a:r>
+              <a:rPr lang="ko-KR" altLang="en-US" dirty="0"/>
+              <a:t> 이사 등이 가능할지 고민해보는 것도 좋습니다</a:t>
+            </a:r>
+            <a:r>
+              <a:rPr lang="en-US" altLang="ko-KR"/>
+              <a:t>.</a:t>
             </a:r>
             <a:endParaRPr lang="en-US" altLang="ko-KR" dirty="0"/>
           </a:p>
-        </p:txBody>
-      </p:sp>
-    </p:spTree>
-    <p:extLst>
-      <p:ext uri="{BB962C8B-B14F-4D97-AF65-F5344CB8AC3E}">
-        <p14:creationId xmlns:p14="http://schemas.microsoft.com/office/powerpoint/2010/main" val="1943906319"/>
-      </p:ext>
-    </p:extLst>
-  </p:cSld>
-  <p:clrMapOvr>
-    <a:masterClrMapping/>
-  </p:clrMapOvr>
-</p:sld>
-</file>
-
-<file path=ppt/slides/slide32.xml><?xml version="1.0" encoding="utf-8"?>
-<p:sld xmlns:a="http://schemas.openxmlformats.org/drawingml/2006/main" xmlns:r="http://schemas.openxmlformats.org/officeDocument/2006/relationships" xmlns:p="http://schemas.openxmlformats.org/presentationml/2006/main">
-  <p:cSld>
-    <p:spTree>
-      <p:nvGrpSpPr>
-        <p:cNvPr id="1" name=""/>
-        <p:cNvGrpSpPr/>
-        <p:nvPr/>
-      </p:nvGrpSpPr>
-      <p:grpSpPr>
-        <a:xfrm>
-          <a:off x="0" y="0"/>
-          <a:ext cx="0" cy="0"/>
-          <a:chOff x="0" y="0"/>
-          <a:chExt cx="0" cy="0"/>
-        </a:xfrm>
-      </p:grpSpPr>
-      <p:sp>
-        <p:nvSpPr>
-          <p:cNvPr id="2" name="Title 1">
-            <a:extLst>
-              <a:ext uri="{FF2B5EF4-FFF2-40B4-BE49-F238E27FC236}">
-                <a16:creationId xmlns:a16="http://schemas.microsoft.com/office/drawing/2014/main" id="{60FF07E0-2AA2-C640-8E3D-E9EB887278AB}"/>
-              </a:ext>
-            </a:extLst>
-          </p:cNvPr>
-          <p:cNvSpPr>
-            <a:spLocks noGrp="1"/>
-          </p:cNvSpPr>
-          <p:nvPr>
-            <p:ph type="ctrTitle"/>
-          </p:nvPr>
-        </p:nvSpPr>
-        <p:spPr>
-          <a:xfrm>
-            <a:off x="1524000" y="1122363"/>
-            <a:ext cx="9144000" cy="1015356"/>
-          </a:xfrm>
-        </p:spPr>
-        <p:txBody>
-          <a:bodyPr/>
-          <a:lstStyle/>
-          <a:p>
-            <a:r>
-              <a:rPr lang="ko-KR" altLang="en-US" dirty="0"/>
-              <a:t>마무리</a:t>
-            </a:r>
-            <a:endParaRPr lang="en-KR" dirty="0"/>
-          </a:p>
-        </p:txBody>
-      </p:sp>
-      <p:sp>
-        <p:nvSpPr>
-          <p:cNvPr id="3" name="Subtitle 2">
-            <a:extLst>
-              <a:ext uri="{FF2B5EF4-FFF2-40B4-BE49-F238E27FC236}">
-                <a16:creationId xmlns:a16="http://schemas.microsoft.com/office/drawing/2014/main" id="{71BB4F35-D325-D74D-A3D1-31E0365E7602}"/>
-              </a:ext>
-            </a:extLst>
-          </p:cNvPr>
-          <p:cNvSpPr>
-            <a:spLocks noGrp="1"/>
-          </p:cNvSpPr>
-          <p:nvPr>
-            <p:ph type="subTitle" idx="1"/>
-          </p:nvPr>
-        </p:nvSpPr>
-        <p:spPr>
-          <a:xfrm>
-            <a:off x="1524000" y="2656703"/>
-            <a:ext cx="9144000" cy="2601097"/>
-          </a:xfrm>
-        </p:spPr>
-        <p:txBody>
-          <a:bodyPr>
-            <a:normAutofit fontScale="70000" lnSpcReduction="20000"/>
-          </a:bodyPr>
-          <a:lstStyle/>
-          <a:p>
-            <a:r>
-              <a:rPr lang="ko-KR" altLang="en-US" dirty="0"/>
-              <a:t>서울 취업을 </a:t>
-            </a:r>
-            <a:r>
-              <a:rPr lang="ko-KR" altLang="en-US" dirty="0" err="1"/>
-              <a:t>고민하셔야</a:t>
-            </a:r>
+          <a:p>
             <a:endParaRPr lang="en-US" altLang="ko-KR" dirty="0"/>
           </a:p>
           <a:p>
+            <a:r>
+              <a:rPr lang="ko-KR" altLang="en-US" dirty="0" err="1"/>
+              <a:t>원티드</a:t>
+            </a:r>
+            <a:r>
+              <a:rPr lang="ko-KR" altLang="en-US" dirty="0"/>
+              <a:t> 활용</a:t>
+            </a:r>
+            <a:r>
+              <a:rPr lang="en-US" altLang="ko-KR" dirty="0"/>
+              <a:t>.</a:t>
+            </a:r>
+            <a:r>
+              <a:rPr lang="ko-KR" altLang="en-US" dirty="0"/>
+              <a:t> </a:t>
+            </a:r>
+            <a:r>
+              <a:rPr lang="ko-KR" altLang="en-US" dirty="0" err="1"/>
+              <a:t>잡플래닛</a:t>
+            </a:r>
+            <a:r>
+              <a:rPr lang="en-US" altLang="ko-KR" dirty="0"/>
+              <a:t>,</a:t>
+            </a:r>
+            <a:r>
+              <a:rPr lang="ko-KR" altLang="en-US" dirty="0"/>
+              <a:t> 블라인드 평점 </a:t>
+            </a:r>
+            <a:r>
+              <a:rPr lang="en-US" altLang="ko-KR" dirty="0"/>
+              <a:t>3.0</a:t>
+            </a:r>
+            <a:r>
+              <a:rPr lang="ko-KR" altLang="en-US" dirty="0"/>
+              <a:t> 밑은 </a:t>
+            </a:r>
+            <a:r>
+              <a:rPr lang="ko-KR" altLang="en-US" dirty="0" err="1"/>
+              <a:t>비추천</a:t>
+            </a:r>
             <a:endParaRPr lang="en-US" altLang="ko-KR" dirty="0"/>
           </a:p>
           <a:p>
             <a:r>
-              <a:rPr lang="ko-KR" altLang="en-US" dirty="0" err="1"/>
-              <a:t>원티드</a:t>
-            </a:r>
-            <a:r>
-              <a:rPr lang="ko-KR" altLang="en-US" dirty="0"/>
-              <a:t> 활용</a:t>
+              <a:rPr lang="en-US" altLang="ko-KR" dirty="0"/>
+              <a:t>(</a:t>
+            </a:r>
+            <a:r>
+              <a:rPr lang="ko-KR" altLang="en-US" dirty="0"/>
+              <a:t>이동욱님 주니어 개발자 채용 공고 및 검색 방식 </a:t>
+            </a:r>
+            <a:r>
+              <a:rPr lang="ko-KR" altLang="en-US" dirty="0" err="1"/>
+              <a:t>참고해보기</a:t>
+            </a:r>
+            <a:r>
+              <a:rPr lang="en-US" altLang="ko-KR" dirty="0"/>
+              <a:t>)</a:t>
+            </a:r>
+          </a:p>
+          <a:p>
+            <a:endParaRPr lang="en-US" altLang="ko-KR" dirty="0"/>
+          </a:p>
+          <a:p>
+            <a:r>
+              <a:rPr lang="ko-KR" altLang="en-US" dirty="0"/>
+              <a:t>코드 알고리즘 하루 </a:t>
+            </a:r>
+            <a:r>
+              <a:rPr lang="ko-KR" altLang="en-US" dirty="0" err="1"/>
+              <a:t>한문제</a:t>
+            </a:r>
+            <a:r>
+              <a:rPr lang="en-US" altLang="ko-KR" dirty="0"/>
+              <a:t>-</a:t>
+            </a:r>
+            <a:r>
+              <a:rPr lang="ko-KR" altLang="en-US" dirty="0"/>
+              <a:t> </a:t>
+            </a:r>
+            <a:r>
+              <a:rPr lang="ko-KR" altLang="en-US" dirty="0" err="1"/>
+              <a:t>두문제는</a:t>
+            </a:r>
+            <a:r>
+              <a:rPr lang="ko-KR" altLang="en-US" dirty="0"/>
+              <a:t> 꼭 풀기</a:t>
+            </a:r>
+            <a:r>
+              <a:rPr lang="en-US" altLang="ko-KR" dirty="0"/>
+              <a:t> (6</a:t>
+            </a:r>
+            <a:r>
+              <a:rPr lang="ko-KR" altLang="en-US" dirty="0"/>
+              <a:t>개월 후가 비교해보기</a:t>
+            </a:r>
+            <a:r>
+              <a:rPr lang="en-US" altLang="ko-KR" dirty="0"/>
+              <a:t>)</a:t>
+            </a:r>
+          </a:p>
+          <a:p>
+            <a:endParaRPr lang="en-US" altLang="ko-KR" dirty="0"/>
+          </a:p>
+          <a:p>
+            <a:r>
+              <a:rPr lang="ko-KR" altLang="en-US" dirty="0"/>
+              <a:t>알고리즘 </a:t>
+            </a:r>
+            <a:r>
+              <a:rPr lang="ko-KR" altLang="en-US" dirty="0" err="1"/>
+              <a:t>푼것</a:t>
+            </a:r>
+            <a:r>
+              <a:rPr lang="ko-KR" altLang="en-US" dirty="0"/>
+              <a:t> </a:t>
+            </a:r>
+            <a:r>
+              <a:rPr lang="ko-KR" altLang="en-US" dirty="0" err="1"/>
+              <a:t>깃헙에</a:t>
+            </a:r>
+            <a:r>
+              <a:rPr lang="ko-KR" altLang="en-US" dirty="0"/>
+              <a:t> 잔디 심기</a:t>
             </a:r>
             <a:r>
               <a:rPr lang="en-US" altLang="ko-KR" dirty="0"/>
               <a:t>.</a:t>
             </a:r>
-            <a:r>
-              <a:rPr lang="ko-KR" altLang="en-US" dirty="0"/>
-              <a:t> </a:t>
-            </a:r>
-            <a:r>
-              <a:rPr lang="ko-KR" altLang="en-US" dirty="0" err="1"/>
-              <a:t>잡플래닛</a:t>
-            </a:r>
-            <a:r>
-              <a:rPr lang="en-US" altLang="ko-KR" dirty="0"/>
-              <a:t>,</a:t>
-            </a:r>
-            <a:r>
-              <a:rPr lang="ko-KR" altLang="en-US" dirty="0"/>
-              <a:t> 블라인드 평점 </a:t>
-            </a:r>
-            <a:r>
-              <a:rPr lang="en-US" altLang="ko-KR" dirty="0"/>
-              <a:t>3.0</a:t>
-            </a:r>
-            <a:r>
-              <a:rPr lang="ko-KR" altLang="en-US" dirty="0"/>
-              <a:t> 밑은 </a:t>
-            </a:r>
-            <a:r>
-              <a:rPr lang="ko-KR" altLang="en-US" dirty="0" err="1"/>
-              <a:t>왠만하면</a:t>
-            </a:r>
-            <a:r>
-              <a:rPr lang="ko-KR" altLang="en-US" dirty="0"/>
-              <a:t> 비추</a:t>
-            </a:r>
+          </a:p>
+          <a:p>
             <a:endParaRPr lang="en-US" altLang="ko-KR" dirty="0"/>
           </a:p>
           <a:p>
             <a:r>
-              <a:rPr lang="en-US" altLang="ko-KR"/>
-              <a:t>(</a:t>
-            </a:r>
-            <a:r>
-              <a:rPr lang="ko-KR" altLang="en-US"/>
-              <a:t>이동욱님 </a:t>
-            </a:r>
-            <a:r>
-              <a:rPr lang="ko-KR" altLang="en-US" dirty="0"/>
-              <a:t>주니어 개발자 채용 공고 및 검색 방식 참고 추천</a:t>
-            </a:r>
-            <a:r>
-              <a:rPr lang="en-US" altLang="ko-KR" dirty="0"/>
-              <a:t>)</a:t>
-            </a:r>
-          </a:p>
-          <a:p>
+              <a:rPr lang="ko-KR" altLang="en-US" dirty="0"/>
+              <a:t>무엇이 됐든 장기적 관점에서 고민해야</a:t>
+            </a:r>
             <a:endParaRPr lang="en-US" altLang="ko-KR" dirty="0"/>
           </a:p>
           <a:p>
-            <a:r>
-              <a:rPr lang="ko-KR" altLang="en-US" dirty="0"/>
-              <a:t>코드 알고리즘 하루 </a:t>
-            </a:r>
-            <a:r>
-              <a:rPr lang="ko-KR" altLang="en-US" dirty="0" err="1"/>
-              <a:t>한문제</a:t>
-            </a:r>
-            <a:r>
-              <a:rPr lang="en-US" altLang="ko-KR" dirty="0"/>
-              <a:t>-</a:t>
-            </a:r>
-            <a:r>
-              <a:rPr lang="ko-KR" altLang="en-US" dirty="0"/>
-              <a:t> </a:t>
-            </a:r>
-            <a:r>
-              <a:rPr lang="ko-KR" altLang="en-US" dirty="0" err="1"/>
-              <a:t>두문제는</a:t>
-            </a:r>
-            <a:r>
-              <a:rPr lang="ko-KR" altLang="en-US" dirty="0"/>
-              <a:t> 꼭 풀기</a:t>
-            </a:r>
-            <a:r>
-              <a:rPr lang="en-US" altLang="ko-KR" dirty="0"/>
-              <a:t> (6</a:t>
-            </a:r>
-            <a:r>
-              <a:rPr lang="ko-KR" altLang="en-US" dirty="0"/>
-              <a:t>개월 후가 달라짐</a:t>
-            </a:r>
-            <a:r>
-              <a:rPr lang="en-US" altLang="ko-KR" dirty="0"/>
-              <a:t>)</a:t>
-            </a:r>
-          </a:p>
-          <a:p>
-            <a:endParaRPr lang="en-US" altLang="ko-KR" dirty="0"/>
-          </a:p>
-          <a:p>
-            <a:r>
-              <a:rPr lang="ko-KR" altLang="en-US" dirty="0"/>
-              <a:t>알고리즘 </a:t>
-            </a:r>
-            <a:r>
-              <a:rPr lang="ko-KR" altLang="en-US" dirty="0" err="1"/>
-              <a:t>푼것</a:t>
-            </a:r>
-            <a:r>
-              <a:rPr lang="ko-KR" altLang="en-US" dirty="0"/>
-              <a:t> </a:t>
-            </a:r>
-            <a:r>
-              <a:rPr lang="ko-KR" altLang="en-US" dirty="0" err="1"/>
-              <a:t>깃헙에</a:t>
-            </a:r>
-            <a:r>
-              <a:rPr lang="ko-KR" altLang="en-US" dirty="0"/>
-              <a:t> 잔디 심기</a:t>
-            </a:r>
-            <a:r>
-              <a:rPr lang="en-US" altLang="ko-KR" dirty="0"/>
-              <a:t>.</a:t>
-            </a:r>
             <a:endParaRPr lang="ko-KR" altLang="en-US" dirty="0"/>
           </a:p>
         </p:txBody>
@@ -7767,11 +7752,33 @@
           <a:p>
             <a:r>
               <a:rPr lang="en-US" altLang="ko-KR" dirty="0"/>
-              <a:t>1. </a:t>
-            </a:r>
-            <a:r>
-              <a:rPr lang="ko-KR" altLang="en-US" dirty="0"/>
-              <a:t>아침에 일어나서</a:t>
+              <a:t>4. </a:t>
+            </a:r>
+            <a:r>
+              <a:rPr lang="ko-KR" altLang="en-US" dirty="0"/>
+              <a:t>이렇게 코드를 구현하면 되겠네</a:t>
+            </a:r>
+            <a:r>
+              <a:rPr lang="en-US" altLang="ko-KR" dirty="0"/>
+              <a:t>? </a:t>
+            </a:r>
+            <a:r>
+              <a:rPr lang="ko-KR" altLang="en-US" dirty="0"/>
+              <a:t>라는 답이 나왔으면 코드를 작성하여 제출해봅니다</a:t>
+            </a:r>
+            <a:r>
+              <a:rPr lang="en-US" altLang="ko-KR" dirty="0"/>
+              <a:t>.</a:t>
+            </a:r>
+          </a:p>
+          <a:p>
+            <a:r>
+              <a:rPr lang="en-US" altLang="ko-KR" dirty="0"/>
+              <a:t>5. </a:t>
+            </a:r>
+            <a:r>
+              <a:rPr lang="ko-KR" altLang="en-US" dirty="0"/>
+              <a:t>정답이 틀렸다면</a:t>
             </a:r>
             <a:r>
               <a:rPr lang="en-US" altLang="ko-KR" dirty="0"/>
@@ -7779,111 +7786,29 @@
             </a:r>
             <a:r>
               <a:rPr lang="ko-KR" altLang="en-US" dirty="0"/>
-              <a:t>문제를 보고 이해하고</a:t>
-            </a:r>
-            <a:r>
-              <a:rPr lang="en-US" altLang="ko-KR" dirty="0"/>
-              <a:t>, </a:t>
-            </a:r>
-            <a:r>
-              <a:rPr lang="ko-KR" altLang="en-US" dirty="0" err="1"/>
-              <a:t>카톡으로</a:t>
-            </a:r>
-            <a:r>
-              <a:rPr lang="ko-KR" altLang="en-US" dirty="0"/>
-              <a:t> 본인에게 문제 </a:t>
-            </a:r>
-            <a:r>
-              <a:rPr lang="en-US" altLang="ko-KR" dirty="0" err="1"/>
-              <a:t>url</a:t>
-            </a:r>
-            <a:r>
-              <a:rPr lang="ko-KR" altLang="en-US" dirty="0"/>
-              <a:t>을 전송합니다</a:t>
-            </a:r>
-            <a:r>
-              <a:rPr lang="en-US" altLang="ko-KR" dirty="0"/>
-              <a:t>. (5-20</a:t>
-            </a:r>
-            <a:r>
-              <a:rPr lang="ko-KR" altLang="en-US" dirty="0"/>
-              <a:t>분 정도</a:t>
-            </a:r>
-            <a:r>
-              <a:rPr lang="en-US" altLang="ko-KR" dirty="0"/>
-              <a:t>) </a:t>
-            </a:r>
-          </a:p>
-          <a:p>
-            <a:r>
-              <a:rPr lang="en-US" altLang="ko-KR" dirty="0"/>
-              <a:t>2. </a:t>
-            </a:r>
-            <a:r>
-              <a:rPr lang="ko-KR" altLang="en-US" dirty="0" err="1"/>
-              <a:t>씻을때</a:t>
-            </a:r>
-            <a:r>
-              <a:rPr lang="ko-KR" altLang="en-US" dirty="0"/>
-              <a:t> 문제에 대한 </a:t>
-            </a:r>
-            <a:r>
-              <a:rPr lang="ko-KR" altLang="en-US" dirty="0" err="1"/>
-              <a:t>로직을</a:t>
-            </a:r>
-            <a:r>
-              <a:rPr lang="ko-KR" altLang="en-US" dirty="0"/>
-              <a:t> 한번 생각해봅니다</a:t>
-            </a:r>
-            <a:r>
-              <a:rPr lang="en-US" altLang="ko-KR" dirty="0"/>
-              <a:t>. </a:t>
-            </a:r>
-          </a:p>
-          <a:p>
-            <a:r>
-              <a:rPr lang="en-US" altLang="ko-KR" dirty="0"/>
-              <a:t>3. </a:t>
-            </a:r>
-            <a:r>
-              <a:rPr lang="ko-KR" altLang="en-US" dirty="0"/>
-              <a:t>회사나 학교</a:t>
-            </a:r>
-            <a:r>
-              <a:rPr lang="en-US" altLang="ko-KR" dirty="0"/>
-              <a:t>, </a:t>
-            </a:r>
-            <a:r>
-              <a:rPr lang="ko-KR" altLang="en-US" dirty="0"/>
-              <a:t>약속장소를 가면서 </a:t>
-            </a:r>
-            <a:r>
-              <a:rPr lang="ko-KR" altLang="en-US" dirty="0" err="1"/>
-              <a:t>문제로직을</a:t>
-            </a:r>
-            <a:r>
-              <a:rPr lang="ko-KR" altLang="en-US" dirty="0"/>
-              <a:t> 생각해보고</a:t>
-            </a:r>
-            <a:r>
-              <a:rPr lang="en-US" altLang="ko-KR" dirty="0"/>
-              <a:t>, </a:t>
-            </a:r>
-            <a:r>
-              <a:rPr lang="ko-KR" altLang="en-US" dirty="0"/>
-              <a:t>생각나거나 </a:t>
-            </a:r>
-            <a:r>
-              <a:rPr lang="ko-KR" altLang="en-US" dirty="0" err="1"/>
-              <a:t>수도코드</a:t>
-            </a:r>
-            <a:r>
-              <a:rPr lang="en-US" altLang="ko-KR" dirty="0"/>
-              <a:t>, </a:t>
-            </a:r>
-            <a:r>
-              <a:rPr lang="ko-KR" altLang="en-US" dirty="0"/>
-              <a:t>뭔가 도움이 될만한 것들을 메모합니다</a:t>
+              <a:t>놓쳤거나 헷갈리는 사항에 대해 좀 더 고민해봅니다</a:t>
+            </a:r>
+            <a:r>
+              <a:rPr lang="en-US" altLang="ko-KR" dirty="0"/>
+              <a:t>.</a:t>
+            </a:r>
+          </a:p>
+          <a:p>
+            <a:r>
+              <a:rPr lang="en-US" altLang="ko-KR" dirty="0"/>
+              <a:t>6. </a:t>
+            </a:r>
+            <a:r>
+              <a:rPr lang="ko-KR" altLang="en-US" dirty="0"/>
+              <a:t>정답을 제출해봤는데도 틀렸으면 </a:t>
+            </a:r>
+            <a:r>
+              <a:rPr lang="en-US" altLang="ko-KR" dirty="0"/>
+              <a:t>5</a:t>
+            </a:r>
+            <a:r>
+              <a:rPr lang="ko-KR" altLang="en-US" dirty="0"/>
+              <a:t>번 과정을 반복합니다</a:t>
             </a:r>
             <a:r>
               <a:rPr lang="en-US" altLang="ko-KR" dirty="0"/>
@@ -7896,7 +7821,7 @@
     </p:spTree>
     <p:extLst>
       <p:ext uri="{BB962C8B-B14F-4D97-AF65-F5344CB8AC3E}">
-        <p14:creationId xmlns:p14="http://schemas.microsoft.com/office/powerpoint/2010/main" val="2034954605"/>
+        <p14:creationId xmlns:p14="http://schemas.microsoft.com/office/powerpoint/2010/main" val="683801701"/>
       </p:ext>
     </p:extLst>
   </p:cSld>
@@ -7987,19 +7912,27 @@
           <a:p>
             <a:r>
               <a:rPr lang="en-US" altLang="ko-KR" dirty="0"/>
-              <a:t>4. </a:t>
-            </a:r>
-            <a:r>
-              <a:rPr lang="ko-KR" altLang="en-US" dirty="0"/>
-              <a:t>이렇게 코드를 구현하면 되겠네</a:t>
-            </a:r>
-            <a:r>
-              <a:rPr lang="en-US" altLang="ko-KR" dirty="0"/>
-              <a:t>? </a:t>
-            </a:r>
-            <a:r>
-              <a:rPr lang="ko-KR" altLang="en-US" dirty="0"/>
-              <a:t>라는 답이 나왔으면 코드를 작성하여 제출해봅니다</a:t>
+              <a:t>7. </a:t>
+            </a:r>
+            <a:r>
+              <a:rPr lang="ko-KR" altLang="en-US" dirty="0"/>
+              <a:t>문제를 본지 하루가 지났고</a:t>
+            </a:r>
+            <a:r>
+              <a:rPr lang="en-US" altLang="ko-KR" dirty="0"/>
+              <a:t>, </a:t>
+            </a:r>
+            <a:r>
+              <a:rPr lang="ko-KR" altLang="en-US" dirty="0"/>
+              <a:t>아무리 생각을 해봐도 정답을 모르겠으면 검색 등 정답 코드를 보고</a:t>
+            </a:r>
+            <a:r>
+              <a:rPr lang="en-US" altLang="ko-KR" dirty="0"/>
+              <a:t>, </a:t>
+            </a:r>
+            <a:r>
+              <a:rPr lang="ko-KR" altLang="en-US" dirty="0"/>
+              <a:t>설명을 통해 꼭 이해하고 오답노트 목록에 메모합니다</a:t>
             </a:r>
             <a:r>
               <a:rPr lang="en-US" altLang="ko-KR" dirty="0"/>
@@ -8009,11 +7942,27 @@
           <a:p>
             <a:r>
               <a:rPr lang="en-US" altLang="ko-KR" dirty="0"/>
-              <a:t>5. </a:t>
-            </a:r>
-            <a:r>
-              <a:rPr lang="ko-KR" altLang="en-US" dirty="0"/>
-              <a:t>정답이 틀렸다면</a:t>
+              <a:t>8. </a:t>
+            </a:r>
+            <a:r>
+              <a:rPr lang="ko-KR" altLang="en-US" dirty="0" err="1"/>
+              <a:t>코딩테스트</a:t>
+            </a:r>
+            <a:r>
+              <a:rPr lang="ko-KR" altLang="en-US" dirty="0"/>
+              <a:t> </a:t>
+            </a:r>
+            <a:r>
+              <a:rPr lang="en-US" altLang="ko-KR" dirty="0"/>
+              <a:t>2</a:t>
+            </a:r>
+            <a:r>
+              <a:rPr lang="ko-KR" altLang="en-US" dirty="0"/>
+              <a:t>주전 혹은 시간이 </a:t>
+            </a:r>
+            <a:r>
+              <a:rPr lang="ko-KR" altLang="en-US" dirty="0" err="1"/>
+              <a:t>흐른후</a:t>
             </a:r>
             <a:r>
               <a:rPr lang="en-US" altLang="ko-KR" dirty="0"/>
@@ -8021,33 +7970,19 @@
             </a:r>
             <a:r>
               <a:rPr lang="ko-KR" altLang="en-US" dirty="0"/>
-              <a:t>놓쳤거나 헷갈리는 사항에 대해 좀 더 고민해봅니다</a:t>
+              <a:t>내가 틀려서 </a:t>
+            </a:r>
+            <a:r>
+              <a:rPr lang="ko-KR" altLang="en-US" dirty="0" err="1"/>
+              <a:t>못풀었던</a:t>
+            </a:r>
+            <a:r>
+              <a:rPr lang="ko-KR" altLang="en-US" dirty="0"/>
+              <a:t> 문제들을 다시 풀어봅니다</a:t>
             </a:r>
             <a:r>
               <a:rPr lang="en-US" altLang="ko-KR" dirty="0"/>
               <a:t>.</a:t>
-            </a:r>
-          </a:p>
-          <a:p>
-            <a:r>
-              <a:rPr lang="en-US" altLang="ko-KR" dirty="0"/>
-              <a:t>6. </a:t>
-            </a:r>
-            <a:r>
-              <a:rPr lang="ko-KR" altLang="en-US" dirty="0"/>
-              <a:t>정답을 제출해봤는데도 틀렸으면 </a:t>
-            </a:r>
-            <a:r>
-              <a:rPr lang="en-US" altLang="ko-KR" dirty="0"/>
-              <a:t>5</a:t>
-            </a:r>
-            <a:r>
-              <a:rPr lang="ko-KR" altLang="en-US" dirty="0"/>
-              <a:t>번 과정을 반복합니다</a:t>
-            </a:r>
-            <a:r>
-              <a:rPr lang="en-US" altLang="ko-KR" dirty="0"/>
-              <a:t>. </a:t>
             </a:r>
             <a:endParaRPr lang="ko-KR" altLang="en-US" dirty="0"/>
           </a:p>
@@ -8056,7 +7991,7 @@
     </p:spTree>
     <p:extLst>
       <p:ext uri="{BB962C8B-B14F-4D97-AF65-F5344CB8AC3E}">
-        <p14:creationId xmlns:p14="http://schemas.microsoft.com/office/powerpoint/2010/main" val="683801701"/>
+        <p14:creationId xmlns:p14="http://schemas.microsoft.com/office/powerpoint/2010/main" val="2251926946"/>
       </p:ext>
     </p:extLst>
   </p:cSld>
@@ -8110,8 +8045,12 @@
           <a:lstStyle/>
           <a:p>
             <a:r>
-              <a:rPr lang="ko-KR" altLang="en-US" dirty="0"/>
-              <a:t>진행 예시</a:t>
+              <a:rPr lang="ko-KR" altLang="en-US" dirty="0" err="1"/>
+              <a:t>백엔드</a:t>
+            </a:r>
+            <a:r>
+              <a:rPr lang="ko-KR" altLang="en-US" dirty="0"/>
+              <a:t> 엔지니어라면</a:t>
             </a:r>
             <a:endParaRPr lang="en-KR" dirty="0"/>
           </a:p>
@@ -8146,20 +8085,104 @@
           <a:lstStyle/>
           <a:p>
             <a:r>
-              <a:rPr lang="en-US" altLang="ko-KR" dirty="0"/>
-              <a:t>7. </a:t>
-            </a:r>
-            <a:r>
-              <a:rPr lang="ko-KR" altLang="en-US" dirty="0"/>
-              <a:t>문제를 본지 하루가 지났고</a:t>
+              <a:rPr lang="ko-KR" altLang="en-US" dirty="0" err="1"/>
+              <a:t>김영한님</a:t>
+            </a:r>
+            <a:r>
+              <a:rPr lang="ko-KR" altLang="en-US" dirty="0"/>
+              <a:t> 실전 </a:t>
+            </a:r>
+            <a:r>
+              <a:rPr lang="ko-KR" altLang="en-US" dirty="0" err="1"/>
+              <a:t>로드맵</a:t>
+            </a:r>
+            <a:r>
+              <a:rPr lang="en-US" altLang="ko-KR" dirty="0"/>
+              <a:t>(</a:t>
+            </a:r>
+            <a:r>
+              <a:rPr lang="ko-KR" altLang="en-US" dirty="0" err="1"/>
+              <a:t>야생형</a:t>
+            </a:r>
+            <a:r>
+              <a:rPr lang="ko-KR" altLang="en-US" dirty="0"/>
+              <a:t> 학습</a:t>
+            </a:r>
+            <a:r>
+              <a:rPr lang="en-US" altLang="ko-KR" dirty="0"/>
+              <a:t>)</a:t>
+            </a:r>
+            <a:r>
+              <a:rPr lang="ko-KR" altLang="en-US" dirty="0"/>
+              <a:t>따라</a:t>
+            </a:r>
+          </a:p>
+          <a:p>
+            <a:r>
+              <a:rPr lang="ko-KR" altLang="en-US" dirty="0"/>
+              <a:t>프로젝트 </a:t>
+            </a:r>
+            <a:r>
+              <a:rPr lang="ko-KR" altLang="en-US" dirty="0" err="1"/>
+              <a:t>진행해보기</a:t>
+            </a:r>
+            <a:endParaRPr lang="en-US" altLang="ko-KR" dirty="0"/>
+          </a:p>
+          <a:p>
+            <a:r>
+              <a:rPr lang="ko-KR" altLang="en-US" dirty="0"/>
+              <a:t> 개인 프로젝트 하나 </a:t>
+            </a:r>
+            <a:r>
+              <a:rPr lang="ko-KR" altLang="en-US" dirty="0" err="1"/>
+              <a:t>깊이있게</a:t>
+            </a:r>
+            <a:r>
+              <a:rPr lang="ko-KR" altLang="en-US" dirty="0"/>
+              <a:t> </a:t>
+            </a:r>
+            <a:r>
+              <a:rPr lang="ko-KR" altLang="en-US" dirty="0" err="1"/>
+              <a:t>진행해보기</a:t>
+            </a:r>
+            <a:r>
+              <a:rPr lang="en-US" altLang="ko-KR" dirty="0"/>
+              <a:t>(</a:t>
+            </a:r>
+            <a:r>
+              <a:rPr lang="ko-KR" altLang="en-US" dirty="0"/>
+              <a:t>피드백을 받을 수 있으면 좋습니다</a:t>
+            </a:r>
+            <a:r>
+              <a:rPr lang="en-US" altLang="ko-KR" dirty="0"/>
+              <a:t>.)</a:t>
+            </a:r>
+            <a:endParaRPr lang="ko-KR" altLang="en-US" dirty="0"/>
+          </a:p>
+          <a:p>
+            <a:r>
+              <a:rPr lang="ko-KR" altLang="en-US" dirty="0"/>
+              <a:t>커뮤니티 </a:t>
+            </a:r>
+            <a:r>
+              <a:rPr lang="ko-KR" altLang="en-US" dirty="0" err="1"/>
+              <a:t>참여해보기</a:t>
+            </a:r>
+            <a:r>
+              <a:rPr lang="en-US" altLang="ko-KR" dirty="0"/>
+              <a:t>(</a:t>
+            </a:r>
+            <a:r>
+              <a:rPr lang="ko-KR" altLang="en-US" dirty="0" err="1"/>
+              <a:t>오픈카톡방</a:t>
             </a:r>
             <a:r>
               <a:rPr lang="en-US" altLang="ko-KR" dirty="0"/>
               <a:t>, </a:t>
             </a:r>
             <a:r>
-              <a:rPr lang="ko-KR" altLang="en-US" dirty="0"/>
-              <a:t>아무리 생각을 해봐도 정답을 모르겠으면 검색 등 정답 코드를 보고</a:t>
+              <a:rPr lang="ko-KR" altLang="en-US" dirty="0" err="1"/>
+              <a:t>개발바닥</a:t>
             </a:r>
             <a:r>
               <a:rPr lang="en-US" altLang="ko-KR" dirty="0"/>
@@ -8167,57 +8190,27 @@
             </a:r>
             <a:r>
               <a:rPr lang="ko-KR" altLang="en-US" dirty="0"/>
-              <a:t>설명을 통해 꼭 이해하고 오답노트 목록에 메모합니다</a:t>
-            </a:r>
-            <a:r>
-              <a:rPr lang="en-US" altLang="ko-KR" dirty="0"/>
-              <a:t>.</a:t>
-            </a:r>
-          </a:p>
-          <a:p>
-            <a:r>
-              <a:rPr lang="en-US" altLang="ko-KR" dirty="0"/>
-              <a:t>8. </a:t>
-            </a:r>
-            <a:r>
-              <a:rPr lang="ko-KR" altLang="en-US" dirty="0" err="1"/>
-              <a:t>코딩테스트</a:t>
-            </a:r>
-            <a:r>
-              <a:rPr lang="ko-KR" altLang="en-US" dirty="0"/>
-              <a:t> </a:t>
-            </a:r>
-            <a:r>
-              <a:rPr lang="en-US" altLang="ko-KR" dirty="0"/>
-              <a:t>2</a:t>
-            </a:r>
-            <a:r>
-              <a:rPr lang="ko-KR" altLang="en-US" dirty="0"/>
-              <a:t>주전 혹은 시간이 </a:t>
-            </a:r>
-            <a:r>
-              <a:rPr lang="ko-KR" altLang="en-US" dirty="0" err="1"/>
-              <a:t>흐른후</a:t>
+              <a:t>유쾌한스프링방</a:t>
             </a:r>
             <a:r>
               <a:rPr lang="en-US" altLang="ko-KR" dirty="0"/>
               <a:t>, </a:t>
             </a:r>
             <a:r>
-              <a:rPr lang="ko-KR" altLang="en-US" dirty="0"/>
-              <a:t>내가 틀려서 </a:t>
-            </a:r>
-            <a:r>
-              <a:rPr lang="ko-KR" altLang="en-US" dirty="0" err="1"/>
-              <a:t>못풀었던</a:t>
-            </a:r>
-            <a:r>
-              <a:rPr lang="ko-KR" altLang="en-US" dirty="0"/>
-              <a:t> 문제들을 다시 풀어봅니다</a:t>
-            </a:r>
-            <a:r>
-              <a:rPr lang="en-US" altLang="ko-KR" dirty="0"/>
-              <a:t>.</a:t>
+              <a:rPr lang="ko-KR" altLang="en-US" dirty="0" err="1"/>
+              <a:t>코딩몬스터님의</a:t>
+            </a:r>
+            <a:r>
+              <a:rPr lang="ko-KR" altLang="en-US" dirty="0"/>
+              <a:t> 연봉 </a:t>
+            </a:r>
+            <a:r>
+              <a:rPr lang="ko-KR" altLang="en-US" dirty="0" err="1"/>
+              <a:t>공유방등</a:t>
+            </a:r>
+            <a:r>
+              <a:rPr lang="en-US" altLang="ko-KR" dirty="0"/>
+              <a:t>)</a:t>
             </a:r>
             <a:endParaRPr lang="ko-KR" altLang="en-US" dirty="0"/>
           </a:p>
@@ -8226,7 +8219,7 @@
     </p:spTree>
     <p:extLst>
       <p:ext uri="{BB962C8B-B14F-4D97-AF65-F5344CB8AC3E}">
-        <p14:creationId xmlns:p14="http://schemas.microsoft.com/office/powerpoint/2010/main" val="2251926946"/>
+        <p14:creationId xmlns:p14="http://schemas.microsoft.com/office/powerpoint/2010/main" val="1432630046"/>
       </p:ext>
     </p:extLst>
   </p:cSld>
@@ -8320,113 +8313,61 @@
           <a:lstStyle/>
           <a:p>
             <a:r>
-              <a:rPr lang="ko-KR" altLang="en-US" dirty="0" err="1"/>
-              <a:t>김영한님</a:t>
-            </a:r>
-            <a:r>
-              <a:rPr lang="ko-KR" altLang="en-US" dirty="0"/>
-              <a:t> 실전 </a:t>
-            </a:r>
-            <a:r>
-              <a:rPr lang="ko-KR" altLang="en-US" dirty="0" err="1"/>
-              <a:t>로드맵</a:t>
-            </a:r>
-            <a:r>
-              <a:rPr lang="en-US" altLang="ko-KR" dirty="0"/>
-              <a:t>(</a:t>
-            </a:r>
-            <a:r>
-              <a:rPr lang="ko-KR" altLang="en-US" dirty="0" err="1"/>
-              <a:t>야생형</a:t>
-            </a:r>
-            <a:r>
-              <a:rPr lang="ko-KR" altLang="en-US" dirty="0"/>
-              <a:t> 학습</a:t>
-            </a:r>
-            <a:r>
-              <a:rPr lang="en-US" altLang="ko-KR" dirty="0"/>
-              <a:t>)</a:t>
-            </a:r>
-            <a:r>
-              <a:rPr lang="ko-KR" altLang="en-US" dirty="0"/>
-              <a:t>따라</a:t>
-            </a:r>
-          </a:p>
-          <a:p>
-            <a:r>
-              <a:rPr lang="ko-KR" altLang="en-US" dirty="0"/>
-              <a:t>프로젝트 진행해보고 개인 프로젝트 </a:t>
-            </a:r>
-            <a:r>
-              <a:rPr lang="ko-KR" altLang="en-US" dirty="0" err="1"/>
-              <a:t>깊이있게</a:t>
-            </a:r>
-            <a:r>
-              <a:rPr lang="ko-KR" altLang="en-US" dirty="0"/>
+              <a:rPr lang="ko-KR" altLang="en-US" dirty="0"/>
+              <a:t>비싸지만 어떻게 </a:t>
+            </a:r>
+            <a:r>
+              <a:rPr lang="ko-KR" altLang="en-US" dirty="0" err="1"/>
+              <a:t>공부해야하는지</a:t>
+            </a:r>
+            <a:r>
+              <a:rPr lang="ko-KR" altLang="en-US" dirty="0"/>
+              <a:t> 확실히 배우고 싶다면 </a:t>
+            </a:r>
+            <a:r>
+              <a:rPr lang="en-US" altLang="ko-KR" dirty="0" err="1"/>
+              <a:t>FLab</a:t>
+            </a:r>
+            <a:r>
+              <a:rPr lang="en-US" altLang="ko-KR" dirty="0"/>
               <a:t> </a:t>
             </a:r>
-            <a:r>
-              <a:rPr lang="ko-KR" altLang="en-US" dirty="0" err="1"/>
-              <a:t>진행해보기</a:t>
-            </a:r>
-            <a:endParaRPr lang="ko-KR" altLang="en-US" dirty="0"/>
-          </a:p>
-          <a:p>
-            <a:r>
-              <a:rPr lang="ko-KR" altLang="en-US" dirty="0"/>
-              <a:t>커뮤니티 참여</a:t>
-            </a:r>
-            <a:r>
-              <a:rPr lang="en-US" altLang="ko-KR" dirty="0"/>
-              <a:t>(</a:t>
-            </a:r>
-            <a:r>
-              <a:rPr lang="ko-KR" altLang="en-US" dirty="0" err="1"/>
-              <a:t>오픈카톡방</a:t>
-            </a:r>
-            <a:r>
-              <a:rPr lang="en-US" altLang="ko-KR" dirty="0"/>
-              <a:t>, </a:t>
-            </a:r>
-            <a:r>
-              <a:rPr lang="ko-KR" altLang="en-US" dirty="0" err="1"/>
-              <a:t>개발바닥</a:t>
-            </a:r>
-            <a:r>
-              <a:rPr lang="en-US" altLang="ko-KR" dirty="0"/>
-              <a:t>, </a:t>
-            </a:r>
-            <a:r>
-              <a:rPr lang="ko-KR" altLang="en-US" dirty="0"/>
-              <a:t>유쾌한스프링방</a:t>
-            </a:r>
-            <a:r>
-              <a:rPr lang="en-US" altLang="ko-KR" dirty="0"/>
-              <a:t>, </a:t>
-            </a:r>
-            <a:r>
-              <a:rPr lang="ko-KR" altLang="en-US" dirty="0" err="1"/>
-              <a:t>코딩몬스터님의</a:t>
-            </a:r>
-            <a:r>
-              <a:rPr lang="ko-KR" altLang="en-US" dirty="0"/>
-              <a:t> 연봉 </a:t>
-            </a:r>
-            <a:r>
-              <a:rPr lang="ko-KR" altLang="en-US" dirty="0" err="1"/>
-              <a:t>공유방등</a:t>
-            </a:r>
-            <a:r>
-              <a:rPr lang="en-US" altLang="ko-KR" dirty="0"/>
-              <a:t>, </a:t>
-            </a:r>
-            <a:r>
-              <a:rPr lang="ko-KR" altLang="en-US" dirty="0"/>
-              <a:t>질이 좋은 커뮤니티일수록 좋습니다</a:t>
-            </a:r>
-            <a:r>
-              <a:rPr lang="en-US" altLang="ko-KR" dirty="0"/>
-              <a:t>.)</a:t>
+          </a:p>
+          <a:p>
+            <a:r>
+              <a:rPr lang="ko-KR" altLang="en-US" dirty="0"/>
+              <a:t>기타 다른 사람들과 경쟁해서 도전해보고 싶다면 </a:t>
+            </a:r>
+            <a:r>
+              <a:rPr lang="ko-KR" altLang="en-US" dirty="0" err="1"/>
+              <a:t>우테코</a:t>
+            </a:r>
+            <a:endParaRPr lang="en-US" altLang="ko-KR" dirty="0"/>
+          </a:p>
+          <a:p>
+            <a:r>
+              <a:rPr lang="en-US" altLang="ko-KR" dirty="0"/>
+              <a:t> </a:t>
+            </a:r>
+            <a:r>
+              <a:rPr lang="ko-KR" altLang="en-US" dirty="0"/>
+              <a:t>오픈소스라는 강력한 도구가 있고 실력을 키워서 오픈소스에 기여하고 </a:t>
+            </a:r>
+            <a:r>
+              <a:rPr lang="en-US" altLang="ko-KR" dirty="0"/>
+              <a:t>contributor</a:t>
+            </a:r>
+            <a:r>
+              <a:rPr lang="ko-KR" altLang="en-US" dirty="0"/>
+              <a:t>가 </a:t>
+            </a:r>
+            <a:r>
+              <a:rPr lang="ko-KR" altLang="en-US" dirty="0" err="1"/>
+              <a:t>되봅시다</a:t>
+            </a:r>
+            <a:r>
+              <a:rPr lang="en-US" altLang="ko-KR" dirty="0"/>
+              <a:t>.</a:t>
             </a:r>
             <a:endParaRPr lang="ko-KR" altLang="en-US" dirty="0"/>
           </a:p>
@@ -8435,7 +8376,7 @@
     </p:spTree>
     <p:extLst>
       <p:ext uri="{BB962C8B-B14F-4D97-AF65-F5344CB8AC3E}">
-        <p14:creationId xmlns:p14="http://schemas.microsoft.com/office/powerpoint/2010/main" val="1432630046"/>
+        <p14:creationId xmlns:p14="http://schemas.microsoft.com/office/powerpoint/2010/main" val="687818023"/>
       </p:ext>
     </p:extLst>
   </p:cSld>
@@ -8490,7 +8431,7 @@
           <a:p>
             <a:r>
               <a:rPr lang="ko-KR" altLang="en-US" dirty="0" err="1"/>
-              <a:t>백엔드</a:t>
+              <a:t>머신러닝</a:t>
             </a:r>
             <a:r>
               <a:rPr lang="ko-KR" altLang="en-US" dirty="0"/>
@@ -8529,66 +8470,87 @@
           <a:lstStyle/>
           <a:p>
             <a:r>
-              <a:rPr lang="en-US" altLang="ko-KR" dirty="0" err="1"/>
-              <a:t>FLab</a:t>
+              <a:rPr lang="ko-KR" altLang="en-US" dirty="0"/>
+              <a:t>기초가 부족하다면 모두의 </a:t>
+            </a:r>
+            <a:r>
+              <a:rPr lang="ko-KR" altLang="en-US" dirty="0" err="1"/>
+              <a:t>딥러닝</a:t>
+            </a:r>
+            <a:r>
+              <a:rPr lang="ko-KR" altLang="en-US" dirty="0"/>
+              <a:t> 듣고 모르는 부분 완전히 이해하기</a:t>
+            </a:r>
+            <a:endParaRPr lang="en-US" altLang="ko-KR" dirty="0"/>
+          </a:p>
+          <a:p>
+            <a:r>
+              <a:rPr lang="ko-KR" altLang="en-US" dirty="0"/>
+              <a:t>더 이해해보고 싶다면 </a:t>
+            </a:r>
+            <a:r>
+              <a:rPr lang="ko-KR" altLang="en-US" dirty="0" err="1"/>
+              <a:t>스탠포드</a:t>
             </a:r>
             <a:r>
               <a:rPr lang="en-US" altLang="ko-KR" dirty="0"/>
               <a:t> </a:t>
             </a:r>
-          </a:p>
-          <a:p>
-            <a:r>
-              <a:rPr lang="ko-KR" altLang="en-US" dirty="0" err="1"/>
-              <a:t>우테코</a:t>
+            <a:r>
+              <a:rPr lang="ko-KR" altLang="en-US" dirty="0"/>
+              <a:t>등 중급이상 기본기 강의를 듣거나</a:t>
+            </a:r>
+            <a:r>
+              <a:rPr lang="en-US" altLang="ko-KR" dirty="0"/>
+              <a:t>,</a:t>
+            </a:r>
+          </a:p>
+          <a:p>
+            <a:r>
+              <a:rPr lang="ko-KR" altLang="en-US" dirty="0"/>
+              <a:t>논문 읽어보기</a:t>
+            </a:r>
+            <a:r>
+              <a:rPr lang="en-US" altLang="ko-KR" dirty="0"/>
+              <a:t>(</a:t>
+            </a:r>
+            <a:r>
+              <a:rPr lang="ko-KR" altLang="en-US" dirty="0"/>
+              <a:t>자신이 가고자 하는 분야에 대해 읽으면 더 좋습니다</a:t>
+            </a:r>
+            <a:r>
+              <a:rPr lang="en-US" altLang="ko-KR" dirty="0"/>
+              <a:t>.)</a:t>
+            </a:r>
+          </a:p>
+          <a:p>
+            <a:r>
+              <a:rPr lang="ko-KR" altLang="en-US" dirty="0"/>
+              <a:t>해당 분야의 논문들 중 과거부터 현재까지 역사 </a:t>
+            </a:r>
+            <a:r>
+              <a:rPr lang="ko-KR" altLang="en-US" dirty="0" err="1"/>
+              <a:t>이해해보기</a:t>
             </a:r>
             <a:endParaRPr lang="en-US" altLang="ko-KR" dirty="0"/>
           </a:p>
           <a:p>
             <a:r>
-              <a:rPr lang="en-US" altLang="ko-KR" dirty="0"/>
-              <a:t> </a:t>
-            </a:r>
-            <a:r>
-              <a:rPr lang="ko-KR" altLang="en-US" dirty="0" err="1"/>
-              <a:t>엔지니어들에게는</a:t>
-            </a:r>
-            <a:r>
-              <a:rPr lang="ko-KR" altLang="en-US" dirty="0"/>
-              <a:t> 오픈소스가 있음</a:t>
-            </a:r>
-            <a:r>
-              <a:rPr lang="en-US" altLang="ko-KR" dirty="0"/>
-              <a:t>. </a:t>
-            </a:r>
-            <a:r>
-              <a:rPr lang="ko-KR" altLang="en-US" dirty="0"/>
-              <a:t>오픈소스에 기여하고 </a:t>
-            </a:r>
-            <a:r>
-              <a:rPr lang="en-US" altLang="ko-KR" dirty="0"/>
-              <a:t>contributor</a:t>
-            </a:r>
-            <a:r>
-              <a:rPr lang="ko-KR" altLang="en-US" dirty="0"/>
-              <a:t>가 </a:t>
-            </a:r>
-            <a:r>
-              <a:rPr lang="ko-KR" altLang="en-US" dirty="0" err="1"/>
-              <a:t>되보자</a:t>
-            </a:r>
-            <a:r>
-              <a:rPr lang="en-US" altLang="ko-KR" dirty="0"/>
-              <a:t>.</a:t>
-            </a:r>
-            <a:endParaRPr lang="ko-KR" altLang="en-US" dirty="0"/>
+              <a:rPr lang="ko-KR" altLang="en-US" dirty="0"/>
+              <a:t>어떤 점을 극복하고 어떤 점이 장단점인지 </a:t>
+            </a:r>
+            <a:r>
+              <a:rPr lang="ko-KR" altLang="en-US" dirty="0" err="1"/>
+              <a:t>이해해보기</a:t>
+            </a:r>
+            <a:endParaRPr lang="en-US" altLang="ko-KR" dirty="0"/>
           </a:p>
         </p:txBody>
       </p:sp>
     </p:spTree>
     <p:extLst>
       <p:ext uri="{BB962C8B-B14F-4D97-AF65-F5344CB8AC3E}">
-        <p14:creationId xmlns:p14="http://schemas.microsoft.com/office/powerpoint/2010/main" val="687818023"/>
+        <p14:creationId xmlns:p14="http://schemas.microsoft.com/office/powerpoint/2010/main" val="774677572"/>
       </p:ext>
     </p:extLst>
   </p:cSld>
@@ -8683,87 +8645,80 @@
           <a:p>
             <a:r>
               <a:rPr lang="ko-KR" altLang="en-US" dirty="0"/>
-              <a:t>모두의 </a:t>
-            </a:r>
-            <a:r>
-              <a:rPr lang="ko-KR" altLang="en-US" dirty="0" err="1"/>
-              <a:t>딥러닝</a:t>
-            </a:r>
-            <a:r>
-              <a:rPr lang="en-US" altLang="ko-KR" dirty="0"/>
-              <a:t>,</a:t>
-            </a:r>
-          </a:p>
-          <a:p>
-            <a:r>
-              <a:rPr lang="ko-KR" altLang="en-US" dirty="0" err="1"/>
-              <a:t>스탠포드</a:t>
-            </a:r>
-            <a:r>
-              <a:rPr lang="en-US" altLang="ko-KR" dirty="0"/>
+              <a:t>해당 논문들 읽으면서 부분 부분 구현해보고 논문 구현 </a:t>
+            </a:r>
+            <a:r>
+              <a:rPr lang="ko-KR" altLang="en-US" dirty="0" err="1"/>
+              <a:t>완성해보기</a:t>
+            </a:r>
+            <a:endParaRPr lang="en-US" altLang="ko-KR" dirty="0"/>
+          </a:p>
+          <a:p>
+            <a:r>
+              <a:rPr lang="ko-KR" altLang="en-US" dirty="0" err="1"/>
+              <a:t>케글</a:t>
+            </a:r>
+            <a:r>
+              <a:rPr lang="ko-KR" altLang="en-US" dirty="0"/>
+              <a:t> 대회 도전해보고 </a:t>
+            </a:r>
+            <a:r>
+              <a:rPr lang="ko-KR" altLang="en-US" dirty="0" err="1"/>
+              <a:t>티어</a:t>
+            </a:r>
+            <a:r>
+              <a:rPr lang="ko-KR" altLang="en-US" dirty="0"/>
               <a:t> </a:t>
             </a:r>
             <a:r>
-              <a:rPr lang="ko-KR" altLang="en-US" dirty="0"/>
-              <a:t>등 중급이상 기본기 강의</a:t>
+              <a:rPr lang="ko-KR" altLang="en-US" dirty="0" err="1"/>
+              <a:t>올려보기</a:t>
+            </a:r>
+            <a:endParaRPr lang="ko-KR" altLang="en-US" dirty="0"/>
+          </a:p>
+          <a:p>
+            <a:r>
+              <a:rPr lang="ko-KR" altLang="en-US" dirty="0"/>
+              <a:t>커뮤니티 </a:t>
+            </a:r>
+            <a:r>
+              <a:rPr lang="ko-KR" altLang="en-US" dirty="0" err="1"/>
+              <a:t>참여해보기</a:t>
+            </a:r>
+            <a:r>
+              <a:rPr lang="en-US" altLang="ko-KR" dirty="0"/>
+              <a:t> (</a:t>
+            </a:r>
+            <a:r>
+              <a:rPr lang="ko-KR" altLang="en-US" dirty="0" err="1"/>
+              <a:t>텐서플로우</a:t>
+            </a:r>
+            <a:r>
+              <a:rPr lang="ko-KR" altLang="en-US" dirty="0"/>
+              <a:t> 코리아 등</a:t>
+            </a:r>
+            <a:r>
+              <a:rPr lang="en-US" altLang="ko-KR" dirty="0"/>
+              <a:t>)</a:t>
+            </a:r>
+          </a:p>
+          <a:p>
+            <a:r>
+              <a:rPr lang="ko-KR" altLang="en-US" dirty="0"/>
+              <a:t>다른 사람들은 어떻게 공부하고 있나 </a:t>
+            </a:r>
+            <a:r>
+              <a:rPr lang="ko-KR" altLang="en-US" dirty="0" err="1"/>
+              <a:t>파악해보기</a:t>
             </a:r>
             <a:endParaRPr lang="en-US" altLang="ko-KR" dirty="0"/>
-          </a:p>
-          <a:p>
-            <a:r>
-              <a:rPr lang="ko-KR" altLang="en-US" dirty="0"/>
-              <a:t>논문 읽기</a:t>
-            </a:r>
-            <a:r>
-              <a:rPr lang="en-US" altLang="ko-KR" dirty="0"/>
-              <a:t>(</a:t>
-            </a:r>
-            <a:r>
-              <a:rPr lang="ko-KR" altLang="en-US" dirty="0"/>
-              <a:t>자신이가고자 하는 분야로 한정</a:t>
-            </a:r>
-            <a:r>
-              <a:rPr lang="en-US" altLang="ko-KR" dirty="0"/>
-              <a:t>, </a:t>
-            </a:r>
-          </a:p>
-          <a:p>
-            <a:r>
-              <a:rPr lang="ko-KR" altLang="en-US" dirty="0"/>
-              <a:t>과거부터 현재까지 역사 이해</a:t>
-            </a:r>
-            <a:r>
-              <a:rPr lang="en-US" altLang="ko-KR" dirty="0"/>
-              <a:t>, </a:t>
-            </a:r>
-            <a:r>
-              <a:rPr lang="en-US" altLang="ko-KR" dirty="0" err="1"/>
-              <a:t>sota</a:t>
-            </a:r>
-            <a:r>
-              <a:rPr lang="ko-KR" altLang="en-US" dirty="0"/>
-              <a:t>들이 어떻게 발전했는가</a:t>
-            </a:r>
-            <a:r>
-              <a:rPr lang="en-US" altLang="ko-KR" dirty="0"/>
-              <a:t>, </a:t>
-            </a:r>
-            <a:r>
-              <a:rPr lang="ko-KR" altLang="en-US" dirty="0"/>
-              <a:t>부족한 부분을 어떻게 극복했는가</a:t>
-            </a:r>
-            <a:r>
-              <a:rPr lang="en-US" altLang="ko-KR" dirty="0"/>
-              <a:t>)</a:t>
-            </a:r>
-            <a:endParaRPr lang="ko-KR" altLang="en-US" dirty="0"/>
           </a:p>
         </p:txBody>
       </p:sp>
     </p:spTree>
     <p:extLst>
       <p:ext uri="{BB962C8B-B14F-4D97-AF65-F5344CB8AC3E}">
-        <p14:creationId xmlns:p14="http://schemas.microsoft.com/office/powerpoint/2010/main" val="774677572"/>
+        <p14:creationId xmlns:p14="http://schemas.microsoft.com/office/powerpoint/2010/main" val="2824672567"/>
       </p:ext>
     </p:extLst>
   </p:cSld>

--- a/피피티_마무리.pptx
+++ b/피피티_마무리.pptx
@@ -4954,33 +4954,14 @@
           </a:p>
           <a:p>
             <a:r>
-              <a:rPr lang="en-US" altLang="ko-KR" dirty="0"/>
-              <a:t>http://</a:t>
-            </a:r>
-            <a:r>
-              <a:rPr lang="en-US" altLang="ko-KR" dirty="0" err="1"/>
-              <a:t>www.kyobobook.co.kr</a:t>
-            </a:r>
-            <a:r>
-              <a:rPr lang="en-US" altLang="ko-KR" dirty="0"/>
-              <a:t>/</a:t>
-            </a:r>
-            <a:r>
-              <a:rPr lang="en-US" altLang="ko-KR" dirty="0" err="1"/>
-              <a:t>eventRenewal</a:t>
-            </a:r>
-            <a:r>
-              <a:rPr lang="en-US" altLang="ko-KR" dirty="0"/>
-              <a:t>/</a:t>
-            </a:r>
-            <a:r>
-              <a:rPr lang="en-US" altLang="ko-KR" dirty="0" err="1"/>
-              <a:t>eventViewByPid.laf?eventPid</a:t>
-            </a:r>
-            <a:r>
-              <a:rPr lang="en-US" altLang="ko-KR" dirty="0"/>
-              <a:t>=90470&amp;orderClick=JGN</a:t>
-            </a:r>
+              <a:rPr lang="en-US" altLang="ko-KR" dirty="0">
+                <a:hlinkClick r:id="rId2"/>
+              </a:rPr>
+              <a:t>http://www.kyobobook.co.kr/eventRenewal/eventViewByPid.laf?eventPid=90470&amp;orderClick=JGN</a:t>
+            </a:r>
+            <a:endParaRPr lang="en-US" altLang="ko-KR" dirty="0"/>
+          </a:p>
+          <a:p>
             <a:endParaRPr lang="ko-KR" altLang="en-US" dirty="0"/>
           </a:p>
         </p:txBody>
@@ -5106,17 +5087,14 @@
           </a:p>
           <a:p>
             <a:r>
-              <a:rPr lang="en-US" altLang="ko-KR" dirty="0"/>
-              <a:t>https://</a:t>
-            </a:r>
-            <a:r>
-              <a:rPr lang="en-US" altLang="ko-KR" dirty="0" err="1"/>
-              <a:t>infcon.day</a:t>
-            </a:r>
-            <a:r>
-              <a:rPr lang="en-US" altLang="ko-KR" dirty="0"/>
-              <a:t>/</a:t>
-            </a:r>
+              <a:rPr lang="en-US" altLang="ko-KR" dirty="0">
+                <a:hlinkClick r:id="rId2"/>
+              </a:rPr>
+              <a:t>https://infcon.day/</a:t>
+            </a:r>
+            <a:endParaRPr lang="en-US" altLang="ko-KR" dirty="0"/>
+          </a:p>
+          <a:p>
             <a:endParaRPr lang="ko-KR" altLang="en-US" dirty="0"/>
           </a:p>
         </p:txBody>
@@ -5572,25 +5550,12 @@
           </a:p>
           <a:p>
             <a:r>
-              <a:rPr lang="en-US" altLang="ko-KR" dirty="0"/>
-              <a:t>https://</a:t>
-            </a:r>
-            <a:r>
-              <a:rPr lang="en-US" altLang="ko-KR" dirty="0" err="1"/>
-              <a:t>backlog.com</a:t>
-            </a:r>
-            <a:r>
-              <a:rPr lang="en-US" altLang="ko-KR" dirty="0"/>
-              <a:t>/git-tutorial/</a:t>
-            </a:r>
-            <a:r>
-              <a:rPr lang="en-US" altLang="ko-KR" dirty="0" err="1"/>
-              <a:t>kr</a:t>
-            </a:r>
-            <a:r>
-              <a:rPr lang="en-US" altLang="ko-KR" dirty="0"/>
-              <a:t>/intro/intro1_1.html</a:t>
-            </a:r>
+              <a:rPr lang="en-US" altLang="ko-KR" dirty="0">
+                <a:hlinkClick r:id="rId2"/>
+              </a:rPr>
+              <a:t>https://backlog.com/git-tutorial/kr/intro/intro1_1.html</a:t>
+            </a:r>
+            <a:endParaRPr lang="en-US" altLang="ko-KR" dirty="0"/>
           </a:p>
           <a:p>
             <a:r>
@@ -5789,7 +5754,7 @@
         </p:spPr>
         <p:txBody>
           <a:bodyPr>
-            <a:normAutofit/>
+            <a:normAutofit fontScale="92500" lnSpcReduction="20000"/>
           </a:bodyPr>
           <a:lstStyle/>
           <a:p>
@@ -5797,17 +5762,61 @@
               <a:rPr lang="en-US" altLang="ko-KR" dirty="0"/>
               <a:t>1.</a:t>
             </a:r>
-          </a:p>
-          <a:p>
-            <a:r>
-              <a:rPr lang="en-US" altLang="ko-KR" dirty="0"/>
-              <a:t>2.</a:t>
-            </a:r>
-          </a:p>
-          <a:p>
-            <a:r>
-              <a:rPr lang="en-US" altLang="ko-KR" dirty="0"/>
-              <a:t>3.</a:t>
+            <a:r>
+              <a:rPr lang="ko-KR" altLang="en-US" dirty="0"/>
+              <a:t> </a:t>
+            </a:r>
+            <a:r>
+              <a:rPr lang="en-US" altLang="ko-KR" dirty="0"/>
+              <a:t>1.</a:t>
+            </a:r>
+            <a:r>
+              <a:rPr lang="ko-KR" altLang="en-US" dirty="0" err="1"/>
+              <a:t>파이썬에서</a:t>
+            </a:r>
+            <a:r>
+              <a:rPr lang="ko-KR" altLang="en-US" dirty="0"/>
+              <a:t> 메모리 관리를 어떻게 진행하는지</a:t>
+            </a:r>
+            <a:r>
+              <a:rPr lang="en-US" altLang="ko-KR" dirty="0"/>
+              <a:t>?</a:t>
+            </a:r>
+          </a:p>
+          <a:p>
+            <a:r>
+              <a:rPr lang="en-US" altLang="ko-KR" dirty="0"/>
+              <a:t>2.GIL</a:t>
+            </a:r>
+            <a:r>
+              <a:rPr lang="ko-KR" altLang="en-US" dirty="0"/>
+              <a:t>은 무엇인지</a:t>
+            </a:r>
+            <a:r>
+              <a:rPr lang="en-US" altLang="ko-KR" dirty="0"/>
+              <a:t>?</a:t>
+            </a:r>
+          </a:p>
+          <a:p>
+            <a:r>
+              <a:rPr lang="en-US" altLang="ko-KR" dirty="0"/>
+              <a:t>3.git</a:t>
+            </a:r>
+            <a:r>
+              <a:rPr lang="ko-KR" altLang="en-US" dirty="0"/>
+              <a:t>이란 무엇이고 </a:t>
+            </a:r>
+            <a:r>
+              <a:rPr lang="en-US" altLang="ko-KR" dirty="0"/>
+              <a:t>git</a:t>
+            </a:r>
+            <a:r>
+              <a:rPr lang="ko-KR" altLang="en-US" dirty="0"/>
+              <a:t>의 장점은</a:t>
+            </a:r>
+            <a:r>
+              <a:rPr lang="en-US" altLang="ko-KR" dirty="0"/>
+              <a:t>?</a:t>
             </a:r>
           </a:p>
           <a:p>
@@ -5815,13 +5824,77 @@
               <a:rPr lang="en-US" altLang="ko-KR" dirty="0"/>
               <a:t>4.</a:t>
             </a:r>
-          </a:p>
-          <a:p>
-            <a:r>
-              <a:rPr lang="en-US" altLang="ko-KR" dirty="0"/>
-              <a:t>5.</a:t>
-            </a:r>
-            <a:endParaRPr lang="ko-KR" altLang="en-US" dirty="0"/>
+            <a:r>
+              <a:rPr lang="ko-KR" altLang="en-US" dirty="0"/>
+              <a:t>디자인패턴이란</a:t>
+            </a:r>
+            <a:r>
+              <a:rPr lang="en-US" altLang="ko-KR" dirty="0"/>
+              <a:t>? </a:t>
+            </a:r>
+            <a:r>
+              <a:rPr lang="ko-KR" altLang="en-US" dirty="0"/>
+              <a:t>아는 것들 예시로 설명해주세요</a:t>
+            </a:r>
+            <a:r>
+              <a:rPr lang="en-US" altLang="ko-KR" dirty="0"/>
+              <a:t>.</a:t>
+            </a:r>
+          </a:p>
+          <a:p>
+            <a:r>
+              <a:rPr lang="en-US" altLang="ko-KR" dirty="0"/>
+              <a:t>5.SOLID </a:t>
+            </a:r>
+            <a:r>
+              <a:rPr lang="ko-KR" altLang="en-US" dirty="0"/>
+              <a:t>원칙을 지키며 코드를 짜본 경험이 있는지</a:t>
+            </a:r>
+            <a:r>
+              <a:rPr lang="en-US" altLang="ko-KR" dirty="0"/>
+              <a:t>?</a:t>
+            </a:r>
+          </a:p>
+          <a:p>
+            <a:r>
+              <a:rPr lang="en-US" altLang="ko-KR" dirty="0"/>
+              <a:t>6.</a:t>
+            </a:r>
+            <a:r>
+              <a:rPr lang="ko-KR" altLang="en-US" dirty="0"/>
+              <a:t>웹브라우저에 </a:t>
+            </a:r>
+            <a:r>
+              <a:rPr lang="en-US" altLang="ko-KR" dirty="0" err="1"/>
+              <a:t>url</a:t>
+            </a:r>
+            <a:r>
+              <a:rPr lang="ko-KR" altLang="en-US" dirty="0"/>
+              <a:t>을 입력하면 어떤 일이 생기나요</a:t>
+            </a:r>
+            <a:r>
+              <a:rPr lang="en-US" altLang="ko-KR" dirty="0"/>
+              <a:t>?</a:t>
+            </a:r>
+          </a:p>
+          <a:p>
+            <a:r>
+              <a:rPr lang="en-US" altLang="ko-KR" dirty="0"/>
+              <a:t>7.</a:t>
+            </a:r>
+            <a:r>
+              <a:rPr lang="ko-KR" altLang="en-US" dirty="0"/>
+              <a:t>데이터베이스 인덱스와 </a:t>
+            </a:r>
+            <a:r>
+              <a:rPr lang="ko-KR" altLang="en-US" dirty="0" err="1"/>
+              <a:t>트랜젝션에</a:t>
+            </a:r>
+            <a:r>
+              <a:rPr lang="ko-KR" altLang="en-US" dirty="0"/>
+              <a:t> 대해 설명</a:t>
+            </a:r>
+            <a:endParaRPr lang="en-US" altLang="ko-KR" dirty="0"/>
           </a:p>
         </p:txBody>
       </p:sp>
@@ -5920,50 +5993,473 @@
         <p:spPr>
           <a:xfrm>
             <a:off x="1524000" y="2656703"/>
-            <a:ext cx="9144000" cy="2601097"/>
+            <a:ext cx="4572000" cy="2601097"/>
           </a:xfrm>
         </p:spPr>
         <p:txBody>
           <a:bodyPr>
-            <a:normAutofit lnSpcReduction="10000"/>
+            <a:noAutofit/>
           </a:bodyPr>
           <a:lstStyle/>
           <a:p>
             <a:r>
-              <a:rPr lang="en-US" altLang="ko-KR" dirty="0"/>
-              <a:t>1.</a:t>
-            </a:r>
-          </a:p>
-          <a:p>
-            <a:r>
-              <a:rPr lang="en-US" altLang="ko-KR" dirty="0"/>
-              <a:t>2.</a:t>
-            </a:r>
-          </a:p>
-          <a:p>
-            <a:r>
-              <a:rPr lang="en-US" altLang="ko-KR" dirty="0"/>
-              <a:t>3.</a:t>
-            </a:r>
-          </a:p>
-          <a:p>
-            <a:r>
-              <a:rPr lang="en-US" altLang="ko-KR" dirty="0"/>
-              <a:t>4.</a:t>
-            </a:r>
-          </a:p>
-          <a:p>
-            <a:r>
-              <a:rPr lang="en-US" altLang="ko-KR" dirty="0"/>
-              <a:t>5.</a:t>
-            </a:r>
-          </a:p>
-          <a:p>
-            <a:r>
-              <a:rPr lang="en-US" altLang="ko-KR" dirty="0"/>
-              <a:t>6….</a:t>
-            </a:r>
-            <a:endParaRPr lang="ko-KR" altLang="en-US" dirty="0"/>
+              <a:rPr lang="en-US" altLang="ko-KR" sz="1200" dirty="0"/>
+              <a:t>1. cross validation </a:t>
+            </a:r>
+            <a:r>
+              <a:rPr lang="ko-KR" altLang="en-US" sz="1200" dirty="0"/>
+              <a:t>이란</a:t>
+            </a:r>
+            <a:r>
+              <a:rPr lang="en-US" altLang="ko-KR" sz="1200" dirty="0"/>
+              <a:t>?</a:t>
+            </a:r>
+          </a:p>
+          <a:p>
+            <a:r>
+              <a:rPr lang="en-US" altLang="ko-KR" sz="1200" dirty="0"/>
+              <a:t>2. </a:t>
+            </a:r>
+            <a:r>
+              <a:rPr lang="ko-KR" altLang="en-US" sz="1200" dirty="0" err="1"/>
+              <a:t>하이퍼파라미터</a:t>
+            </a:r>
+            <a:r>
+              <a:rPr lang="ko-KR" altLang="en-US" sz="1200" dirty="0"/>
+              <a:t> 튜닝은 어떻게 할 수 있나요</a:t>
+            </a:r>
+            <a:r>
+              <a:rPr lang="en-US" altLang="ko-KR" sz="1200" dirty="0"/>
+              <a:t>?</a:t>
+            </a:r>
+          </a:p>
+          <a:p>
+            <a:r>
+              <a:rPr lang="en-US" altLang="ko-KR" sz="1200" dirty="0"/>
+              <a:t>3. batch normalization</a:t>
+            </a:r>
+            <a:r>
+              <a:rPr lang="ko-KR" altLang="en-US" sz="1200" dirty="0"/>
+              <a:t>이란</a:t>
+            </a:r>
+            <a:r>
+              <a:rPr lang="en-US" altLang="ko-KR" sz="1200" dirty="0"/>
+              <a:t>? </a:t>
+            </a:r>
+            <a:r>
+              <a:rPr lang="ko-KR" altLang="en-US" sz="1200" dirty="0"/>
+              <a:t>어떻게 동작하나요</a:t>
+            </a:r>
+            <a:r>
+              <a:rPr lang="en-US" altLang="ko-KR" sz="1200" dirty="0"/>
+              <a:t>?</a:t>
+            </a:r>
+          </a:p>
+          <a:p>
+            <a:r>
+              <a:rPr lang="en-US" altLang="ko-KR" sz="1200" dirty="0"/>
+              <a:t>4. CNN</a:t>
+            </a:r>
+            <a:r>
+              <a:rPr lang="ko-KR" altLang="en-US" sz="1200" dirty="0"/>
+              <a:t>의 장점은</a:t>
+            </a:r>
+            <a:r>
+              <a:rPr lang="en-US" altLang="ko-KR" sz="1200" dirty="0"/>
+              <a:t>?</a:t>
+            </a:r>
+          </a:p>
+          <a:p>
+            <a:r>
+              <a:rPr lang="en-US" altLang="ko-KR" sz="1200" dirty="0"/>
+              <a:t>5. active function</a:t>
+            </a:r>
+            <a:r>
+              <a:rPr lang="ko-KR" altLang="en-US" sz="1200" dirty="0"/>
+              <a:t>을 사용하는 이유는</a:t>
+            </a:r>
+            <a:r>
+              <a:rPr lang="en-US" altLang="ko-KR" sz="1200" dirty="0"/>
+              <a:t>?</a:t>
+            </a:r>
+          </a:p>
+          <a:p>
+            <a:r>
+              <a:rPr lang="en-US" altLang="ko-KR" sz="1200" dirty="0"/>
+              <a:t>6. gradient vanishing </a:t>
+            </a:r>
+            <a:r>
+              <a:rPr lang="ko-KR" altLang="en-US" sz="1200" dirty="0"/>
+              <a:t>이 생기는 이유는</a:t>
+            </a:r>
+            <a:r>
+              <a:rPr lang="en-US" altLang="ko-KR" sz="1200" dirty="0"/>
+              <a:t>? </a:t>
+            </a:r>
+            <a:r>
+              <a:rPr lang="ko-KR" altLang="en-US" sz="1200" dirty="0"/>
+              <a:t>이를 해결할 수 있는 방법은</a:t>
+            </a:r>
+            <a:r>
+              <a:rPr lang="en-US" altLang="ko-KR" sz="1200" dirty="0"/>
+              <a:t>?</a:t>
+            </a:r>
+          </a:p>
+          <a:p>
+            <a:r>
+              <a:rPr lang="en-US" altLang="ko-KR" sz="1200" dirty="0"/>
+              <a:t>7. accuracy, recall, precision</a:t>
+            </a:r>
+            <a:r>
+              <a:rPr lang="ko-KR" altLang="en-US" sz="1200" dirty="0"/>
+              <a:t>이란</a:t>
+            </a:r>
+            <a:r>
+              <a:rPr lang="en-US" altLang="ko-KR" sz="1200" dirty="0"/>
+              <a:t>? </a:t>
+            </a:r>
+            <a:r>
+              <a:rPr lang="ko-KR" altLang="en-US" sz="1200" dirty="0"/>
+              <a:t>각각은 언제 사용하는 것이 좋을까</a:t>
+            </a:r>
+            <a:r>
+              <a:rPr lang="en-US" altLang="ko-KR" sz="1200" dirty="0"/>
+              <a:t>?</a:t>
+            </a:r>
+          </a:p>
+          <a:p>
+            <a:endParaRPr lang="ko-KR" altLang="en-US" sz="1200" dirty="0"/>
+          </a:p>
+        </p:txBody>
+      </p:sp>
+      <p:sp>
+        <p:nvSpPr>
+          <p:cNvPr id="4" name="Subtitle 2">
+            <a:extLst>
+              <a:ext uri="{FF2B5EF4-FFF2-40B4-BE49-F238E27FC236}">
+                <a16:creationId xmlns:a16="http://schemas.microsoft.com/office/drawing/2014/main" id="{C3C6AE03-AC76-ED4F-AFA0-CAF0FB2951F3}"/>
+              </a:ext>
+            </a:extLst>
+          </p:cNvPr>
+          <p:cNvSpPr txBox="1">
+            <a:spLocks/>
+          </p:cNvSpPr>
+          <p:nvPr/>
+        </p:nvSpPr>
+        <p:spPr>
+          <a:xfrm>
+            <a:off x="6097979" y="2656702"/>
+            <a:ext cx="4572000" cy="2601097"/>
+          </a:xfrm>
+          <a:prstGeom prst="rect">
+            <a:avLst/>
+          </a:prstGeom>
+        </p:spPr>
+        <p:txBody>
+          <a:bodyPr vert="horz" lIns="91440" tIns="45720" rIns="91440" bIns="45720" rtlCol="0">
+            <a:noAutofit/>
+          </a:bodyPr>
+          <a:lstStyle>
+            <a:lvl1pPr marL="0" indent="0" algn="ctr" defTabSz="914400" rtl="0" eaLnBrk="1" latinLnBrk="0" hangingPunct="1">
+              <a:lnSpc>
+                <a:spcPct val="90000"/>
+              </a:lnSpc>
+              <a:spcBef>
+                <a:spcPts val="1000"/>
+              </a:spcBef>
+              <a:buFont typeface="Arial" panose="020B0604020202020204" pitchFamily="34" charset="0"/>
+              <a:buNone/>
+              <a:defRPr sz="2400" kern="1200">
+                <a:solidFill>
+                  <a:schemeClr val="tx1"/>
+                </a:solidFill>
+                <a:latin typeface="+mn-lt"/>
+                <a:ea typeface="+mn-ea"/>
+                <a:cs typeface="+mn-cs"/>
+              </a:defRPr>
+            </a:lvl1pPr>
+            <a:lvl2pPr marL="457200" indent="0" algn="ctr" defTabSz="914400" rtl="0" eaLnBrk="1" latinLnBrk="0" hangingPunct="1">
+              <a:lnSpc>
+                <a:spcPct val="90000"/>
+              </a:lnSpc>
+              <a:spcBef>
+                <a:spcPts val="500"/>
+              </a:spcBef>
+              <a:buFont typeface="Arial" panose="020B0604020202020204" pitchFamily="34" charset="0"/>
+              <a:buNone/>
+              <a:defRPr sz="2000" kern="1200">
+                <a:solidFill>
+                  <a:schemeClr val="tx1"/>
+                </a:solidFill>
+                <a:latin typeface="+mn-lt"/>
+                <a:ea typeface="+mn-ea"/>
+                <a:cs typeface="+mn-cs"/>
+              </a:defRPr>
+            </a:lvl2pPr>
+            <a:lvl3pPr marL="914400" indent="0" algn="ctr" defTabSz="914400" rtl="0" eaLnBrk="1" latinLnBrk="0" hangingPunct="1">
+              <a:lnSpc>
+                <a:spcPct val="90000"/>
+              </a:lnSpc>
+              <a:spcBef>
+                <a:spcPts val="500"/>
+              </a:spcBef>
+              <a:buFont typeface="Arial" panose="020B0604020202020204" pitchFamily="34" charset="0"/>
+              <a:buNone/>
+              <a:defRPr sz="1800" kern="1200">
+                <a:solidFill>
+                  <a:schemeClr val="tx1"/>
+                </a:solidFill>
+                <a:latin typeface="+mn-lt"/>
+                <a:ea typeface="+mn-ea"/>
+                <a:cs typeface="+mn-cs"/>
+              </a:defRPr>
+            </a:lvl3pPr>
+            <a:lvl4pPr marL="1371600" indent="0" algn="ctr" defTabSz="914400" rtl="0" eaLnBrk="1" latinLnBrk="0" hangingPunct="1">
+              <a:lnSpc>
+                <a:spcPct val="90000"/>
+              </a:lnSpc>
+              <a:spcBef>
+                <a:spcPts val="500"/>
+              </a:spcBef>
+              <a:buFont typeface="Arial" panose="020B0604020202020204" pitchFamily="34" charset="0"/>
+              <a:buNone/>
+              <a:defRPr sz="1600" kern="1200">
+                <a:solidFill>
+                  <a:schemeClr val="tx1"/>
+                </a:solidFill>
+                <a:latin typeface="+mn-lt"/>
+                <a:ea typeface="+mn-ea"/>
+                <a:cs typeface="+mn-cs"/>
+              </a:defRPr>
+            </a:lvl4pPr>
+            <a:lvl5pPr marL="1828800" indent="0" algn="ctr" defTabSz="914400" rtl="0" eaLnBrk="1" latinLnBrk="0" hangingPunct="1">
+              <a:lnSpc>
+                <a:spcPct val="90000"/>
+              </a:lnSpc>
+              <a:spcBef>
+                <a:spcPts val="500"/>
+              </a:spcBef>
+              <a:buFont typeface="Arial" panose="020B0604020202020204" pitchFamily="34" charset="0"/>
+              <a:buNone/>
+              <a:defRPr sz="1600" kern="1200">
+                <a:solidFill>
+                  <a:schemeClr val="tx1"/>
+                </a:solidFill>
+                <a:latin typeface="+mn-lt"/>
+                <a:ea typeface="+mn-ea"/>
+                <a:cs typeface="+mn-cs"/>
+              </a:defRPr>
+            </a:lvl5pPr>
+            <a:lvl6pPr marL="2286000" indent="0" algn="ctr" defTabSz="914400" rtl="0" eaLnBrk="1" latinLnBrk="0" hangingPunct="1">
+              <a:lnSpc>
+                <a:spcPct val="90000"/>
+              </a:lnSpc>
+              <a:spcBef>
+                <a:spcPts val="500"/>
+              </a:spcBef>
+              <a:buFont typeface="Arial" panose="020B0604020202020204" pitchFamily="34" charset="0"/>
+              <a:buNone/>
+              <a:defRPr sz="1600" kern="1200">
+                <a:solidFill>
+                  <a:schemeClr val="tx1"/>
+                </a:solidFill>
+                <a:latin typeface="+mn-lt"/>
+                <a:ea typeface="+mn-ea"/>
+                <a:cs typeface="+mn-cs"/>
+              </a:defRPr>
+            </a:lvl6pPr>
+            <a:lvl7pPr marL="2743200" indent="0" algn="ctr" defTabSz="914400" rtl="0" eaLnBrk="1" latinLnBrk="0" hangingPunct="1">
+              <a:lnSpc>
+                <a:spcPct val="90000"/>
+              </a:lnSpc>
+              <a:spcBef>
+                <a:spcPts val="500"/>
+              </a:spcBef>
+              <a:buFont typeface="Arial" panose="020B0604020202020204" pitchFamily="34" charset="0"/>
+              <a:buNone/>
+              <a:defRPr sz="1600" kern="1200">
+                <a:solidFill>
+                  <a:schemeClr val="tx1"/>
+                </a:solidFill>
+                <a:latin typeface="+mn-lt"/>
+                <a:ea typeface="+mn-ea"/>
+                <a:cs typeface="+mn-cs"/>
+              </a:defRPr>
+            </a:lvl7pPr>
+            <a:lvl8pPr marL="3200400" indent="0" algn="ctr" defTabSz="914400" rtl="0" eaLnBrk="1" latinLnBrk="0" hangingPunct="1">
+              <a:lnSpc>
+                <a:spcPct val="90000"/>
+              </a:lnSpc>
+              <a:spcBef>
+                <a:spcPts val="500"/>
+              </a:spcBef>
+              <a:buFont typeface="Arial" panose="020B0604020202020204" pitchFamily="34" charset="0"/>
+              <a:buNone/>
+              <a:defRPr sz="1600" kern="1200">
+                <a:solidFill>
+                  <a:schemeClr val="tx1"/>
+                </a:solidFill>
+                <a:latin typeface="+mn-lt"/>
+                <a:ea typeface="+mn-ea"/>
+                <a:cs typeface="+mn-cs"/>
+              </a:defRPr>
+            </a:lvl8pPr>
+            <a:lvl9pPr marL="3657600" indent="0" algn="ctr" defTabSz="914400" rtl="0" eaLnBrk="1" latinLnBrk="0" hangingPunct="1">
+              <a:lnSpc>
+                <a:spcPct val="90000"/>
+              </a:lnSpc>
+              <a:spcBef>
+                <a:spcPts val="500"/>
+              </a:spcBef>
+              <a:buFont typeface="Arial" panose="020B0604020202020204" pitchFamily="34" charset="0"/>
+              <a:buNone/>
+              <a:defRPr sz="1600" kern="1200">
+                <a:solidFill>
+                  <a:schemeClr val="tx1"/>
+                </a:solidFill>
+                <a:latin typeface="+mn-lt"/>
+                <a:ea typeface="+mn-ea"/>
+                <a:cs typeface="+mn-cs"/>
+              </a:defRPr>
+            </a:lvl9pPr>
+          </a:lstStyle>
+          <a:p>
+            <a:r>
+              <a:rPr lang="en-US" altLang="ko-KR" sz="1200" dirty="0"/>
+              <a:t>8.</a:t>
+            </a:r>
+            <a:r>
+              <a:rPr lang="ko-KR" altLang="en-US" sz="1200" dirty="0"/>
+              <a:t> </a:t>
+            </a:r>
+            <a:r>
+              <a:rPr lang="en-US" altLang="ko-KR" sz="1200" dirty="0"/>
+              <a:t>back propagation</a:t>
+            </a:r>
+            <a:r>
+              <a:rPr lang="ko-KR" altLang="en-US" sz="1200" dirty="0"/>
+              <a:t>이란</a:t>
+            </a:r>
+            <a:r>
+              <a:rPr lang="en-US" altLang="ko-KR" sz="1200" dirty="0"/>
+              <a:t>?</a:t>
+            </a:r>
+          </a:p>
+          <a:p>
+            <a:r>
+              <a:rPr lang="en-US" altLang="ko-KR" sz="1200" dirty="0"/>
+              <a:t>9. Max pooling</a:t>
+            </a:r>
+            <a:r>
+              <a:rPr lang="ko-KR" altLang="en-US" sz="1200" dirty="0"/>
+              <a:t>을 하는 이유는</a:t>
+            </a:r>
+            <a:r>
+              <a:rPr lang="en-US" altLang="ko-KR" sz="1200" dirty="0"/>
+              <a:t>?</a:t>
+            </a:r>
+          </a:p>
+          <a:p>
+            <a:r>
+              <a:rPr lang="en-US" altLang="ko-KR" sz="1200" dirty="0"/>
+              <a:t>10. active function</a:t>
+            </a:r>
+            <a:r>
+              <a:rPr lang="ko-KR" altLang="en-US" sz="1200" dirty="0"/>
+              <a:t>에서 </a:t>
+            </a:r>
+            <a:r>
+              <a:rPr lang="en-US" altLang="ko-KR" sz="1200" dirty="0" err="1"/>
+              <a:t>relu</a:t>
+            </a:r>
+            <a:r>
+              <a:rPr lang="ko-KR" altLang="en-US" sz="1200" dirty="0"/>
+              <a:t>나 </a:t>
+            </a:r>
+            <a:r>
+              <a:rPr lang="en-US" altLang="ko-KR" sz="1200" dirty="0"/>
+              <a:t>mish</a:t>
+            </a:r>
+            <a:r>
+              <a:rPr lang="ko-KR" altLang="en-US" sz="1200" dirty="0" err="1"/>
+              <a:t>를</a:t>
+            </a:r>
+            <a:r>
+              <a:rPr lang="ko-KR" altLang="en-US" sz="1200" dirty="0"/>
+              <a:t> 많이 사용하는 이유는</a:t>
+            </a:r>
+            <a:r>
+              <a:rPr lang="en-US" altLang="ko-KR" sz="1200" dirty="0"/>
+              <a:t>?</a:t>
+            </a:r>
+          </a:p>
+          <a:p>
+            <a:r>
+              <a:rPr lang="en-US" altLang="ko-KR" sz="1200" dirty="0"/>
+              <a:t>11. </a:t>
+            </a:r>
+            <a:r>
+              <a:rPr lang="ko-KR" altLang="en-US" sz="1200" dirty="0"/>
+              <a:t>모델의 성능 평가 지표에는 무엇이 있나요</a:t>
+            </a:r>
+            <a:r>
+              <a:rPr lang="en-US" altLang="ko-KR" sz="1200" dirty="0"/>
+              <a:t>?</a:t>
+            </a:r>
+          </a:p>
+          <a:p>
+            <a:r>
+              <a:rPr lang="en-US" altLang="ko-KR" sz="1200" dirty="0"/>
+              <a:t>12. gradient descent</a:t>
+            </a:r>
+            <a:r>
+              <a:rPr lang="ko-KR" altLang="en-US" sz="1200" dirty="0"/>
+              <a:t>에서 최대한 자세히 설명한다면</a:t>
+            </a:r>
+            <a:r>
+              <a:rPr lang="en-US" altLang="ko-KR" sz="1200" dirty="0"/>
+              <a:t>?</a:t>
+            </a:r>
+          </a:p>
+          <a:p>
+            <a:r>
+              <a:rPr lang="en-US" altLang="ko-KR" sz="1200" dirty="0"/>
+              <a:t>13. local minima</a:t>
+            </a:r>
+            <a:r>
+              <a:rPr lang="ko-KR" altLang="en-US" sz="1200" dirty="0" err="1"/>
+              <a:t>를</a:t>
+            </a:r>
+            <a:r>
+              <a:rPr lang="ko-KR" altLang="en-US" sz="1200" dirty="0"/>
+              <a:t> 해결하는 방법은</a:t>
+            </a:r>
+            <a:r>
+              <a:rPr lang="en-US" altLang="ko-KR" sz="1200" dirty="0"/>
+              <a:t>?</a:t>
+            </a:r>
+          </a:p>
+          <a:p>
+            <a:r>
+              <a:rPr lang="en-US" altLang="ko-KR" sz="1200" dirty="0"/>
+              <a:t>14. likelihood</a:t>
+            </a:r>
+            <a:r>
+              <a:rPr lang="ko-KR" altLang="en-US" sz="1200" dirty="0"/>
+              <a:t>란</a:t>
+            </a:r>
+            <a:r>
+              <a:rPr lang="en-US" altLang="ko-KR" sz="1200" dirty="0"/>
+              <a:t>? </a:t>
+            </a:r>
+            <a:r>
+              <a:rPr lang="ko-KR" altLang="en-US" sz="1200" dirty="0"/>
+              <a:t>이를 정규분포에서 어떻게 설명할 수 있을까</a:t>
+            </a:r>
+            <a:r>
+              <a:rPr lang="en-US" altLang="ko-KR" sz="1200" dirty="0"/>
+              <a:t>?</a:t>
+            </a:r>
           </a:p>
         </p:txBody>
       </p:sp>
@@ -7005,20 +7501,10 @@
           </a:p>
           <a:p>
             <a:r>
-              <a:rPr lang="en-US" altLang="ko-KR" dirty="0"/>
-              <a:t>https://</a:t>
-            </a:r>
-            <a:r>
-              <a:rPr lang="en-US" altLang="ko-KR" dirty="0" err="1"/>
-              <a:t>sqlbolt.com</a:t>
-            </a:r>
-            <a:r>
-              <a:rPr lang="en-US" altLang="ko-KR" dirty="0"/>
-              <a:t>/lesson/</a:t>
-            </a:r>
-            <a:r>
-              <a:rPr lang="en-US" altLang="ko-KR" dirty="0" err="1"/>
-              <a:t>select_queries_introduction</a:t>
+              <a:rPr lang="en-US" altLang="ko-KR" dirty="0">
+                <a:hlinkClick r:id="rId2"/>
+              </a:rPr>
+              <a:t>https://sqlbolt.com/lesson/select_queries_introduction</a:t>
             </a:r>
             <a:endParaRPr lang="en-US" altLang="ko-KR" dirty="0"/>
           </a:p>
@@ -7358,40 +7844,27 @@
           </a:p>
           <a:p>
             <a:r>
-              <a:rPr lang="en-US" altLang="ko-KR" dirty="0"/>
-              <a:t>https://</a:t>
-            </a:r>
-            <a:r>
-              <a:rPr lang="en-US" altLang="ko-KR" dirty="0" err="1"/>
-              <a:t>programmers.co.kr</a:t>
-            </a:r>
-            <a:r>
-              <a:rPr lang="en-US" altLang="ko-KR" dirty="0"/>
-              <a:t>/</a:t>
-            </a:r>
-            <a:r>
-              <a:rPr lang="en-US" altLang="ko-KR" dirty="0" err="1"/>
-              <a:t>skill_check_assignments</a:t>
-            </a:r>
-            <a:r>
-              <a:rPr lang="en-US" altLang="ko-KR" dirty="0"/>
-              <a:t>/133</a:t>
-            </a:r>
-          </a:p>
-          <a:p>
-            <a:r>
-              <a:rPr lang="ko-KR" altLang="en-US" dirty="0" err="1"/>
-              <a:t>우수코드</a:t>
-            </a:r>
-            <a:r>
-              <a:rPr lang="en-US" altLang="ko-KR" dirty="0"/>
-              <a:t>:</a:t>
-            </a:r>
-          </a:p>
-          <a:p>
-            <a:r>
               <a:rPr lang="en-US" altLang="ko-KR" dirty="0">
                 <a:hlinkClick r:id="rId2"/>
+              </a:rPr>
+              <a:t>https://programmers.co.kr/skill_check_assignments/133</a:t>
+            </a:r>
+            <a:endParaRPr lang="en-US" altLang="ko-KR" dirty="0"/>
+          </a:p>
+          <a:p>
+            <a:r>
+              <a:rPr lang="ko-KR" altLang="en-US" dirty="0" err="1"/>
+              <a:t>우수코드</a:t>
+            </a:r>
+            <a:r>
+              <a:rPr lang="en-US" altLang="ko-KR" dirty="0"/>
+              <a:t>:</a:t>
+            </a:r>
+          </a:p>
+          <a:p>
+            <a:r>
+              <a:rPr lang="en-US" altLang="ko-KR" dirty="0">
+                <a:hlinkClick r:id="rId3"/>
               </a:rPr>
               <a:t>https://prgms.tistory.com/68</a:t>
             </a:r>
@@ -7493,67 +7966,57 @@
           <a:p>
             <a:r>
               <a:rPr lang="ko-KR" altLang="en-US" dirty="0"/>
-              <a:t>서울 취업</a:t>
-            </a:r>
-            <a:r>
-              <a:rPr lang="en-US" altLang="ko-KR" dirty="0"/>
-              <a:t>,</a:t>
-            </a:r>
-            <a:r>
-              <a:rPr lang="ko-KR" altLang="en-US" dirty="0"/>
-              <a:t> 이사 등이 가능할지 고민해보는 것도 좋습니다</a:t>
-            </a:r>
-            <a:r>
-              <a:rPr lang="en-US" altLang="ko-KR"/>
+              <a:t>서울에 취업할 수 있는 환경인지 </a:t>
+            </a:r>
+            <a:r>
+              <a:rPr lang="ko-KR" altLang="en-US" dirty="0" err="1"/>
+              <a:t>고민해보기</a:t>
+            </a:r>
+            <a:endParaRPr lang="en-US" altLang="ko-KR" dirty="0"/>
+          </a:p>
+          <a:p>
+            <a:r>
+              <a:rPr lang="ko-KR" altLang="en-US" dirty="0" err="1"/>
+              <a:t>원티드</a:t>
+            </a:r>
+            <a:r>
+              <a:rPr lang="ko-KR" altLang="en-US" dirty="0"/>
+              <a:t> 활용을 추천합니다</a:t>
+            </a:r>
+            <a:r>
+              <a:rPr lang="en-US" altLang="ko-KR" dirty="0"/>
               <a:t>.</a:t>
             </a:r>
-            <a:endParaRPr lang="en-US" altLang="ko-KR" dirty="0"/>
-          </a:p>
-          <a:p>
-            <a:endParaRPr lang="en-US" altLang="ko-KR" dirty="0"/>
-          </a:p>
-          <a:p>
-            <a:r>
-              <a:rPr lang="ko-KR" altLang="en-US" dirty="0" err="1"/>
-              <a:t>원티드</a:t>
-            </a:r>
-            <a:r>
-              <a:rPr lang="ko-KR" altLang="en-US" dirty="0"/>
-              <a:t> 활용</a:t>
+          </a:p>
+          <a:p>
+            <a:r>
+              <a:rPr lang="ko-KR" altLang="en-US"/>
+              <a:t>평점을 찾아봤을 때  </a:t>
+            </a:r>
+            <a:r>
+              <a:rPr lang="ko-KR" altLang="en-US" dirty="0" err="1"/>
+              <a:t>잡플래닛이나</a:t>
+            </a:r>
+            <a:r>
+              <a:rPr lang="ko-KR" altLang="en-US" dirty="0"/>
+              <a:t> 블라인드 평점 </a:t>
+            </a:r>
+            <a:r>
+              <a:rPr lang="en-US" altLang="ko-KR" dirty="0"/>
+              <a:t>3.0</a:t>
+            </a:r>
+            <a:r>
+              <a:rPr lang="ko-KR" altLang="en-US" dirty="0"/>
+              <a:t> 밑은 </a:t>
+            </a:r>
+            <a:r>
+              <a:rPr lang="ko-KR" altLang="en-US" dirty="0" err="1"/>
+              <a:t>비추천합니다</a:t>
             </a:r>
             <a:r>
               <a:rPr lang="en-US" altLang="ko-KR" dirty="0"/>
               <a:t>.</a:t>
             </a:r>
-            <a:r>
-              <a:rPr lang="ko-KR" altLang="en-US" dirty="0"/>
-              <a:t> </a:t>
-            </a:r>
-            <a:r>
-              <a:rPr lang="ko-KR" altLang="en-US" dirty="0" err="1"/>
-              <a:t>잡플래닛</a:t>
-            </a:r>
-            <a:r>
-              <a:rPr lang="en-US" altLang="ko-KR" dirty="0"/>
-              <a:t>,</a:t>
-            </a:r>
-            <a:r>
-              <a:rPr lang="ko-KR" altLang="en-US" dirty="0"/>
-              <a:t> 블라인드 평점 </a:t>
-            </a:r>
-            <a:r>
-              <a:rPr lang="en-US" altLang="ko-KR" dirty="0"/>
-              <a:t>3.0</a:t>
-            </a:r>
-            <a:r>
-              <a:rPr lang="ko-KR" altLang="en-US" dirty="0"/>
-              <a:t> 밑은 </a:t>
-            </a:r>
-            <a:r>
-              <a:rPr lang="ko-KR" altLang="en-US" dirty="0" err="1"/>
-              <a:t>비추천</a:t>
-            </a:r>
-            <a:endParaRPr lang="en-US" altLang="ko-KR" dirty="0"/>
           </a:p>
           <a:p>
             <a:r>
@@ -7945,46 +8408,49 @@
               <a:t>8. </a:t>
             </a:r>
             <a:r>
-              <a:rPr lang="ko-KR" altLang="en-US" dirty="0" err="1"/>
+              <a:rPr lang="ko-KR" altLang="en-US" b="1" dirty="0" err="1"/>
               <a:t>코딩테스트</a:t>
             </a:r>
             <a:r>
-              <a:rPr lang="ko-KR" altLang="en-US" dirty="0"/>
+              <a:rPr lang="ko-KR" altLang="en-US" b="1" dirty="0"/>
               <a:t> </a:t>
             </a:r>
             <a:r>
-              <a:rPr lang="en-US" altLang="ko-KR" dirty="0"/>
+              <a:rPr lang="en-US" altLang="ko-KR" b="1" dirty="0"/>
               <a:t>2</a:t>
             </a:r>
             <a:r>
-              <a:rPr lang="ko-KR" altLang="en-US" dirty="0"/>
+              <a:rPr lang="ko-KR" altLang="en-US" b="1" dirty="0"/>
               <a:t>주전 혹은 시간이 </a:t>
             </a:r>
             <a:r>
-              <a:rPr lang="ko-KR" altLang="en-US" dirty="0" err="1"/>
+              <a:rPr lang="ko-KR" altLang="en-US" b="1" dirty="0" err="1"/>
               <a:t>흐른후</a:t>
             </a:r>
             <a:r>
-              <a:rPr lang="en-US" altLang="ko-KR" dirty="0"/>
+              <a:rPr lang="en-US" altLang="ko-KR" b="1" dirty="0"/>
               <a:t>, </a:t>
             </a:r>
             <a:r>
-              <a:rPr lang="ko-KR" altLang="en-US" dirty="0"/>
+              <a:rPr lang="ko-KR" altLang="en-US" b="1" dirty="0"/>
               <a:t>내가 틀려서 </a:t>
             </a:r>
             <a:r>
-              <a:rPr lang="ko-KR" altLang="en-US" dirty="0" err="1"/>
+              <a:rPr lang="ko-KR" altLang="en-US" b="1" dirty="0" err="1"/>
               <a:t>못풀었던</a:t>
             </a:r>
             <a:r>
-              <a:rPr lang="ko-KR" altLang="en-US" dirty="0"/>
+              <a:rPr lang="ko-KR" altLang="en-US" b="1" dirty="0"/>
               <a:t> 문제들을 다시 풀어봅니다</a:t>
             </a:r>
             <a:r>
-              <a:rPr lang="en-US" altLang="ko-KR" dirty="0"/>
+              <a:rPr lang="en-US" altLang="ko-KR" b="1" dirty="0"/>
               <a:t>.</a:t>
             </a:r>
-            <a:endParaRPr lang="ko-KR" altLang="en-US" dirty="0"/>
+            <a:r>
+              <a:rPr lang="ko-KR" altLang="en-US" b="1" dirty="0"/>
+              <a:t> </a:t>
+            </a:r>
           </a:p>
         </p:txBody>
       </p:sp>
